--- a/25Sumr8W2_MSDS640_X70/2025_COMPAS_Bias_Case_Study/presentation/COMPAS_Bias_Presentation.pptx
+++ b/25Sumr8W2_MSDS640_X70/2025_COMPAS_Bias_Case_Study/presentation/COMPAS_Bias_Presentation.pptx
@@ -31,8 +31,8 @@
 </file>
 
 <file path=ppt/slideLayouts/slideLayout1.xml><?xml version="1.0" encoding="utf-8"?>
-<p:sldLayout xmlns:a="http://schemas.openxmlformats.org/drawingml/2006/main" xmlns:p="http://schemas.openxmlformats.org/presentationml/2006/main" xmlns:r="http://schemas.openxmlformats.org/officeDocument/2006/relationships" xmlns:p14="http://schemas.microsoft.com/office/powerpoint/2010/main" xmlns:p15="http://schemas.microsoft.com/office/powerpoint/2012/main" xmlns:mc="http://schemas.openxmlformats.org/markup-compatibility/2006" type="title" preserve="1">
-  <p:cSld name="Title Slide">
+<p:sldLayout xmlns:a="http://schemas.openxmlformats.org/drawingml/2006/main" xmlns:p="http://schemas.openxmlformats.org/presentationml/2006/main" xmlns:r="http://schemas.openxmlformats.org/officeDocument/2006/relationships" xmlns:p14="http://schemas.microsoft.com/office/powerpoint/2010/main" xmlns:p15="http://schemas.microsoft.com/office/powerpoint/2012/main" xmlns:mc="http://schemas.openxmlformats.org/markup-compatibility/2006" type="blank" preserve="1">
+  <p:cSld name="Blank">
     <p:bg>
       <p:bgPr>
         <a:solidFill>
@@ -61,13 +61,13 @@
             <a:spLocks noGrp="1"/>
           </p:cNvSpPr>
           <p:nvPr>
-            <p:ph type="title"/>
+            <p:ph type="dt" idx="1"/>
           </p:nvPr>
         </p:nvSpPr>
         <p:spPr>
           <a:xfrm>
-            <a:off x="1523880" y="1122480"/>
-            <a:ext cx="9143640" cy="2387160"/>
+            <a:off x="838080" y="6356520"/>
+            <a:ext cx="2742480" cy="364320"/>
           </a:xfrm>
           <a:prstGeom prst="rect">
             <a:avLst/>
@@ -78,34 +78,60 @@
           </a:ln>
         </p:spPr>
         <p:txBody>
-          <a:bodyPr lIns="91440" rIns="91440" tIns="45720" bIns="45720" anchor="b">
+          <a:bodyPr lIns="91440" rIns="91440" tIns="45720" bIns="45720" anchor="ctr">
             <a:noAutofit/>
           </a:bodyPr>
-          <a:p>
-            <a:pPr indent="0" algn="ctr" defTabSz="914400">
-              <a:lnSpc>
-                <a:spcPct val="90000"/>
+          <a:lstStyle>
+            <a:lvl1pPr indent="0" defTabSz="914400">
+              <a:lnSpc>
+                <a:spcPct val="100000"/>
               </a:lnSpc>
               <a:buNone/>
-            </a:pPr>
-            <a:r>
-              <a:rPr b="0" lang="en-US" sz="6000" strike="noStrike" u="none">
-                <a:solidFill>
-                  <a:schemeClr val="dk1"/>
-                </a:solidFill>
-                <a:effectLst/>
-                <a:uFillTx/>
-                <a:latin typeface="Calibri Light"/>
-              </a:rPr>
-              <a:t>Click to edit Master title style</a:t>
-            </a:r>
-            <a:endParaRPr b="0" lang="en-US" sz="6000" strike="noStrike" u="none">
-              <a:solidFill>
-                <a:schemeClr val="dk1"/>
-              </a:solidFill>
-              <a:effectLst/>
-              <a:uFillTx/>
-              <a:latin typeface="Calibri"/>
+              <a:tabLst>
+                <a:tab algn="l" pos="0"/>
+              </a:tabLst>
+              <a:defRPr b="0" lang="en-US" sz="1200" strike="noStrike" u="none">
+                <a:solidFill>
+                  <a:schemeClr val="dk1">
+                    <a:tint val="75000"/>
+                  </a:schemeClr>
+                </a:solidFill>
+                <a:effectLst/>
+                <a:uFillTx/>
+                <a:latin typeface="Calibri"/>
+              </a:defRPr>
+            </a:lvl1pPr>
+          </a:lstStyle>
+          <a:p>
+            <a:pPr indent="0" defTabSz="914400">
+              <a:lnSpc>
+                <a:spcPct val="100000"/>
+              </a:lnSpc>
+              <a:buNone/>
+              <a:tabLst>
+                <a:tab algn="l" pos="0"/>
+              </a:tabLst>
+            </a:pPr>
+            <a:r>
+              <a:rPr b="0" lang="en-US" sz="1200" strike="noStrike" u="none">
+                <a:solidFill>
+                  <a:schemeClr val="dk1">
+                    <a:tint val="75000"/>
+                  </a:schemeClr>
+                </a:solidFill>
+                <a:effectLst/>
+                <a:uFillTx/>
+                <a:latin typeface="Calibri"/>
+              </a:rPr>
+              <a:t> </a:t>
+            </a:r>
+            <a:endParaRPr b="0" lang="en-US" sz="1200" strike="noStrike" u="none">
+              <a:solidFill>
+                <a:srgbClr val="000000"/>
+              </a:solidFill>
+              <a:effectLst/>
+              <a:uFillTx/>
+              <a:latin typeface="Times New Roman"/>
             </a:endParaRPr>
           </a:p>
         </p:txBody>
@@ -117,13 +143,13 @@
             <a:spLocks noGrp="1"/>
           </p:cNvSpPr>
           <p:nvPr>
-            <p:ph type="dt" idx="1"/>
+            <p:ph type="ftr" idx="2"/>
           </p:nvPr>
         </p:nvSpPr>
         <p:spPr>
           <a:xfrm>
-            <a:off x="838080" y="6356520"/>
-            <a:ext cx="2742840" cy="364680"/>
+            <a:off x="4038480" y="6356520"/>
+            <a:ext cx="4114080" cy="364320"/>
           </a:xfrm>
           <a:prstGeom prst="rect">
             <a:avLst/>
@@ -138,44 +164,46 @@
             <a:noAutofit/>
           </a:bodyPr>
           <a:lstStyle>
-            <a:lvl1pPr indent="0" defTabSz="914400">
+            <a:lvl1pPr indent="0" algn="ctr">
               <a:lnSpc>
                 <a:spcPct val="100000"/>
               </a:lnSpc>
               <a:buNone/>
-              <a:defRPr b="0" lang="en-US" sz="1200" strike="noStrike" u="none">
-                <a:solidFill>
-                  <a:schemeClr val="dk1">
-                    <a:tint val="75000"/>
-                  </a:schemeClr>
-                </a:solidFill>
-                <a:effectLst/>
-                <a:uFillTx/>
-                <a:latin typeface="Calibri"/>
+              <a:tabLst>
+                <a:tab algn="l" pos="0"/>
+              </a:tabLst>
+              <a:defRPr b="0" lang="en-US" sz="1400" strike="noStrike" u="none">
+                <a:solidFill>
+                  <a:srgbClr val="000000"/>
+                </a:solidFill>
+                <a:effectLst/>
+                <a:uFillTx/>
+                <a:latin typeface="Times New Roman"/>
               </a:defRPr>
             </a:lvl1pPr>
           </a:lstStyle>
           <a:p>
-            <a:pPr indent="0" defTabSz="914400">
+            <a:pPr indent="0" algn="ctr">
               <a:lnSpc>
                 <a:spcPct val="100000"/>
               </a:lnSpc>
               <a:buNone/>
-            </a:pPr>
-            <a:r>
-              <a:rPr b="0" lang="en-US" sz="1200" strike="noStrike" u="none">
-                <a:solidFill>
-                  <a:schemeClr val="dk1">
-                    <a:tint val="75000"/>
-                  </a:schemeClr>
-                </a:solidFill>
-                <a:effectLst/>
-                <a:uFillTx/>
-                <a:latin typeface="Calibri"/>
-              </a:rPr>
-              <a:t>&lt;date/time&gt;</a:t>
-            </a:r>
-            <a:endParaRPr b="0" lang="en-US" sz="1200" strike="noStrike" u="none">
+              <a:tabLst>
+                <a:tab algn="l" pos="0"/>
+              </a:tabLst>
+            </a:pPr>
+            <a:r>
+              <a:rPr b="0" lang="en-US" sz="1400" strike="noStrike" u="none">
+                <a:solidFill>
+                  <a:srgbClr val="000000"/>
+                </a:solidFill>
+                <a:effectLst/>
+                <a:uFillTx/>
+                <a:latin typeface="Times New Roman"/>
+              </a:rPr>
+              <a:t> </a:t>
+            </a:r>
+            <a:endParaRPr b="0" lang="en-US" sz="1400" strike="noStrike" u="none">
               <a:solidFill>
                 <a:srgbClr val="000000"/>
               </a:solidFill>
@@ -193,79 +221,13 @@
             <a:spLocks noGrp="1"/>
           </p:cNvSpPr>
           <p:nvPr>
-            <p:ph type="ftr" idx="2"/>
-          </p:nvPr>
-        </p:nvSpPr>
-        <p:spPr>
-          <a:xfrm>
-            <a:off x="4038480" y="6356520"/>
-            <a:ext cx="4114440" cy="364680"/>
-          </a:xfrm>
-          <a:prstGeom prst="rect">
-            <a:avLst/>
-          </a:prstGeom>
-          <a:noFill/>
-          <a:ln w="0">
-            <a:noFill/>
-          </a:ln>
-        </p:spPr>
-        <p:txBody>
-          <a:bodyPr lIns="91440" rIns="91440" tIns="45720" bIns="45720" anchor="ctr">
-            <a:noAutofit/>
-          </a:bodyPr>
-          <a:lstStyle>
-            <a:lvl1pPr indent="0" algn="ctr">
-              <a:buNone/>
-              <a:defRPr b="0" lang="en-US" sz="1400" strike="noStrike" u="none">
-                <a:solidFill>
-                  <a:srgbClr val="000000"/>
-                </a:solidFill>
-                <a:effectLst/>
-                <a:uFillTx/>
-                <a:latin typeface="Times New Roman"/>
-              </a:defRPr>
-            </a:lvl1pPr>
-          </a:lstStyle>
-          <a:p>
-            <a:pPr indent="0" algn="ctr">
-              <a:buNone/>
-            </a:pPr>
-            <a:r>
-              <a:rPr b="0" lang="en-US" sz="1400" strike="noStrike" u="none">
-                <a:solidFill>
-                  <a:srgbClr val="000000"/>
-                </a:solidFill>
-                <a:effectLst/>
-                <a:uFillTx/>
-                <a:latin typeface="Times New Roman"/>
-              </a:rPr>
-              <a:t>&lt;footer&gt;</a:t>
-            </a:r>
-            <a:endParaRPr b="0" lang="en-US" sz="1400" strike="noStrike" u="none">
-              <a:solidFill>
-                <a:srgbClr val="000000"/>
-              </a:solidFill>
-              <a:effectLst/>
-              <a:uFillTx/>
-              <a:latin typeface="Times New Roman"/>
-            </a:endParaRPr>
-          </a:p>
-        </p:txBody>
-      </p:sp>
-      <p:sp>
-        <p:nvSpPr>
-          <p:cNvPr id="3" name="PlaceHolder 4"/>
-          <p:cNvSpPr>
-            <a:spLocks noGrp="1"/>
-          </p:cNvSpPr>
-          <p:nvPr>
             <p:ph type="sldNum" idx="3"/>
           </p:nvPr>
         </p:nvSpPr>
         <p:spPr>
           <a:xfrm>
             <a:off x="8610480" y="6356520"/>
-            <a:ext cx="2742840" cy="364680"/>
+            <a:ext cx="2742480" cy="364320"/>
           </a:xfrm>
           <a:prstGeom prst="rect">
             <a:avLst/>
@@ -285,6 +247,9 @@
                 <a:spcPct val="100000"/>
               </a:lnSpc>
               <a:buNone/>
+              <a:tabLst>
+                <a:tab algn="l" pos="0"/>
+              </a:tabLst>
               <a:defRPr b="0" lang="en-US" sz="1200" strike="noStrike" u="none">
                 <a:solidFill>
                   <a:schemeClr val="dk1">
@@ -303,8 +268,11 @@
                 <a:spcPct val="100000"/>
               </a:lnSpc>
               <a:buNone/>
-            </a:pPr>
-            <a:fld id="{6E0F2BC2-7507-4B3A-A9DC-1F7340190715}" type="slidenum">
+              <a:tabLst>
+                <a:tab algn="l" pos="0"/>
+              </a:tabLst>
+            </a:pPr>
+            <a:fld id="{06796EBE-4FEC-4830-8E46-BC8A423ABC13}" type="slidenum">
               <a:rPr b="0" lang="en-US" sz="1200" strike="noStrike" u="none">
                 <a:solidFill>
                   <a:schemeClr val="dk1">
@@ -315,7 +283,7 @@
                 <a:uFillTx/>
                 <a:latin typeface="Calibri"/>
               </a:rPr>
-              <a:t>&lt;number&gt;</a:t>
+              <a:t>18</a:t>
             </a:fld>
             <a:endParaRPr b="0" lang="en-US" sz="1200" strike="noStrike" u="none">
               <a:solidFill>
@@ -324,280 +292,6 @@
               <a:effectLst/>
               <a:uFillTx/>
               <a:latin typeface="Times New Roman"/>
-            </a:endParaRPr>
-          </a:p>
-        </p:txBody>
-      </p:sp>
-      <p:sp>
-        <p:nvSpPr>
-          <p:cNvPr id="4" name="PlaceHolder 5"/>
-          <p:cNvSpPr>
-            <a:spLocks noGrp="1"/>
-          </p:cNvSpPr>
-          <p:nvPr>
-            <p:ph type="body"/>
-          </p:nvPr>
-        </p:nvSpPr>
-        <p:spPr>
-          <a:xfrm>
-            <a:off x="609480" y="1604520"/>
-            <a:ext cx="10972440" cy="3977280"/>
-          </a:xfrm>
-          <a:prstGeom prst="rect">
-            <a:avLst/>
-          </a:prstGeom>
-          <a:noFill/>
-          <a:ln w="0">
-            <a:noFill/>
-          </a:ln>
-        </p:spPr>
-        <p:txBody>
-          <a:bodyPr lIns="0" rIns="0" tIns="0" bIns="0" anchor="t">
-            <a:normAutofit/>
-          </a:bodyPr>
-          <a:p>
-            <a:pPr marL="432000" indent="-324000">
-              <a:lnSpc>
-                <a:spcPct val="90000"/>
-              </a:lnSpc>
-              <a:spcBef>
-                <a:spcPts val="1417"/>
-              </a:spcBef>
-              <a:buClr>
-                <a:srgbClr val="000000"/>
-              </a:buClr>
-              <a:buSzPct val="45000"/>
-              <a:buFont typeface="Wingdings" charset="2"/>
-              <a:buChar char=""/>
-            </a:pPr>
-            <a:r>
-              <a:rPr b="0" lang="en-US" sz="2800" strike="noStrike" u="none">
-                <a:solidFill>
-                  <a:schemeClr val="dk1"/>
-                </a:solidFill>
-                <a:effectLst/>
-                <a:uFillTx/>
-                <a:latin typeface="Calibri"/>
-              </a:rPr>
-              <a:t>Click to edit the outline text format</a:t>
-            </a:r>
-            <a:endParaRPr b="0" lang="en-US" sz="2800" strike="noStrike" u="none">
-              <a:solidFill>
-                <a:schemeClr val="dk1"/>
-              </a:solidFill>
-              <a:effectLst/>
-              <a:uFillTx/>
-              <a:latin typeface="Calibri"/>
-            </a:endParaRPr>
-          </a:p>
-          <a:p>
-            <a:pPr lvl="1" marL="864000" indent="-324000">
-              <a:lnSpc>
-                <a:spcPct val="90000"/>
-              </a:lnSpc>
-              <a:spcBef>
-                <a:spcPts val="1134"/>
-              </a:spcBef>
-              <a:buClr>
-                <a:srgbClr val="000000"/>
-              </a:buClr>
-              <a:buSzPct val="75000"/>
-              <a:buFont typeface="Symbol" charset="2"/>
-              <a:buChar char=""/>
-            </a:pPr>
-            <a:r>
-              <a:rPr b="0" lang="en-US" sz="2000" strike="noStrike" u="none">
-                <a:solidFill>
-                  <a:schemeClr val="dk1"/>
-                </a:solidFill>
-                <a:effectLst/>
-                <a:uFillTx/>
-                <a:latin typeface="Calibri"/>
-              </a:rPr>
-              <a:t>Second Outline Level</a:t>
-            </a:r>
-            <a:endParaRPr b="0" lang="en-US" sz="2000" strike="noStrike" u="none">
-              <a:solidFill>
-                <a:schemeClr val="dk1"/>
-              </a:solidFill>
-              <a:effectLst/>
-              <a:uFillTx/>
-              <a:latin typeface="Calibri"/>
-            </a:endParaRPr>
-          </a:p>
-          <a:p>
-            <a:pPr lvl="2" marL="1296000" indent="-288000">
-              <a:lnSpc>
-                <a:spcPct val="90000"/>
-              </a:lnSpc>
-              <a:spcBef>
-                <a:spcPts val="850"/>
-              </a:spcBef>
-              <a:buClr>
-                <a:srgbClr val="000000"/>
-              </a:buClr>
-              <a:buSzPct val="45000"/>
-              <a:buFont typeface="Wingdings" charset="2"/>
-              <a:buChar char=""/>
-            </a:pPr>
-            <a:r>
-              <a:rPr b="0" lang="en-US" sz="1800" strike="noStrike" u="none">
-                <a:solidFill>
-                  <a:schemeClr val="dk1"/>
-                </a:solidFill>
-                <a:effectLst/>
-                <a:uFillTx/>
-                <a:latin typeface="Calibri"/>
-              </a:rPr>
-              <a:t>Third Outline Level</a:t>
-            </a:r>
-            <a:endParaRPr b="0" lang="en-US" sz="1800" strike="noStrike" u="none">
-              <a:solidFill>
-                <a:schemeClr val="dk1"/>
-              </a:solidFill>
-              <a:effectLst/>
-              <a:uFillTx/>
-              <a:latin typeface="Calibri"/>
-            </a:endParaRPr>
-          </a:p>
-          <a:p>
-            <a:pPr lvl="3" marL="1728000" indent="-216000">
-              <a:lnSpc>
-                <a:spcPct val="90000"/>
-              </a:lnSpc>
-              <a:spcBef>
-                <a:spcPts val="567"/>
-              </a:spcBef>
-              <a:buClr>
-                <a:srgbClr val="000000"/>
-              </a:buClr>
-              <a:buSzPct val="75000"/>
-              <a:buFont typeface="Symbol" charset="2"/>
-              <a:buChar char=""/>
-            </a:pPr>
-            <a:r>
-              <a:rPr b="0" lang="en-US" sz="1800" strike="noStrike" u="none">
-                <a:solidFill>
-                  <a:schemeClr val="dk1"/>
-                </a:solidFill>
-                <a:effectLst/>
-                <a:uFillTx/>
-                <a:latin typeface="Calibri"/>
-              </a:rPr>
-              <a:t>Fourth Outline Level</a:t>
-            </a:r>
-            <a:endParaRPr b="0" lang="en-US" sz="1800" strike="noStrike" u="none">
-              <a:solidFill>
-                <a:schemeClr val="dk1"/>
-              </a:solidFill>
-              <a:effectLst/>
-              <a:uFillTx/>
-              <a:latin typeface="Calibri"/>
-            </a:endParaRPr>
-          </a:p>
-          <a:p>
-            <a:pPr lvl="4" marL="2160000" indent="-216000">
-              <a:lnSpc>
-                <a:spcPct val="90000"/>
-              </a:lnSpc>
-              <a:spcBef>
-                <a:spcPts val="283"/>
-              </a:spcBef>
-              <a:buClr>
-                <a:srgbClr val="000000"/>
-              </a:buClr>
-              <a:buSzPct val="45000"/>
-              <a:buFont typeface="Wingdings" charset="2"/>
-              <a:buChar char=""/>
-            </a:pPr>
-            <a:r>
-              <a:rPr b="0" lang="en-US" sz="2000" strike="noStrike" u="none">
-                <a:solidFill>
-                  <a:schemeClr val="dk1"/>
-                </a:solidFill>
-                <a:effectLst/>
-                <a:uFillTx/>
-                <a:latin typeface="Calibri"/>
-              </a:rPr>
-              <a:t>Fifth Outline Level</a:t>
-            </a:r>
-            <a:endParaRPr b="0" lang="en-US" sz="2000" strike="noStrike" u="none">
-              <a:solidFill>
-                <a:schemeClr val="dk1"/>
-              </a:solidFill>
-              <a:effectLst/>
-              <a:uFillTx/>
-              <a:latin typeface="Calibri"/>
-            </a:endParaRPr>
-          </a:p>
-          <a:p>
-            <a:pPr lvl="5" marL="2592000" indent="-216000">
-              <a:lnSpc>
-                <a:spcPct val="90000"/>
-              </a:lnSpc>
-              <a:spcBef>
-                <a:spcPts val="283"/>
-              </a:spcBef>
-              <a:buClr>
-                <a:srgbClr val="000000"/>
-              </a:buClr>
-              <a:buSzPct val="45000"/>
-              <a:buFont typeface="Wingdings" charset="2"/>
-              <a:buChar char=""/>
-            </a:pPr>
-            <a:r>
-              <a:rPr b="0" lang="en-US" sz="2000" strike="noStrike" u="none">
-                <a:solidFill>
-                  <a:schemeClr val="dk1"/>
-                </a:solidFill>
-                <a:effectLst/>
-                <a:uFillTx/>
-                <a:latin typeface="Calibri"/>
-              </a:rPr>
-              <a:t>Sixth Outline Level</a:t>
-            </a:r>
-            <a:endParaRPr b="0" lang="en-US" sz="2000" strike="noStrike" u="none">
-              <a:solidFill>
-                <a:schemeClr val="dk1"/>
-              </a:solidFill>
-              <a:effectLst/>
-              <a:uFillTx/>
-              <a:latin typeface="Calibri"/>
-            </a:endParaRPr>
-          </a:p>
-          <a:p>
-            <a:pPr lvl="6" marL="3024000" indent="-216000">
-              <a:lnSpc>
-                <a:spcPct val="90000"/>
-              </a:lnSpc>
-              <a:spcBef>
-                <a:spcPts val="283"/>
-              </a:spcBef>
-              <a:buClr>
-                <a:srgbClr val="000000"/>
-              </a:buClr>
-              <a:buSzPct val="45000"/>
-              <a:buFont typeface="Wingdings" charset="2"/>
-              <a:buChar char=""/>
-            </a:pPr>
-            <a:r>
-              <a:rPr b="0" lang="en-US" sz="2000" strike="noStrike" u="none">
-                <a:solidFill>
-                  <a:schemeClr val="dk1"/>
-                </a:solidFill>
-                <a:effectLst/>
-                <a:uFillTx/>
-                <a:latin typeface="Calibri"/>
-              </a:rPr>
-              <a:t>Seventh Outline Level</a:t>
-            </a:r>
-            <a:endParaRPr b="0" lang="en-US" sz="2000" strike="noStrike" u="none">
-              <a:solidFill>
-                <a:schemeClr val="dk1"/>
-              </a:solidFill>
-              <a:effectLst/>
-              <a:uFillTx/>
-              <a:latin typeface="Calibri"/>
             </a:endParaRPr>
           </a:p>
         </p:txBody>
@@ -609,7 +303,7 @@
 
 <file path=ppt/slideLayouts/slideLayout10.xml><?xml version="1.0" encoding="utf-8"?>
 <p:sldLayout xmlns:a="http://schemas.openxmlformats.org/drawingml/2006/main" xmlns:p="http://schemas.openxmlformats.org/presentationml/2006/main" xmlns:r="http://schemas.openxmlformats.org/officeDocument/2006/relationships" xmlns:p14="http://schemas.microsoft.com/office/powerpoint/2010/main" xmlns:p15="http://schemas.microsoft.com/office/powerpoint/2012/main" xmlns:mc="http://schemas.openxmlformats.org/markup-compatibility/2006" type="blank" preserve="1">
-  <p:cSld name="Content with Caption">
+  <p:cSld name="Comparison">
     <p:bg>
       <p:bgPr>
         <a:solidFill>
@@ -643,8 +337,8 @@
         </p:nvSpPr>
         <p:spPr>
           <a:xfrm>
-            <a:off x="839880" y="457200"/>
-            <a:ext cx="3931920" cy="1599840"/>
+            <a:off x="839880" y="365040"/>
+            <a:ext cx="10514880" cy="1324800"/>
           </a:xfrm>
           <a:prstGeom prst="rect">
             <a:avLst/>
@@ -655,7 +349,7 @@
           </a:ln>
         </p:spPr>
         <p:txBody>
-          <a:bodyPr lIns="91440" rIns="91440" tIns="45720" bIns="45720" anchor="b">
+          <a:bodyPr lIns="91440" rIns="91440" tIns="45720" bIns="45720" anchor="ctr">
             <a:noAutofit/>
           </a:bodyPr>
           <a:p>
@@ -664,9 +358,12 @@
                 <a:spcPct val="90000"/>
               </a:lnSpc>
               <a:buNone/>
-            </a:pPr>
-            <a:r>
-              <a:rPr b="0" lang="en-US" sz="3200" strike="noStrike" u="none">
+              <a:tabLst>
+                <a:tab algn="l" pos="0"/>
+              </a:tabLst>
+            </a:pPr>
+            <a:r>
+              <a:rPr b="0" lang="en-US" sz="4400" strike="noStrike" u="none">
                 <a:solidFill>
                   <a:schemeClr val="dk1"/>
                 </a:solidFill>
@@ -676,13 +373,13 @@
               </a:rPr>
               <a:t>Click to edit Master title style</a:t>
             </a:r>
-            <a:endParaRPr b="0" lang="en-US" sz="3200" strike="noStrike" u="none">
-              <a:solidFill>
-                <a:schemeClr val="dk1"/>
-              </a:solidFill>
-              <a:effectLst/>
-              <a:uFillTx/>
-              <a:latin typeface="Calibri"/>
+            <a:endParaRPr b="0" lang="en-US" sz="4400" strike="noStrike" u="none">
+              <a:solidFill>
+                <a:srgbClr val="000000"/>
+              </a:solidFill>
+              <a:effectLst/>
+              <a:uFillTx/>
+              <a:latin typeface="Arial"/>
             </a:endParaRPr>
           </a:p>
         </p:txBody>
@@ -699,8 +396,8 @@
         </p:nvSpPr>
         <p:spPr>
           <a:xfrm>
-            <a:off x="5183280" y="987480"/>
-            <a:ext cx="6171840" cy="4873320"/>
+            <a:off x="839880" y="1681200"/>
+            <a:ext cx="5157000" cy="823320"/>
           </a:xfrm>
           <a:prstGeom prst="rect">
             <a:avLst/>
@@ -711,25 +408,24 @@
           </a:ln>
         </p:spPr>
         <p:txBody>
-          <a:bodyPr lIns="91440" rIns="91440" tIns="45720" bIns="45720" anchor="t">
+          <a:bodyPr lIns="91440" rIns="91440" tIns="45720" bIns="45720" anchor="b">
             <a:noAutofit/>
           </a:bodyPr>
           <a:p>
-            <a:pPr marL="228600" indent="-228600" defTabSz="914400">
+            <a:pPr indent="0" defTabSz="914400">
               <a:lnSpc>
                 <a:spcPct val="90000"/>
               </a:lnSpc>
               <a:spcBef>
                 <a:spcPts val="1001"/>
               </a:spcBef>
-              <a:buClr>
-                <a:srgbClr val="000000"/>
-              </a:buClr>
-              <a:buFont typeface="Arial"/>
-              <a:buChar char="•"/>
-            </a:pPr>
-            <a:r>
-              <a:rPr b="0" lang="en-US" sz="3200" strike="noStrike" u="none">
+              <a:buNone/>
+              <a:tabLst>
+                <a:tab algn="l" pos="0"/>
+              </a:tabLst>
+            </a:pPr>
+            <a:r>
+              <a:rPr b="1" lang="en-US" sz="2400" strike="noStrike" u="none">
                 <a:solidFill>
                   <a:schemeClr val="dk1"/>
                 </a:solidFill>
@@ -739,149 +435,13 @@
               </a:rPr>
               <a:t>Click to edit Master text styles</a:t>
             </a:r>
-            <a:endParaRPr b="0" lang="en-US" sz="3200" strike="noStrike" u="none">
-              <a:solidFill>
-                <a:schemeClr val="dk1"/>
-              </a:solidFill>
-              <a:effectLst/>
-              <a:uFillTx/>
-              <a:latin typeface="Calibri"/>
-            </a:endParaRPr>
-          </a:p>
-          <a:p>
-            <a:pPr lvl="1" marL="685800" indent="-228600" defTabSz="914400">
-              <a:lnSpc>
-                <a:spcPct val="90000"/>
-              </a:lnSpc>
-              <a:spcBef>
-                <a:spcPts val="499"/>
-              </a:spcBef>
-              <a:buClr>
-                <a:srgbClr val="000000"/>
-              </a:buClr>
-              <a:buFont typeface="Arial"/>
-              <a:buChar char="•"/>
-            </a:pPr>
-            <a:r>
-              <a:rPr b="0" lang="en-US" sz="2800" strike="noStrike" u="none">
-                <a:solidFill>
-                  <a:schemeClr val="dk1"/>
-                </a:solidFill>
-                <a:effectLst/>
-                <a:uFillTx/>
-                <a:latin typeface="Calibri"/>
-              </a:rPr>
-              <a:t>Second level</a:t>
-            </a:r>
-            <a:endParaRPr b="0" lang="en-US" sz="2800" strike="noStrike" u="none">
-              <a:solidFill>
-                <a:schemeClr val="dk1"/>
-              </a:solidFill>
-              <a:effectLst/>
-              <a:uFillTx/>
-              <a:latin typeface="Calibri"/>
-            </a:endParaRPr>
-          </a:p>
-          <a:p>
-            <a:pPr lvl="2" marL="1143000" indent="-228600" defTabSz="914400">
-              <a:lnSpc>
-                <a:spcPct val="90000"/>
-              </a:lnSpc>
-              <a:spcBef>
-                <a:spcPts val="499"/>
-              </a:spcBef>
-              <a:buClr>
-                <a:srgbClr val="000000"/>
-              </a:buClr>
-              <a:buFont typeface="Arial"/>
-              <a:buChar char="•"/>
-            </a:pPr>
-            <a:r>
-              <a:rPr b="0" lang="en-US" sz="2400" strike="noStrike" u="none">
-                <a:solidFill>
-                  <a:schemeClr val="dk1"/>
-                </a:solidFill>
-                <a:effectLst/>
-                <a:uFillTx/>
-                <a:latin typeface="Calibri"/>
-              </a:rPr>
-              <a:t>Third level</a:t>
-            </a:r>
             <a:endParaRPr b="0" lang="en-US" sz="2400" strike="noStrike" u="none">
               <a:solidFill>
-                <a:schemeClr val="dk1"/>
-              </a:solidFill>
-              <a:effectLst/>
-              <a:uFillTx/>
-              <a:latin typeface="Calibri"/>
-            </a:endParaRPr>
-          </a:p>
-          <a:p>
-            <a:pPr lvl="3" marL="1600200" indent="-228600" defTabSz="914400">
-              <a:lnSpc>
-                <a:spcPct val="90000"/>
-              </a:lnSpc>
-              <a:spcBef>
-                <a:spcPts val="499"/>
-              </a:spcBef>
-              <a:buClr>
-                <a:srgbClr val="000000"/>
-              </a:buClr>
-              <a:buFont typeface="Arial"/>
-              <a:buChar char="•"/>
-            </a:pPr>
-            <a:r>
-              <a:rPr b="0" lang="en-US" sz="2000" strike="noStrike" u="none">
-                <a:solidFill>
-                  <a:schemeClr val="dk1"/>
-                </a:solidFill>
-                <a:effectLst/>
-                <a:uFillTx/>
-                <a:latin typeface="Calibri"/>
-              </a:rPr>
-              <a:t>Fourth level</a:t>
-            </a:r>
-            <a:endParaRPr b="0" lang="en-US" sz="2000" strike="noStrike" u="none">
-              <a:solidFill>
-                <a:schemeClr val="dk1"/>
-              </a:solidFill>
-              <a:effectLst/>
-              <a:uFillTx/>
-              <a:latin typeface="Calibri"/>
-            </a:endParaRPr>
-          </a:p>
-          <a:p>
-            <a:pPr lvl="4" marL="2057400" indent="-228600" defTabSz="914400">
-              <a:lnSpc>
-                <a:spcPct val="90000"/>
-              </a:lnSpc>
-              <a:spcBef>
-                <a:spcPts val="499"/>
-              </a:spcBef>
-              <a:buClr>
-                <a:srgbClr val="000000"/>
-              </a:buClr>
-              <a:buFont typeface="Arial"/>
-              <a:buChar char="•"/>
-            </a:pPr>
-            <a:r>
-              <a:rPr b="0" lang="en-US" sz="2000" strike="noStrike" u="none">
-                <a:solidFill>
-                  <a:schemeClr val="dk1"/>
-                </a:solidFill>
-                <a:effectLst/>
-                <a:uFillTx/>
-                <a:latin typeface="Calibri"/>
-              </a:rPr>
-              <a:t>Fifth level</a:t>
-            </a:r>
-            <a:endParaRPr b="0" lang="en-US" sz="2000" strike="noStrike" u="none">
-              <a:solidFill>
-                <a:schemeClr val="dk1"/>
-              </a:solidFill>
-              <a:effectLst/>
-              <a:uFillTx/>
-              <a:latin typeface="Calibri"/>
+                <a:srgbClr val="000000"/>
+              </a:solidFill>
+              <a:effectLst/>
+              <a:uFillTx/>
+              <a:latin typeface="Arial"/>
             </a:endParaRPr>
           </a:p>
         </p:txBody>
@@ -898,8 +458,8 @@
         </p:nvSpPr>
         <p:spPr>
           <a:xfrm>
-            <a:off x="839880" y="2057400"/>
-            <a:ext cx="3931920" cy="3811320"/>
+            <a:off x="839880" y="2505240"/>
+            <a:ext cx="5157000" cy="3683880"/>
           </a:xfrm>
           <a:prstGeom prst="rect">
             <a:avLst/>
@@ -914,20 +474,21 @@
             <a:noAutofit/>
           </a:bodyPr>
           <a:p>
-            <a:pPr indent="0" defTabSz="914400">
+            <a:pPr marL="228600" indent="-228600" defTabSz="914400">
               <a:lnSpc>
                 <a:spcPct val="90000"/>
               </a:lnSpc>
               <a:spcBef>
                 <a:spcPts val="1001"/>
               </a:spcBef>
-              <a:buNone/>
-              <a:tabLst>
-                <a:tab algn="l" pos="0"/>
-              </a:tabLst>
-            </a:pPr>
-            <a:r>
-              <a:rPr b="0" lang="en-US" sz="1600" strike="noStrike" u="none">
+              <a:buClr>
+                <a:srgbClr val="000000"/>
+              </a:buClr>
+              <a:buFont typeface="Arial"/>
+              <a:buChar char="•"/>
+            </a:pPr>
+            <a:r>
+              <a:rPr b="0" lang="en-US" sz="2800" strike="noStrike" u="none">
                 <a:solidFill>
                   <a:schemeClr val="dk1"/>
                 </a:solidFill>
@@ -937,13 +498,149 @@
               </a:rPr>
               <a:t>Click to edit Master text styles</a:t>
             </a:r>
-            <a:endParaRPr b="0" lang="en-US" sz="1600" strike="noStrike" u="none">
-              <a:solidFill>
-                <a:schemeClr val="dk1"/>
-              </a:solidFill>
-              <a:effectLst/>
-              <a:uFillTx/>
-              <a:latin typeface="Calibri"/>
+            <a:endParaRPr b="0" lang="en-US" sz="2800" strike="noStrike" u="none">
+              <a:solidFill>
+                <a:srgbClr val="000000"/>
+              </a:solidFill>
+              <a:effectLst/>
+              <a:uFillTx/>
+              <a:latin typeface="Arial"/>
+            </a:endParaRPr>
+          </a:p>
+          <a:p>
+            <a:pPr lvl="1" marL="685800" indent="-228600" defTabSz="914400">
+              <a:lnSpc>
+                <a:spcPct val="90000"/>
+              </a:lnSpc>
+              <a:spcBef>
+                <a:spcPts val="499"/>
+              </a:spcBef>
+              <a:buClr>
+                <a:srgbClr val="000000"/>
+              </a:buClr>
+              <a:buFont typeface="Arial"/>
+              <a:buChar char="•"/>
+            </a:pPr>
+            <a:r>
+              <a:rPr b="0" lang="en-US" sz="2400" strike="noStrike" u="none">
+                <a:solidFill>
+                  <a:schemeClr val="dk1"/>
+                </a:solidFill>
+                <a:effectLst/>
+                <a:uFillTx/>
+                <a:latin typeface="Calibri"/>
+              </a:rPr>
+              <a:t>Second level</a:t>
+            </a:r>
+            <a:endParaRPr b="0" lang="en-US" sz="2400" strike="noStrike" u="none">
+              <a:solidFill>
+                <a:srgbClr val="000000"/>
+              </a:solidFill>
+              <a:effectLst/>
+              <a:uFillTx/>
+              <a:latin typeface="Arial"/>
+            </a:endParaRPr>
+          </a:p>
+          <a:p>
+            <a:pPr lvl="2" marL="1143000" indent="-228600" defTabSz="914400">
+              <a:lnSpc>
+                <a:spcPct val="90000"/>
+              </a:lnSpc>
+              <a:spcBef>
+                <a:spcPts val="499"/>
+              </a:spcBef>
+              <a:buClr>
+                <a:srgbClr val="000000"/>
+              </a:buClr>
+              <a:buFont typeface="Arial"/>
+              <a:buChar char="•"/>
+            </a:pPr>
+            <a:r>
+              <a:rPr b="0" lang="en-US" sz="2000" strike="noStrike" u="none">
+                <a:solidFill>
+                  <a:schemeClr val="dk1"/>
+                </a:solidFill>
+                <a:effectLst/>
+                <a:uFillTx/>
+                <a:latin typeface="Calibri"/>
+              </a:rPr>
+              <a:t>Third level</a:t>
+            </a:r>
+            <a:endParaRPr b="0" lang="en-US" sz="2000" strike="noStrike" u="none">
+              <a:solidFill>
+                <a:srgbClr val="000000"/>
+              </a:solidFill>
+              <a:effectLst/>
+              <a:uFillTx/>
+              <a:latin typeface="Arial"/>
+            </a:endParaRPr>
+          </a:p>
+          <a:p>
+            <a:pPr lvl="3" marL="1600200" indent="-228600" defTabSz="914400">
+              <a:lnSpc>
+                <a:spcPct val="90000"/>
+              </a:lnSpc>
+              <a:spcBef>
+                <a:spcPts val="499"/>
+              </a:spcBef>
+              <a:buClr>
+                <a:srgbClr val="000000"/>
+              </a:buClr>
+              <a:buFont typeface="Arial"/>
+              <a:buChar char="•"/>
+            </a:pPr>
+            <a:r>
+              <a:rPr b="0" lang="en-US" sz="1800" strike="noStrike" u="none">
+                <a:solidFill>
+                  <a:schemeClr val="dk1"/>
+                </a:solidFill>
+                <a:effectLst/>
+                <a:uFillTx/>
+                <a:latin typeface="Calibri"/>
+              </a:rPr>
+              <a:t>Fourth level</a:t>
+            </a:r>
+            <a:endParaRPr b="0" lang="en-US" sz="1800" strike="noStrike" u="none">
+              <a:solidFill>
+                <a:srgbClr val="000000"/>
+              </a:solidFill>
+              <a:effectLst/>
+              <a:uFillTx/>
+              <a:latin typeface="Arial"/>
+            </a:endParaRPr>
+          </a:p>
+          <a:p>
+            <a:pPr lvl="4" marL="2057400" indent="-228600" defTabSz="914400">
+              <a:lnSpc>
+                <a:spcPct val="90000"/>
+              </a:lnSpc>
+              <a:spcBef>
+                <a:spcPts val="499"/>
+              </a:spcBef>
+              <a:buClr>
+                <a:srgbClr val="000000"/>
+              </a:buClr>
+              <a:buFont typeface="Arial"/>
+              <a:buChar char="•"/>
+            </a:pPr>
+            <a:r>
+              <a:rPr b="0" lang="en-US" sz="1800" strike="noStrike" u="none">
+                <a:solidFill>
+                  <a:schemeClr val="dk1"/>
+                </a:solidFill>
+                <a:effectLst/>
+                <a:uFillTx/>
+                <a:latin typeface="Calibri"/>
+              </a:rPr>
+              <a:t>Fifth level</a:t>
+            </a:r>
+            <a:endParaRPr b="0" lang="en-US" sz="1800" strike="noStrike" u="none">
+              <a:solidFill>
+                <a:srgbClr val="000000"/>
+              </a:solidFill>
+              <a:effectLst/>
+              <a:uFillTx/>
+              <a:latin typeface="Arial"/>
             </a:endParaRPr>
           </a:p>
         </p:txBody>
@@ -955,13 +652,13 @@
             <a:spLocks noGrp="1"/>
           </p:cNvSpPr>
           <p:nvPr>
-            <p:ph type="dt" idx="28"/>
+            <p:ph type="body"/>
           </p:nvPr>
         </p:nvSpPr>
         <p:spPr>
           <a:xfrm>
-            <a:off x="838080" y="6356520"/>
-            <a:ext cx="2742840" cy="364680"/>
+            <a:off x="6172200" y="1681200"/>
+            <a:ext cx="5182560" cy="823320"/>
           </a:xfrm>
           <a:prstGeom prst="rect">
             <a:avLst/>
@@ -972,54 +669,40 @@
           </a:ln>
         </p:spPr>
         <p:txBody>
-          <a:bodyPr lIns="91440" rIns="91440" tIns="45720" bIns="45720" anchor="ctr">
+          <a:bodyPr lIns="91440" rIns="91440" tIns="45720" bIns="45720" anchor="b">
             <a:noAutofit/>
           </a:bodyPr>
-          <a:lstStyle>
-            <a:lvl1pPr indent="0" defTabSz="914400">
-              <a:lnSpc>
-                <a:spcPct val="100000"/>
-              </a:lnSpc>
+          <a:p>
+            <a:pPr indent="0" defTabSz="914400">
+              <a:lnSpc>
+                <a:spcPct val="90000"/>
+              </a:lnSpc>
+              <a:spcBef>
+                <a:spcPts val="1001"/>
+              </a:spcBef>
               <a:buNone/>
-              <a:defRPr b="0" lang="en-US" sz="1200" strike="noStrike" u="none">
-                <a:solidFill>
-                  <a:schemeClr val="dk1">
-                    <a:tint val="75000"/>
-                  </a:schemeClr>
+              <a:tabLst>
+                <a:tab algn="l" pos="0"/>
+              </a:tabLst>
+            </a:pPr>
+            <a:r>
+              <a:rPr b="1" lang="en-US" sz="2400" strike="noStrike" u="none">
+                <a:solidFill>
+                  <a:schemeClr val="dk1"/>
                 </a:solidFill>
                 <a:effectLst/>
                 <a:uFillTx/>
                 <a:latin typeface="Calibri"/>
-              </a:defRPr>
-            </a:lvl1pPr>
-          </a:lstStyle>
-          <a:p>
-            <a:pPr indent="0" defTabSz="914400">
-              <a:lnSpc>
-                <a:spcPct val="100000"/>
-              </a:lnSpc>
-              <a:buNone/>
-            </a:pPr>
-            <a:r>
-              <a:rPr b="0" lang="en-US" sz="1200" strike="noStrike" u="none">
-                <a:solidFill>
-                  <a:schemeClr val="dk1">
-                    <a:tint val="75000"/>
-                  </a:schemeClr>
-                </a:solidFill>
-                <a:effectLst/>
-                <a:uFillTx/>
-                <a:latin typeface="Calibri"/>
-              </a:rPr>
-              <a:t>&lt;date/time&gt;</a:t>
-            </a:r>
-            <a:endParaRPr b="0" lang="en-US" sz="1200" strike="noStrike" u="none">
-              <a:solidFill>
-                <a:srgbClr val="000000"/>
-              </a:solidFill>
-              <a:effectLst/>
-              <a:uFillTx/>
-              <a:latin typeface="Times New Roman"/>
+              </a:rPr>
+              <a:t>Click to edit Master text styles</a:t>
+            </a:r>
+            <a:endParaRPr b="0" lang="en-US" sz="2400" strike="noStrike" u="none">
+              <a:solidFill>
+                <a:srgbClr val="000000"/>
+              </a:solidFill>
+              <a:effectLst/>
+              <a:uFillTx/>
+              <a:latin typeface="Arial"/>
             </a:endParaRPr>
           </a:p>
         </p:txBody>
@@ -1031,13 +714,13 @@
             <a:spLocks noGrp="1"/>
           </p:cNvSpPr>
           <p:nvPr>
-            <p:ph type="ftr" idx="29"/>
+            <p:ph type="body"/>
           </p:nvPr>
         </p:nvSpPr>
         <p:spPr>
           <a:xfrm>
-            <a:off x="4038480" y="6356520"/>
-            <a:ext cx="4114440" cy="364680"/>
+            <a:off x="6172200" y="2505240"/>
+            <a:ext cx="5182560" cy="3683880"/>
           </a:xfrm>
           <a:prstGeom prst="rect">
             <a:avLst/>
@@ -1048,44 +731,177 @@
           </a:ln>
         </p:spPr>
         <p:txBody>
-          <a:bodyPr lIns="91440" rIns="91440" tIns="45720" bIns="45720" anchor="ctr">
+          <a:bodyPr lIns="91440" rIns="91440" tIns="45720" bIns="45720" anchor="t">
             <a:noAutofit/>
           </a:bodyPr>
-          <a:lstStyle>
-            <a:lvl1pPr indent="0" algn="ctr">
-              <a:buNone/>
-              <a:defRPr b="0" lang="en-US" sz="1400" strike="noStrike" u="none">
-                <a:solidFill>
-                  <a:srgbClr val="000000"/>
-                </a:solidFill>
-                <a:effectLst/>
-                <a:uFillTx/>
-                <a:latin typeface="Times New Roman"/>
-              </a:defRPr>
-            </a:lvl1pPr>
-          </a:lstStyle>
-          <a:p>
-            <a:pPr indent="0" algn="ctr">
-              <a:buNone/>
-            </a:pPr>
-            <a:r>
-              <a:rPr b="0" lang="en-US" sz="1400" strike="noStrike" u="none">
-                <a:solidFill>
-                  <a:srgbClr val="000000"/>
-                </a:solidFill>
-                <a:effectLst/>
-                <a:uFillTx/>
-                <a:latin typeface="Times New Roman"/>
-              </a:rPr>
-              <a:t>&lt;footer&gt;</a:t>
-            </a:r>
-            <a:endParaRPr b="0" lang="en-US" sz="1400" strike="noStrike" u="none">
-              <a:solidFill>
-                <a:srgbClr val="000000"/>
-              </a:solidFill>
-              <a:effectLst/>
-              <a:uFillTx/>
-              <a:latin typeface="Times New Roman"/>
+          <a:p>
+            <a:pPr marL="228600" indent="-228600" defTabSz="914400">
+              <a:lnSpc>
+                <a:spcPct val="90000"/>
+              </a:lnSpc>
+              <a:spcBef>
+                <a:spcPts val="1001"/>
+              </a:spcBef>
+              <a:buClr>
+                <a:srgbClr val="000000"/>
+              </a:buClr>
+              <a:buFont typeface="Arial"/>
+              <a:buChar char="•"/>
+            </a:pPr>
+            <a:r>
+              <a:rPr b="0" lang="en-US" sz="2800" strike="noStrike" u="none">
+                <a:solidFill>
+                  <a:schemeClr val="dk1"/>
+                </a:solidFill>
+                <a:effectLst/>
+                <a:uFillTx/>
+                <a:latin typeface="Calibri"/>
+              </a:rPr>
+              <a:t>Click to edit Master text styles</a:t>
+            </a:r>
+            <a:endParaRPr b="0" lang="en-US" sz="2800" strike="noStrike" u="none">
+              <a:solidFill>
+                <a:srgbClr val="000000"/>
+              </a:solidFill>
+              <a:effectLst/>
+              <a:uFillTx/>
+              <a:latin typeface="Arial"/>
+            </a:endParaRPr>
+          </a:p>
+          <a:p>
+            <a:pPr lvl="1" marL="685800" indent="-228600" defTabSz="914400">
+              <a:lnSpc>
+                <a:spcPct val="90000"/>
+              </a:lnSpc>
+              <a:spcBef>
+                <a:spcPts val="499"/>
+              </a:spcBef>
+              <a:buClr>
+                <a:srgbClr val="000000"/>
+              </a:buClr>
+              <a:buFont typeface="Arial"/>
+              <a:buChar char="•"/>
+            </a:pPr>
+            <a:r>
+              <a:rPr b="0" lang="en-US" sz="2400" strike="noStrike" u="none">
+                <a:solidFill>
+                  <a:schemeClr val="dk1"/>
+                </a:solidFill>
+                <a:effectLst/>
+                <a:uFillTx/>
+                <a:latin typeface="Calibri"/>
+              </a:rPr>
+              <a:t>Second level</a:t>
+            </a:r>
+            <a:endParaRPr b="0" lang="en-US" sz="2400" strike="noStrike" u="none">
+              <a:solidFill>
+                <a:srgbClr val="000000"/>
+              </a:solidFill>
+              <a:effectLst/>
+              <a:uFillTx/>
+              <a:latin typeface="Arial"/>
+            </a:endParaRPr>
+          </a:p>
+          <a:p>
+            <a:pPr lvl="2" marL="1143000" indent="-228600" defTabSz="914400">
+              <a:lnSpc>
+                <a:spcPct val="90000"/>
+              </a:lnSpc>
+              <a:spcBef>
+                <a:spcPts val="499"/>
+              </a:spcBef>
+              <a:buClr>
+                <a:srgbClr val="000000"/>
+              </a:buClr>
+              <a:buFont typeface="Arial"/>
+              <a:buChar char="•"/>
+            </a:pPr>
+            <a:r>
+              <a:rPr b="0" lang="en-US" sz="2000" strike="noStrike" u="none">
+                <a:solidFill>
+                  <a:schemeClr val="dk1"/>
+                </a:solidFill>
+                <a:effectLst/>
+                <a:uFillTx/>
+                <a:latin typeface="Calibri"/>
+              </a:rPr>
+              <a:t>Third level</a:t>
+            </a:r>
+            <a:endParaRPr b="0" lang="en-US" sz="2000" strike="noStrike" u="none">
+              <a:solidFill>
+                <a:srgbClr val="000000"/>
+              </a:solidFill>
+              <a:effectLst/>
+              <a:uFillTx/>
+              <a:latin typeface="Arial"/>
+            </a:endParaRPr>
+          </a:p>
+          <a:p>
+            <a:pPr lvl="3" marL="1600200" indent="-228600" defTabSz="914400">
+              <a:lnSpc>
+                <a:spcPct val="90000"/>
+              </a:lnSpc>
+              <a:spcBef>
+                <a:spcPts val="499"/>
+              </a:spcBef>
+              <a:buClr>
+                <a:srgbClr val="000000"/>
+              </a:buClr>
+              <a:buFont typeface="Arial"/>
+              <a:buChar char="•"/>
+            </a:pPr>
+            <a:r>
+              <a:rPr b="0" lang="en-US" sz="1800" strike="noStrike" u="none">
+                <a:solidFill>
+                  <a:schemeClr val="dk1"/>
+                </a:solidFill>
+                <a:effectLst/>
+                <a:uFillTx/>
+                <a:latin typeface="Calibri"/>
+              </a:rPr>
+              <a:t>Fourth level</a:t>
+            </a:r>
+            <a:endParaRPr b="0" lang="en-US" sz="1800" strike="noStrike" u="none">
+              <a:solidFill>
+                <a:srgbClr val="000000"/>
+              </a:solidFill>
+              <a:effectLst/>
+              <a:uFillTx/>
+              <a:latin typeface="Arial"/>
+            </a:endParaRPr>
+          </a:p>
+          <a:p>
+            <a:pPr lvl="4" marL="2057400" indent="-228600" defTabSz="914400">
+              <a:lnSpc>
+                <a:spcPct val="90000"/>
+              </a:lnSpc>
+              <a:spcBef>
+                <a:spcPts val="499"/>
+              </a:spcBef>
+              <a:buClr>
+                <a:srgbClr val="000000"/>
+              </a:buClr>
+              <a:buFont typeface="Arial"/>
+              <a:buChar char="•"/>
+            </a:pPr>
+            <a:r>
+              <a:rPr b="0" lang="en-US" sz="1800" strike="noStrike" u="none">
+                <a:solidFill>
+                  <a:schemeClr val="dk1"/>
+                </a:solidFill>
+                <a:effectLst/>
+                <a:uFillTx/>
+                <a:latin typeface="Calibri"/>
+              </a:rPr>
+              <a:t>Fifth level</a:t>
+            </a:r>
+            <a:endParaRPr b="0" lang="en-US" sz="1800" strike="noStrike" u="none">
+              <a:solidFill>
+                <a:srgbClr val="000000"/>
+              </a:solidFill>
+              <a:effectLst/>
+              <a:uFillTx/>
+              <a:latin typeface="Arial"/>
             </a:endParaRPr>
           </a:p>
         </p:txBody>
@@ -1097,13 +913,173 @@
             <a:spLocks noGrp="1"/>
           </p:cNvSpPr>
           <p:nvPr>
+            <p:ph type="dt" idx="28"/>
+          </p:nvPr>
+        </p:nvSpPr>
+        <p:spPr>
+          <a:xfrm>
+            <a:off x="838080" y="6356520"/>
+            <a:ext cx="2742480" cy="364320"/>
+          </a:xfrm>
+          <a:prstGeom prst="rect">
+            <a:avLst/>
+          </a:prstGeom>
+          <a:noFill/>
+          <a:ln w="0">
+            <a:noFill/>
+          </a:ln>
+        </p:spPr>
+        <p:txBody>
+          <a:bodyPr lIns="91440" rIns="91440" tIns="45720" bIns="45720" anchor="ctr">
+            <a:noAutofit/>
+          </a:bodyPr>
+          <a:lstStyle>
+            <a:lvl1pPr indent="0" defTabSz="914400">
+              <a:lnSpc>
+                <a:spcPct val="100000"/>
+              </a:lnSpc>
+              <a:buNone/>
+              <a:tabLst>
+                <a:tab algn="l" pos="0"/>
+              </a:tabLst>
+              <a:defRPr b="0" lang="en-US" sz="1200" strike="noStrike" u="none">
+                <a:solidFill>
+                  <a:schemeClr val="dk1">
+                    <a:tint val="75000"/>
+                  </a:schemeClr>
+                </a:solidFill>
+                <a:effectLst/>
+                <a:uFillTx/>
+                <a:latin typeface="Calibri"/>
+              </a:defRPr>
+            </a:lvl1pPr>
+          </a:lstStyle>
+          <a:p>
+            <a:pPr indent="0" defTabSz="914400">
+              <a:lnSpc>
+                <a:spcPct val="100000"/>
+              </a:lnSpc>
+              <a:buNone/>
+              <a:tabLst>
+                <a:tab algn="l" pos="0"/>
+              </a:tabLst>
+            </a:pPr>
+            <a:r>
+              <a:rPr b="0" lang="en-US" sz="1200" strike="noStrike" u="none">
+                <a:solidFill>
+                  <a:schemeClr val="dk1">
+                    <a:tint val="75000"/>
+                  </a:schemeClr>
+                </a:solidFill>
+                <a:effectLst/>
+                <a:uFillTx/>
+                <a:latin typeface="Calibri"/>
+              </a:rPr>
+              <a:t>&lt;date/time&gt;</a:t>
+            </a:r>
+            <a:endParaRPr b="0" lang="en-US" sz="1200" strike="noStrike" u="none">
+              <a:solidFill>
+                <a:srgbClr val="000000"/>
+              </a:solidFill>
+              <a:effectLst/>
+              <a:uFillTx/>
+              <a:latin typeface="Times New Roman"/>
+            </a:endParaRPr>
+          </a:p>
+        </p:txBody>
+      </p:sp>
+      <p:sp>
+        <p:nvSpPr>
+          <p:cNvPr id="52" name="PlaceHolder 7"/>
+          <p:cNvSpPr>
+            <a:spLocks noGrp="1"/>
+          </p:cNvSpPr>
+          <p:nvPr>
+            <p:ph type="ftr" idx="29"/>
+          </p:nvPr>
+        </p:nvSpPr>
+        <p:spPr>
+          <a:xfrm>
+            <a:off x="4038480" y="6356520"/>
+            <a:ext cx="4114080" cy="364320"/>
+          </a:xfrm>
+          <a:prstGeom prst="rect">
+            <a:avLst/>
+          </a:prstGeom>
+          <a:noFill/>
+          <a:ln w="0">
+            <a:noFill/>
+          </a:ln>
+        </p:spPr>
+        <p:txBody>
+          <a:bodyPr lIns="91440" rIns="91440" tIns="45720" bIns="45720" anchor="ctr">
+            <a:noAutofit/>
+          </a:bodyPr>
+          <a:lstStyle>
+            <a:lvl1pPr indent="0" algn="ctr">
+              <a:lnSpc>
+                <a:spcPct val="100000"/>
+              </a:lnSpc>
+              <a:buNone/>
+              <a:tabLst>
+                <a:tab algn="l" pos="0"/>
+              </a:tabLst>
+              <a:defRPr b="0" lang="en-US" sz="1400" strike="noStrike" u="none">
+                <a:solidFill>
+                  <a:srgbClr val="000000"/>
+                </a:solidFill>
+                <a:effectLst/>
+                <a:uFillTx/>
+                <a:latin typeface="Times New Roman"/>
+              </a:defRPr>
+            </a:lvl1pPr>
+          </a:lstStyle>
+          <a:p>
+            <a:pPr indent="0" algn="ctr">
+              <a:lnSpc>
+                <a:spcPct val="100000"/>
+              </a:lnSpc>
+              <a:buNone/>
+              <a:tabLst>
+                <a:tab algn="l" pos="0"/>
+              </a:tabLst>
+            </a:pPr>
+            <a:r>
+              <a:rPr b="0" lang="en-US" sz="1400" strike="noStrike" u="none">
+                <a:solidFill>
+                  <a:srgbClr val="000000"/>
+                </a:solidFill>
+                <a:effectLst/>
+                <a:uFillTx/>
+                <a:latin typeface="Times New Roman"/>
+              </a:rPr>
+              <a:t>&lt;footer&gt;</a:t>
+            </a:r>
+            <a:endParaRPr b="0" lang="en-US" sz="1400" strike="noStrike" u="none">
+              <a:solidFill>
+                <a:srgbClr val="000000"/>
+              </a:solidFill>
+              <a:effectLst/>
+              <a:uFillTx/>
+              <a:latin typeface="Times New Roman"/>
+            </a:endParaRPr>
+          </a:p>
+        </p:txBody>
+      </p:sp>
+      <p:sp>
+        <p:nvSpPr>
+          <p:cNvPr id="53" name="PlaceHolder 8"/>
+          <p:cNvSpPr>
+            <a:spLocks noGrp="1"/>
+          </p:cNvSpPr>
+          <p:nvPr>
             <p:ph type="sldNum" idx="30"/>
           </p:nvPr>
         </p:nvSpPr>
         <p:spPr>
           <a:xfrm>
             <a:off x="8610480" y="6356520"/>
-            <a:ext cx="2742840" cy="364680"/>
+            <a:ext cx="2742480" cy="364320"/>
           </a:xfrm>
           <a:prstGeom prst="rect">
             <a:avLst/>
@@ -1123,6 +1099,9 @@
                 <a:spcPct val="100000"/>
               </a:lnSpc>
               <a:buNone/>
+              <a:tabLst>
+                <a:tab algn="l" pos="0"/>
+              </a:tabLst>
               <a:defRPr b="0" lang="en-US" sz="1200" strike="noStrike" u="none">
                 <a:solidFill>
                   <a:schemeClr val="dk1">
@@ -1141,8 +1120,11 @@
                 <a:spcPct val="100000"/>
               </a:lnSpc>
               <a:buNone/>
-            </a:pPr>
-            <a:fld id="{7AD03D94-5214-411A-84C7-DAB3A29F8016}" type="slidenum">
+              <a:tabLst>
+                <a:tab algn="l" pos="0"/>
+              </a:tabLst>
+            </a:pPr>
+            <a:fld id="{AB381F58-6591-4A50-9291-06E7EC6261CF}" type="slidenum">
               <a:rPr b="0" lang="en-US" sz="1200" strike="noStrike" u="none">
                 <a:solidFill>
                   <a:schemeClr val="dk1">
@@ -1172,6 +1154,927 @@
 </file>
 
 <file path=ppt/slideLayouts/slideLayout11.xml><?xml version="1.0" encoding="utf-8"?>
+<p:sldLayout xmlns:a="http://schemas.openxmlformats.org/drawingml/2006/main" xmlns:p="http://schemas.openxmlformats.org/presentationml/2006/main" xmlns:r="http://schemas.openxmlformats.org/officeDocument/2006/relationships" xmlns:p14="http://schemas.microsoft.com/office/powerpoint/2010/main" xmlns:p15="http://schemas.microsoft.com/office/powerpoint/2012/main" xmlns:mc="http://schemas.openxmlformats.org/markup-compatibility/2006" type="titleOnly" preserve="1">
+  <p:cSld name="Title Only">
+    <p:bg>
+      <p:bgPr>
+        <a:solidFill>
+          <a:srgbClr val="ffffff"/>
+        </a:solidFill>
+      </p:bgPr>
+    </p:bg>
+    <p:spTree>
+      <p:nvGrpSpPr>
+        <p:cNvPr id="1" name=""/>
+        <p:cNvGrpSpPr/>
+        <p:nvPr/>
+      </p:nvGrpSpPr>
+      <p:grpSpPr>
+        <a:xfrm>
+          <a:off x="0" y="0"/>
+          <a:ext cx="0" cy="0"/>
+          <a:chOff x="0" y="0"/>
+          <a:chExt cx="0" cy="0"/>
+        </a:xfrm>
+      </p:grpSpPr>
+      <p:sp>
+        <p:nvSpPr>
+          <p:cNvPr id="54" name="PlaceHolder 1"/>
+          <p:cNvSpPr>
+            <a:spLocks noGrp="1"/>
+          </p:cNvSpPr>
+          <p:nvPr>
+            <p:ph type="title"/>
+          </p:nvPr>
+        </p:nvSpPr>
+        <p:spPr>
+          <a:xfrm>
+            <a:off x="838080" y="365040"/>
+            <a:ext cx="10514880" cy="1324800"/>
+          </a:xfrm>
+          <a:prstGeom prst="rect">
+            <a:avLst/>
+          </a:prstGeom>
+          <a:noFill/>
+          <a:ln w="0">
+            <a:noFill/>
+          </a:ln>
+        </p:spPr>
+        <p:txBody>
+          <a:bodyPr lIns="91440" rIns="91440" tIns="45720" bIns="45720" anchor="ctr">
+            <a:noAutofit/>
+          </a:bodyPr>
+          <a:p>
+            <a:pPr indent="0" defTabSz="914400">
+              <a:lnSpc>
+                <a:spcPct val="90000"/>
+              </a:lnSpc>
+              <a:buNone/>
+              <a:tabLst>
+                <a:tab algn="l" pos="0"/>
+              </a:tabLst>
+            </a:pPr>
+            <a:r>
+              <a:rPr b="0" lang="en-US" sz="4400" strike="noStrike" u="none">
+                <a:solidFill>
+                  <a:schemeClr val="dk1"/>
+                </a:solidFill>
+                <a:effectLst/>
+                <a:uFillTx/>
+                <a:latin typeface="Calibri Light"/>
+              </a:rPr>
+              <a:t>Click to edit Master title style</a:t>
+            </a:r>
+            <a:endParaRPr b="0" lang="en-US" sz="4400" strike="noStrike" u="none">
+              <a:solidFill>
+                <a:srgbClr val="000000"/>
+              </a:solidFill>
+              <a:effectLst/>
+              <a:uFillTx/>
+              <a:latin typeface="Arial"/>
+            </a:endParaRPr>
+          </a:p>
+        </p:txBody>
+      </p:sp>
+      <p:sp>
+        <p:nvSpPr>
+          <p:cNvPr id="55" name="PlaceHolder 2"/>
+          <p:cNvSpPr>
+            <a:spLocks noGrp="1"/>
+          </p:cNvSpPr>
+          <p:nvPr>
+            <p:ph type="dt" idx="31"/>
+          </p:nvPr>
+        </p:nvSpPr>
+        <p:spPr>
+          <a:xfrm>
+            <a:off x="838080" y="6356520"/>
+            <a:ext cx="2742480" cy="364320"/>
+          </a:xfrm>
+          <a:prstGeom prst="rect">
+            <a:avLst/>
+          </a:prstGeom>
+          <a:noFill/>
+          <a:ln w="0">
+            <a:noFill/>
+          </a:ln>
+        </p:spPr>
+        <p:txBody>
+          <a:bodyPr lIns="91440" rIns="91440" tIns="45720" bIns="45720" anchor="ctr">
+            <a:noAutofit/>
+          </a:bodyPr>
+          <a:lstStyle>
+            <a:lvl1pPr indent="0" defTabSz="914400">
+              <a:lnSpc>
+                <a:spcPct val="100000"/>
+              </a:lnSpc>
+              <a:buNone/>
+              <a:tabLst>
+                <a:tab algn="l" pos="0"/>
+              </a:tabLst>
+              <a:defRPr b="0" lang="en-US" sz="1200" strike="noStrike" u="none">
+                <a:solidFill>
+                  <a:schemeClr val="dk1">
+                    <a:tint val="75000"/>
+                  </a:schemeClr>
+                </a:solidFill>
+                <a:effectLst/>
+                <a:uFillTx/>
+                <a:latin typeface="Calibri"/>
+              </a:defRPr>
+            </a:lvl1pPr>
+          </a:lstStyle>
+          <a:p>
+            <a:pPr indent="0" defTabSz="914400">
+              <a:lnSpc>
+                <a:spcPct val="100000"/>
+              </a:lnSpc>
+              <a:buNone/>
+              <a:tabLst>
+                <a:tab algn="l" pos="0"/>
+              </a:tabLst>
+            </a:pPr>
+            <a:r>
+              <a:rPr b="0" lang="en-US" sz="1200" strike="noStrike" u="none">
+                <a:solidFill>
+                  <a:schemeClr val="dk1">
+                    <a:tint val="75000"/>
+                  </a:schemeClr>
+                </a:solidFill>
+                <a:effectLst/>
+                <a:uFillTx/>
+                <a:latin typeface="Calibri"/>
+              </a:rPr>
+              <a:t>&lt;date/time&gt;</a:t>
+            </a:r>
+            <a:endParaRPr b="0" lang="en-US" sz="1200" strike="noStrike" u="none">
+              <a:solidFill>
+                <a:srgbClr val="000000"/>
+              </a:solidFill>
+              <a:effectLst/>
+              <a:uFillTx/>
+              <a:latin typeface="Times New Roman"/>
+            </a:endParaRPr>
+          </a:p>
+        </p:txBody>
+      </p:sp>
+      <p:sp>
+        <p:nvSpPr>
+          <p:cNvPr id="56" name="PlaceHolder 3"/>
+          <p:cNvSpPr>
+            <a:spLocks noGrp="1"/>
+          </p:cNvSpPr>
+          <p:nvPr>
+            <p:ph type="ftr" idx="32"/>
+          </p:nvPr>
+        </p:nvSpPr>
+        <p:spPr>
+          <a:xfrm>
+            <a:off x="4038480" y="6356520"/>
+            <a:ext cx="4114080" cy="364320"/>
+          </a:xfrm>
+          <a:prstGeom prst="rect">
+            <a:avLst/>
+          </a:prstGeom>
+          <a:noFill/>
+          <a:ln w="0">
+            <a:noFill/>
+          </a:ln>
+        </p:spPr>
+        <p:txBody>
+          <a:bodyPr lIns="91440" rIns="91440" tIns="45720" bIns="45720" anchor="ctr">
+            <a:noAutofit/>
+          </a:bodyPr>
+          <a:lstStyle>
+            <a:lvl1pPr indent="0" algn="ctr">
+              <a:lnSpc>
+                <a:spcPct val="100000"/>
+              </a:lnSpc>
+              <a:buNone/>
+              <a:tabLst>
+                <a:tab algn="l" pos="0"/>
+              </a:tabLst>
+              <a:defRPr b="0" lang="en-US" sz="1400" strike="noStrike" u="none">
+                <a:solidFill>
+                  <a:srgbClr val="000000"/>
+                </a:solidFill>
+                <a:effectLst/>
+                <a:uFillTx/>
+                <a:latin typeface="Times New Roman"/>
+              </a:defRPr>
+            </a:lvl1pPr>
+          </a:lstStyle>
+          <a:p>
+            <a:pPr indent="0" algn="ctr">
+              <a:lnSpc>
+                <a:spcPct val="100000"/>
+              </a:lnSpc>
+              <a:buNone/>
+              <a:tabLst>
+                <a:tab algn="l" pos="0"/>
+              </a:tabLst>
+            </a:pPr>
+            <a:r>
+              <a:rPr b="0" lang="en-US" sz="1400" strike="noStrike" u="none">
+                <a:solidFill>
+                  <a:srgbClr val="000000"/>
+                </a:solidFill>
+                <a:effectLst/>
+                <a:uFillTx/>
+                <a:latin typeface="Times New Roman"/>
+              </a:rPr>
+              <a:t>&lt;footer&gt;</a:t>
+            </a:r>
+            <a:endParaRPr b="0" lang="en-US" sz="1400" strike="noStrike" u="none">
+              <a:solidFill>
+                <a:srgbClr val="000000"/>
+              </a:solidFill>
+              <a:effectLst/>
+              <a:uFillTx/>
+              <a:latin typeface="Times New Roman"/>
+            </a:endParaRPr>
+          </a:p>
+        </p:txBody>
+      </p:sp>
+      <p:sp>
+        <p:nvSpPr>
+          <p:cNvPr id="57" name="PlaceHolder 4"/>
+          <p:cNvSpPr>
+            <a:spLocks noGrp="1"/>
+          </p:cNvSpPr>
+          <p:nvPr>
+            <p:ph type="sldNum" idx="33"/>
+          </p:nvPr>
+        </p:nvSpPr>
+        <p:spPr>
+          <a:xfrm>
+            <a:off x="8610480" y="6356520"/>
+            <a:ext cx="2742480" cy="364320"/>
+          </a:xfrm>
+          <a:prstGeom prst="rect">
+            <a:avLst/>
+          </a:prstGeom>
+          <a:noFill/>
+          <a:ln w="0">
+            <a:noFill/>
+          </a:ln>
+        </p:spPr>
+        <p:txBody>
+          <a:bodyPr lIns="91440" rIns="91440" tIns="45720" bIns="45720" anchor="ctr">
+            <a:noAutofit/>
+          </a:bodyPr>
+          <a:lstStyle>
+            <a:lvl1pPr indent="0" algn="r" defTabSz="914400">
+              <a:lnSpc>
+                <a:spcPct val="100000"/>
+              </a:lnSpc>
+              <a:buNone/>
+              <a:tabLst>
+                <a:tab algn="l" pos="0"/>
+              </a:tabLst>
+              <a:defRPr b="0" lang="en-US" sz="1200" strike="noStrike" u="none">
+                <a:solidFill>
+                  <a:schemeClr val="dk1">
+                    <a:tint val="75000"/>
+                  </a:schemeClr>
+                </a:solidFill>
+                <a:effectLst/>
+                <a:uFillTx/>
+                <a:latin typeface="Calibri"/>
+              </a:defRPr>
+            </a:lvl1pPr>
+          </a:lstStyle>
+          <a:p>
+            <a:pPr indent="0" algn="r" defTabSz="914400">
+              <a:lnSpc>
+                <a:spcPct val="100000"/>
+              </a:lnSpc>
+              <a:buNone/>
+              <a:tabLst>
+                <a:tab algn="l" pos="0"/>
+              </a:tabLst>
+            </a:pPr>
+            <a:fld id="{3776548A-9080-4959-A290-D6E006C754D6}" type="slidenum">
+              <a:rPr b="0" lang="en-US" sz="1200" strike="noStrike" u="none">
+                <a:solidFill>
+                  <a:schemeClr val="dk1">
+                    <a:tint val="75000"/>
+                  </a:schemeClr>
+                </a:solidFill>
+                <a:effectLst/>
+                <a:uFillTx/>
+                <a:latin typeface="Calibri"/>
+              </a:rPr>
+              <a:t>&lt;number&gt;</a:t>
+            </a:fld>
+            <a:endParaRPr b="0" lang="en-US" sz="1200" strike="noStrike" u="none">
+              <a:solidFill>
+                <a:srgbClr val="000000"/>
+              </a:solidFill>
+              <a:effectLst/>
+              <a:uFillTx/>
+              <a:latin typeface="Times New Roman"/>
+            </a:endParaRPr>
+          </a:p>
+        </p:txBody>
+      </p:sp>
+    </p:spTree>
+  </p:cSld>
+</p:sldLayout>
+</file>
+
+<file path=ppt/slideLayouts/slideLayout2.xml><?xml version="1.0" encoding="utf-8"?>
+<p:sldLayout xmlns:a="http://schemas.openxmlformats.org/drawingml/2006/main" xmlns:p="http://schemas.openxmlformats.org/presentationml/2006/main" xmlns:r="http://schemas.openxmlformats.org/officeDocument/2006/relationships" xmlns:p14="http://schemas.microsoft.com/office/powerpoint/2010/main" xmlns:p15="http://schemas.microsoft.com/office/powerpoint/2012/main" xmlns:mc="http://schemas.openxmlformats.org/markup-compatibility/2006" type="blank" preserve="1">
+  <p:cSld name="Content with Caption">
+    <p:bg>
+      <p:bgPr>
+        <a:solidFill>
+          <a:srgbClr val="ffffff"/>
+        </a:solidFill>
+      </p:bgPr>
+    </p:bg>
+    <p:spTree>
+      <p:nvGrpSpPr>
+        <p:cNvPr id="1" name=""/>
+        <p:cNvGrpSpPr/>
+        <p:nvPr/>
+      </p:nvGrpSpPr>
+      <p:grpSpPr>
+        <a:xfrm>
+          <a:off x="0" y="0"/>
+          <a:ext cx="0" cy="0"/>
+          <a:chOff x="0" y="0"/>
+          <a:chExt cx="0" cy="0"/>
+        </a:xfrm>
+      </p:grpSpPr>
+      <p:sp>
+        <p:nvSpPr>
+          <p:cNvPr id="3" name="PlaceHolder 1"/>
+          <p:cNvSpPr>
+            <a:spLocks noGrp="1"/>
+          </p:cNvSpPr>
+          <p:nvPr>
+            <p:ph type="title"/>
+          </p:nvPr>
+        </p:nvSpPr>
+        <p:spPr>
+          <a:xfrm>
+            <a:off x="839880" y="457200"/>
+            <a:ext cx="3931560" cy="1599480"/>
+          </a:xfrm>
+          <a:prstGeom prst="rect">
+            <a:avLst/>
+          </a:prstGeom>
+          <a:noFill/>
+          <a:ln w="0">
+            <a:noFill/>
+          </a:ln>
+        </p:spPr>
+        <p:txBody>
+          <a:bodyPr lIns="91440" rIns="91440" tIns="45720" bIns="45720" anchor="b">
+            <a:noAutofit/>
+          </a:bodyPr>
+          <a:p>
+            <a:pPr indent="0" defTabSz="914400">
+              <a:lnSpc>
+                <a:spcPct val="90000"/>
+              </a:lnSpc>
+              <a:buNone/>
+              <a:tabLst>
+                <a:tab algn="l" pos="0"/>
+              </a:tabLst>
+            </a:pPr>
+            <a:r>
+              <a:rPr b="0" lang="en-US" sz="3200" strike="noStrike" u="none">
+                <a:solidFill>
+                  <a:schemeClr val="dk1"/>
+                </a:solidFill>
+                <a:effectLst/>
+                <a:uFillTx/>
+                <a:latin typeface="Calibri Light"/>
+              </a:rPr>
+              <a:t>Click to edit Master title style</a:t>
+            </a:r>
+            <a:endParaRPr b="0" lang="en-US" sz="3200" strike="noStrike" u="none">
+              <a:solidFill>
+                <a:srgbClr val="000000"/>
+              </a:solidFill>
+              <a:effectLst/>
+              <a:uFillTx/>
+              <a:latin typeface="Arial"/>
+            </a:endParaRPr>
+          </a:p>
+        </p:txBody>
+      </p:sp>
+      <p:sp>
+        <p:nvSpPr>
+          <p:cNvPr id="4" name="PlaceHolder 2"/>
+          <p:cNvSpPr>
+            <a:spLocks noGrp="1"/>
+          </p:cNvSpPr>
+          <p:nvPr>
+            <p:ph type="body"/>
+          </p:nvPr>
+        </p:nvSpPr>
+        <p:spPr>
+          <a:xfrm>
+            <a:off x="5183280" y="987480"/>
+            <a:ext cx="6171480" cy="4872960"/>
+          </a:xfrm>
+          <a:prstGeom prst="rect">
+            <a:avLst/>
+          </a:prstGeom>
+          <a:noFill/>
+          <a:ln w="0">
+            <a:noFill/>
+          </a:ln>
+        </p:spPr>
+        <p:txBody>
+          <a:bodyPr lIns="91440" rIns="91440" tIns="45720" bIns="45720" anchor="t">
+            <a:noAutofit/>
+          </a:bodyPr>
+          <a:p>
+            <a:pPr marL="228600" indent="-228600" defTabSz="914400">
+              <a:lnSpc>
+                <a:spcPct val="90000"/>
+              </a:lnSpc>
+              <a:spcBef>
+                <a:spcPts val="1001"/>
+              </a:spcBef>
+              <a:buClr>
+                <a:srgbClr val="000000"/>
+              </a:buClr>
+              <a:buFont typeface="Arial"/>
+              <a:buChar char="•"/>
+            </a:pPr>
+            <a:r>
+              <a:rPr b="0" lang="en-US" sz="3200" strike="noStrike" u="none">
+                <a:solidFill>
+                  <a:schemeClr val="dk1"/>
+                </a:solidFill>
+                <a:effectLst/>
+                <a:uFillTx/>
+                <a:latin typeface="Calibri"/>
+              </a:rPr>
+              <a:t>Click to edit Master text styles</a:t>
+            </a:r>
+            <a:endParaRPr b="0" lang="en-US" sz="3200" strike="noStrike" u="none">
+              <a:solidFill>
+                <a:srgbClr val="000000"/>
+              </a:solidFill>
+              <a:effectLst/>
+              <a:uFillTx/>
+              <a:latin typeface="Arial"/>
+            </a:endParaRPr>
+          </a:p>
+          <a:p>
+            <a:pPr lvl="1" marL="685800" indent="-228600" defTabSz="914400">
+              <a:lnSpc>
+                <a:spcPct val="90000"/>
+              </a:lnSpc>
+              <a:spcBef>
+                <a:spcPts val="499"/>
+              </a:spcBef>
+              <a:buClr>
+                <a:srgbClr val="000000"/>
+              </a:buClr>
+              <a:buFont typeface="Arial"/>
+              <a:buChar char="•"/>
+            </a:pPr>
+            <a:r>
+              <a:rPr b="0" lang="en-US" sz="2800" strike="noStrike" u="none">
+                <a:solidFill>
+                  <a:schemeClr val="dk1"/>
+                </a:solidFill>
+                <a:effectLst/>
+                <a:uFillTx/>
+                <a:latin typeface="Calibri"/>
+              </a:rPr>
+              <a:t>Second level</a:t>
+            </a:r>
+            <a:endParaRPr b="0" lang="en-US" sz="2800" strike="noStrike" u="none">
+              <a:solidFill>
+                <a:srgbClr val="000000"/>
+              </a:solidFill>
+              <a:effectLst/>
+              <a:uFillTx/>
+              <a:latin typeface="Arial"/>
+            </a:endParaRPr>
+          </a:p>
+          <a:p>
+            <a:pPr lvl="2" marL="1143000" indent="-228600" defTabSz="914400">
+              <a:lnSpc>
+                <a:spcPct val="90000"/>
+              </a:lnSpc>
+              <a:spcBef>
+                <a:spcPts val="499"/>
+              </a:spcBef>
+              <a:buClr>
+                <a:srgbClr val="000000"/>
+              </a:buClr>
+              <a:buFont typeface="Arial"/>
+              <a:buChar char="•"/>
+            </a:pPr>
+            <a:r>
+              <a:rPr b="0" lang="en-US" sz="2400" strike="noStrike" u="none">
+                <a:solidFill>
+                  <a:schemeClr val="dk1"/>
+                </a:solidFill>
+                <a:effectLst/>
+                <a:uFillTx/>
+                <a:latin typeface="Calibri"/>
+              </a:rPr>
+              <a:t>Third level</a:t>
+            </a:r>
+            <a:endParaRPr b="0" lang="en-US" sz="2400" strike="noStrike" u="none">
+              <a:solidFill>
+                <a:srgbClr val="000000"/>
+              </a:solidFill>
+              <a:effectLst/>
+              <a:uFillTx/>
+              <a:latin typeface="Arial"/>
+            </a:endParaRPr>
+          </a:p>
+          <a:p>
+            <a:pPr lvl="3" marL="1600200" indent="-228600" defTabSz="914400">
+              <a:lnSpc>
+                <a:spcPct val="90000"/>
+              </a:lnSpc>
+              <a:spcBef>
+                <a:spcPts val="499"/>
+              </a:spcBef>
+              <a:buClr>
+                <a:srgbClr val="000000"/>
+              </a:buClr>
+              <a:buFont typeface="Arial"/>
+              <a:buChar char="•"/>
+            </a:pPr>
+            <a:r>
+              <a:rPr b="0" lang="en-US" sz="2000" strike="noStrike" u="none">
+                <a:solidFill>
+                  <a:schemeClr val="dk1"/>
+                </a:solidFill>
+                <a:effectLst/>
+                <a:uFillTx/>
+                <a:latin typeface="Calibri"/>
+              </a:rPr>
+              <a:t>Fourth level</a:t>
+            </a:r>
+            <a:endParaRPr b="0" lang="en-US" sz="2000" strike="noStrike" u="none">
+              <a:solidFill>
+                <a:srgbClr val="000000"/>
+              </a:solidFill>
+              <a:effectLst/>
+              <a:uFillTx/>
+              <a:latin typeface="Arial"/>
+            </a:endParaRPr>
+          </a:p>
+          <a:p>
+            <a:pPr lvl="4" marL="2057400" indent="-228600" defTabSz="914400">
+              <a:lnSpc>
+                <a:spcPct val="90000"/>
+              </a:lnSpc>
+              <a:spcBef>
+                <a:spcPts val="499"/>
+              </a:spcBef>
+              <a:buClr>
+                <a:srgbClr val="000000"/>
+              </a:buClr>
+              <a:buFont typeface="Arial"/>
+              <a:buChar char="•"/>
+            </a:pPr>
+            <a:r>
+              <a:rPr b="0" lang="en-US" sz="2000" strike="noStrike" u="none">
+                <a:solidFill>
+                  <a:schemeClr val="dk1"/>
+                </a:solidFill>
+                <a:effectLst/>
+                <a:uFillTx/>
+                <a:latin typeface="Calibri"/>
+              </a:rPr>
+              <a:t>Fifth level</a:t>
+            </a:r>
+            <a:endParaRPr b="0" lang="en-US" sz="2000" strike="noStrike" u="none">
+              <a:solidFill>
+                <a:srgbClr val="000000"/>
+              </a:solidFill>
+              <a:effectLst/>
+              <a:uFillTx/>
+              <a:latin typeface="Arial"/>
+            </a:endParaRPr>
+          </a:p>
+        </p:txBody>
+      </p:sp>
+      <p:sp>
+        <p:nvSpPr>
+          <p:cNvPr id="5" name="PlaceHolder 3"/>
+          <p:cNvSpPr>
+            <a:spLocks noGrp="1"/>
+          </p:cNvSpPr>
+          <p:nvPr>
+            <p:ph type="body"/>
+          </p:nvPr>
+        </p:nvSpPr>
+        <p:spPr>
+          <a:xfrm>
+            <a:off x="839880" y="2057400"/>
+            <a:ext cx="3931560" cy="3810960"/>
+          </a:xfrm>
+          <a:prstGeom prst="rect">
+            <a:avLst/>
+          </a:prstGeom>
+          <a:noFill/>
+          <a:ln w="0">
+            <a:noFill/>
+          </a:ln>
+        </p:spPr>
+        <p:txBody>
+          <a:bodyPr lIns="91440" rIns="91440" tIns="45720" bIns="45720" anchor="t">
+            <a:noAutofit/>
+          </a:bodyPr>
+          <a:p>
+            <a:pPr indent="0" defTabSz="914400">
+              <a:lnSpc>
+                <a:spcPct val="90000"/>
+              </a:lnSpc>
+              <a:spcBef>
+                <a:spcPts val="1001"/>
+              </a:spcBef>
+              <a:buNone/>
+              <a:tabLst>
+                <a:tab algn="l" pos="0"/>
+              </a:tabLst>
+            </a:pPr>
+            <a:r>
+              <a:rPr b="0" lang="en-US" sz="1600" strike="noStrike" u="none">
+                <a:solidFill>
+                  <a:schemeClr val="dk1"/>
+                </a:solidFill>
+                <a:effectLst/>
+                <a:uFillTx/>
+                <a:latin typeface="Calibri"/>
+              </a:rPr>
+              <a:t>Click to edit Master text styles</a:t>
+            </a:r>
+            <a:endParaRPr b="0" lang="en-US" sz="1600" strike="noStrike" u="none">
+              <a:solidFill>
+                <a:srgbClr val="000000"/>
+              </a:solidFill>
+              <a:effectLst/>
+              <a:uFillTx/>
+              <a:latin typeface="Arial"/>
+            </a:endParaRPr>
+          </a:p>
+        </p:txBody>
+      </p:sp>
+      <p:sp>
+        <p:nvSpPr>
+          <p:cNvPr id="6" name="PlaceHolder 4"/>
+          <p:cNvSpPr>
+            <a:spLocks noGrp="1"/>
+          </p:cNvSpPr>
+          <p:nvPr>
+            <p:ph type="dt" idx="4"/>
+          </p:nvPr>
+        </p:nvSpPr>
+        <p:spPr>
+          <a:xfrm>
+            <a:off x="838080" y="6356520"/>
+            <a:ext cx="2742480" cy="364320"/>
+          </a:xfrm>
+          <a:prstGeom prst="rect">
+            <a:avLst/>
+          </a:prstGeom>
+          <a:noFill/>
+          <a:ln w="0">
+            <a:noFill/>
+          </a:ln>
+        </p:spPr>
+        <p:txBody>
+          <a:bodyPr lIns="91440" rIns="91440" tIns="45720" bIns="45720" anchor="ctr">
+            <a:noAutofit/>
+          </a:bodyPr>
+          <a:lstStyle>
+            <a:lvl1pPr indent="0" defTabSz="914400">
+              <a:lnSpc>
+                <a:spcPct val="100000"/>
+              </a:lnSpc>
+              <a:buNone/>
+              <a:tabLst>
+                <a:tab algn="l" pos="0"/>
+              </a:tabLst>
+              <a:defRPr b="0" lang="en-US" sz="1200" strike="noStrike" u="none">
+                <a:solidFill>
+                  <a:schemeClr val="dk1">
+                    <a:tint val="75000"/>
+                  </a:schemeClr>
+                </a:solidFill>
+                <a:effectLst/>
+                <a:uFillTx/>
+                <a:latin typeface="Calibri"/>
+              </a:defRPr>
+            </a:lvl1pPr>
+          </a:lstStyle>
+          <a:p>
+            <a:pPr indent="0" defTabSz="914400">
+              <a:lnSpc>
+                <a:spcPct val="100000"/>
+              </a:lnSpc>
+              <a:buNone/>
+              <a:tabLst>
+                <a:tab algn="l" pos="0"/>
+              </a:tabLst>
+            </a:pPr>
+            <a:r>
+              <a:rPr b="0" lang="en-US" sz="1200" strike="noStrike" u="none">
+                <a:solidFill>
+                  <a:schemeClr val="dk1">
+                    <a:tint val="75000"/>
+                  </a:schemeClr>
+                </a:solidFill>
+                <a:effectLst/>
+                <a:uFillTx/>
+                <a:latin typeface="Calibri"/>
+              </a:rPr>
+              <a:t> </a:t>
+            </a:r>
+            <a:endParaRPr b="0" lang="en-US" sz="1200" strike="noStrike" u="none">
+              <a:solidFill>
+                <a:srgbClr val="000000"/>
+              </a:solidFill>
+              <a:effectLst/>
+              <a:uFillTx/>
+              <a:latin typeface="Times New Roman"/>
+            </a:endParaRPr>
+          </a:p>
+        </p:txBody>
+      </p:sp>
+      <p:sp>
+        <p:nvSpPr>
+          <p:cNvPr id="7" name="PlaceHolder 5"/>
+          <p:cNvSpPr>
+            <a:spLocks noGrp="1"/>
+          </p:cNvSpPr>
+          <p:nvPr>
+            <p:ph type="ftr" idx="5"/>
+          </p:nvPr>
+        </p:nvSpPr>
+        <p:spPr>
+          <a:xfrm>
+            <a:off x="4038480" y="6356520"/>
+            <a:ext cx="4114080" cy="364320"/>
+          </a:xfrm>
+          <a:prstGeom prst="rect">
+            <a:avLst/>
+          </a:prstGeom>
+          <a:noFill/>
+          <a:ln w="0">
+            <a:noFill/>
+          </a:ln>
+        </p:spPr>
+        <p:txBody>
+          <a:bodyPr lIns="91440" rIns="91440" tIns="45720" bIns="45720" anchor="ctr">
+            <a:noAutofit/>
+          </a:bodyPr>
+          <a:lstStyle>
+            <a:lvl1pPr indent="0" algn="ctr">
+              <a:lnSpc>
+                <a:spcPct val="100000"/>
+              </a:lnSpc>
+              <a:buNone/>
+              <a:tabLst>
+                <a:tab algn="l" pos="0"/>
+              </a:tabLst>
+              <a:defRPr b="0" lang="en-US" sz="1400" strike="noStrike" u="none">
+                <a:solidFill>
+                  <a:srgbClr val="000000"/>
+                </a:solidFill>
+                <a:effectLst/>
+                <a:uFillTx/>
+                <a:latin typeface="Times New Roman"/>
+              </a:defRPr>
+            </a:lvl1pPr>
+          </a:lstStyle>
+          <a:p>
+            <a:pPr indent="0" algn="ctr">
+              <a:lnSpc>
+                <a:spcPct val="100000"/>
+              </a:lnSpc>
+              <a:buNone/>
+              <a:tabLst>
+                <a:tab algn="l" pos="0"/>
+              </a:tabLst>
+            </a:pPr>
+            <a:r>
+              <a:rPr b="0" lang="en-US" sz="1400" strike="noStrike" u="none">
+                <a:solidFill>
+                  <a:srgbClr val="000000"/>
+                </a:solidFill>
+                <a:effectLst/>
+                <a:uFillTx/>
+                <a:latin typeface="Times New Roman"/>
+              </a:rPr>
+              <a:t> </a:t>
+            </a:r>
+            <a:endParaRPr b="0" lang="en-US" sz="1400" strike="noStrike" u="none">
+              <a:solidFill>
+                <a:srgbClr val="000000"/>
+              </a:solidFill>
+              <a:effectLst/>
+              <a:uFillTx/>
+              <a:latin typeface="Times New Roman"/>
+            </a:endParaRPr>
+          </a:p>
+        </p:txBody>
+      </p:sp>
+      <p:sp>
+        <p:nvSpPr>
+          <p:cNvPr id="8" name="PlaceHolder 6"/>
+          <p:cNvSpPr>
+            <a:spLocks noGrp="1"/>
+          </p:cNvSpPr>
+          <p:nvPr>
+            <p:ph type="sldNum" idx="6"/>
+          </p:nvPr>
+        </p:nvSpPr>
+        <p:spPr>
+          <a:xfrm>
+            <a:off x="8610480" y="6356520"/>
+            <a:ext cx="2742480" cy="364320"/>
+          </a:xfrm>
+          <a:prstGeom prst="rect">
+            <a:avLst/>
+          </a:prstGeom>
+          <a:noFill/>
+          <a:ln w="0">
+            <a:noFill/>
+          </a:ln>
+        </p:spPr>
+        <p:txBody>
+          <a:bodyPr lIns="91440" rIns="91440" tIns="45720" bIns="45720" anchor="ctr">
+            <a:noAutofit/>
+          </a:bodyPr>
+          <a:lstStyle>
+            <a:lvl1pPr indent="0" algn="r" defTabSz="914400">
+              <a:lnSpc>
+                <a:spcPct val="100000"/>
+              </a:lnSpc>
+              <a:buNone/>
+              <a:tabLst>
+                <a:tab algn="l" pos="0"/>
+              </a:tabLst>
+              <a:defRPr b="0" lang="en-US" sz="1200" strike="noStrike" u="none">
+                <a:solidFill>
+                  <a:schemeClr val="dk1">
+                    <a:tint val="75000"/>
+                  </a:schemeClr>
+                </a:solidFill>
+                <a:effectLst/>
+                <a:uFillTx/>
+                <a:latin typeface="Calibri"/>
+              </a:defRPr>
+            </a:lvl1pPr>
+          </a:lstStyle>
+          <a:p>
+            <a:pPr indent="0" algn="r" defTabSz="914400">
+              <a:lnSpc>
+                <a:spcPct val="100000"/>
+              </a:lnSpc>
+              <a:buNone/>
+              <a:tabLst>
+                <a:tab algn="l" pos="0"/>
+              </a:tabLst>
+            </a:pPr>
+            <a:fld id="{21D6ADE1-3662-4295-8618-EC084D2248B5}" type="slidenum">
+              <a:rPr b="0" lang="en-US" sz="1200" strike="noStrike" u="none">
+                <a:solidFill>
+                  <a:schemeClr val="dk1">
+                    <a:tint val="75000"/>
+                  </a:schemeClr>
+                </a:solidFill>
+                <a:effectLst/>
+                <a:uFillTx/>
+                <a:latin typeface="Calibri"/>
+              </a:rPr>
+              <a:t>18</a:t>
+            </a:fld>
+            <a:endParaRPr b="0" lang="en-US" sz="1200" strike="noStrike" u="none">
+              <a:solidFill>
+                <a:srgbClr val="000000"/>
+              </a:solidFill>
+              <a:effectLst/>
+              <a:uFillTx/>
+              <a:latin typeface="Times New Roman"/>
+            </a:endParaRPr>
+          </a:p>
+        </p:txBody>
+      </p:sp>
+    </p:spTree>
+  </p:cSld>
+</p:sldLayout>
+</file>
+
+<file path=ppt/slideLayouts/slideLayout3.xml><?xml version="1.0" encoding="utf-8"?>
 <p:sldLayout xmlns:a="http://schemas.openxmlformats.org/drawingml/2006/main" xmlns:p="http://schemas.openxmlformats.org/presentationml/2006/main" xmlns:r="http://schemas.openxmlformats.org/officeDocument/2006/relationships" xmlns:p14="http://schemas.microsoft.com/office/powerpoint/2010/main" xmlns:p15="http://schemas.microsoft.com/office/powerpoint/2012/main" xmlns:mc="http://schemas.openxmlformats.org/markup-compatibility/2006" type="blank" preserve="1">
   <p:cSld name="Picture with Caption">
     <p:bg>
@@ -1197,7 +2100,7 @@
       </p:grpSpPr>
       <p:sp>
         <p:nvSpPr>
-          <p:cNvPr id="52" name="PlaceHolder 1"/>
+          <p:cNvPr id="9" name="PlaceHolder 1"/>
           <p:cNvSpPr>
             <a:spLocks noGrp="1"/>
           </p:cNvSpPr>
@@ -1208,7 +2111,7 @@
         <p:spPr>
           <a:xfrm>
             <a:off x="839880" y="457200"/>
-            <a:ext cx="3931920" cy="1599840"/>
+            <a:ext cx="3931560" cy="1599480"/>
           </a:xfrm>
           <a:prstGeom prst="rect">
             <a:avLst/>
@@ -1228,6 +2131,9 @@
                 <a:spcPct val="90000"/>
               </a:lnSpc>
               <a:buNone/>
+              <a:tabLst>
+                <a:tab algn="l" pos="0"/>
+              </a:tabLst>
             </a:pPr>
             <a:r>
               <a:rPr b="0" lang="en-US" sz="3200" strike="noStrike" u="none">
@@ -1242,18 +2148,18 @@
             </a:r>
             <a:endParaRPr b="0" lang="en-US" sz="3200" strike="noStrike" u="none">
               <a:solidFill>
-                <a:schemeClr val="dk1"/>
-              </a:solidFill>
-              <a:effectLst/>
-              <a:uFillTx/>
-              <a:latin typeface="Calibri"/>
+                <a:srgbClr val="000000"/>
+              </a:solidFill>
+              <a:effectLst/>
+              <a:uFillTx/>
+              <a:latin typeface="Arial"/>
             </a:endParaRPr>
           </a:p>
         </p:txBody>
       </p:sp>
       <p:sp>
         <p:nvSpPr>
-          <p:cNvPr id="53" name="PlaceHolder 2"/>
+          <p:cNvPr id="10" name="PlaceHolder 2"/>
           <p:cNvSpPr>
             <a:spLocks noGrp="1"/>
           </p:cNvSpPr>
@@ -1264,7 +2170,7 @@
         <p:spPr>
           <a:xfrm>
             <a:off x="5183280" y="987480"/>
-            <a:ext cx="6171840" cy="4873320"/>
+            <a:ext cx="6171480" cy="4872960"/>
           </a:xfrm>
           <a:prstGeom prst="rect">
             <a:avLst/>
@@ -1306,11 +2212,11 @@
             </a:r>
             <a:endParaRPr b="0" lang="en-US" sz="3200" strike="noStrike" u="none">
               <a:solidFill>
-                <a:schemeClr val="dk1"/>
-              </a:solidFill>
-              <a:effectLst/>
-              <a:uFillTx/>
-              <a:latin typeface="Calibri"/>
+                <a:srgbClr val="000000"/>
+              </a:solidFill>
+              <a:effectLst/>
+              <a:uFillTx/>
+              <a:latin typeface="Arial"/>
             </a:endParaRPr>
           </a:p>
           <a:p>
@@ -1341,11 +2247,11 @@
             </a:r>
             <a:endParaRPr b="0" lang="en-US" sz="3200" strike="noStrike" u="none">
               <a:solidFill>
-                <a:schemeClr val="dk1"/>
-              </a:solidFill>
-              <a:effectLst/>
-              <a:uFillTx/>
-              <a:latin typeface="Calibri"/>
+                <a:srgbClr val="000000"/>
+              </a:solidFill>
+              <a:effectLst/>
+              <a:uFillTx/>
+              <a:latin typeface="Arial"/>
             </a:endParaRPr>
           </a:p>
           <a:p>
@@ -1376,11 +2282,11 @@
             </a:r>
             <a:endParaRPr b="0" lang="en-US" sz="3200" strike="noStrike" u="none">
               <a:solidFill>
-                <a:schemeClr val="dk1"/>
-              </a:solidFill>
-              <a:effectLst/>
-              <a:uFillTx/>
-              <a:latin typeface="Calibri"/>
+                <a:srgbClr val="000000"/>
+              </a:solidFill>
+              <a:effectLst/>
+              <a:uFillTx/>
+              <a:latin typeface="Arial"/>
             </a:endParaRPr>
           </a:p>
           <a:p>
@@ -1411,11 +2317,11 @@
             </a:r>
             <a:endParaRPr b="0" lang="en-US" sz="3200" strike="noStrike" u="none">
               <a:solidFill>
-                <a:schemeClr val="dk1"/>
-              </a:solidFill>
-              <a:effectLst/>
-              <a:uFillTx/>
-              <a:latin typeface="Calibri"/>
+                <a:srgbClr val="000000"/>
+              </a:solidFill>
+              <a:effectLst/>
+              <a:uFillTx/>
+              <a:latin typeface="Arial"/>
             </a:endParaRPr>
           </a:p>
           <a:p>
@@ -1446,11 +2352,11 @@
             </a:r>
             <a:endParaRPr b="0" lang="en-US" sz="3200" strike="noStrike" u="none">
               <a:solidFill>
-                <a:schemeClr val="dk1"/>
-              </a:solidFill>
-              <a:effectLst/>
-              <a:uFillTx/>
-              <a:latin typeface="Calibri"/>
+                <a:srgbClr val="000000"/>
+              </a:solidFill>
+              <a:effectLst/>
+              <a:uFillTx/>
+              <a:latin typeface="Arial"/>
             </a:endParaRPr>
           </a:p>
           <a:p>
@@ -1481,11 +2387,11 @@
             </a:r>
             <a:endParaRPr b="0" lang="en-US" sz="3200" strike="noStrike" u="none">
               <a:solidFill>
-                <a:schemeClr val="dk1"/>
-              </a:solidFill>
-              <a:effectLst/>
-              <a:uFillTx/>
-              <a:latin typeface="Calibri"/>
+                <a:srgbClr val="000000"/>
+              </a:solidFill>
+              <a:effectLst/>
+              <a:uFillTx/>
+              <a:latin typeface="Arial"/>
             </a:endParaRPr>
           </a:p>
           <a:p>
@@ -1516,18 +2422,18 @@
             </a:r>
             <a:endParaRPr b="0" lang="en-US" sz="3200" strike="noStrike" u="none">
               <a:solidFill>
-                <a:schemeClr val="dk1"/>
-              </a:solidFill>
-              <a:effectLst/>
-              <a:uFillTx/>
-              <a:latin typeface="Calibri"/>
+                <a:srgbClr val="000000"/>
+              </a:solidFill>
+              <a:effectLst/>
+              <a:uFillTx/>
+              <a:latin typeface="Arial"/>
             </a:endParaRPr>
           </a:p>
         </p:txBody>
       </p:sp>
       <p:sp>
         <p:nvSpPr>
-          <p:cNvPr id="54" name="PlaceHolder 3"/>
+          <p:cNvPr id="11" name="PlaceHolder 3"/>
           <p:cNvSpPr>
             <a:spLocks noGrp="1"/>
           </p:cNvSpPr>
@@ -1538,7 +2444,7 @@
         <p:spPr>
           <a:xfrm>
             <a:off x="839880" y="2057400"/>
-            <a:ext cx="3931920" cy="3811320"/>
+            <a:ext cx="3931560" cy="3810960"/>
           </a:xfrm>
           <a:prstGeom prst="rect">
             <a:avLst/>
@@ -1578,1022 +2484,18 @@
             </a:r>
             <a:endParaRPr b="0" lang="en-US" sz="1600" strike="noStrike" u="none">
               <a:solidFill>
-                <a:schemeClr val="dk1"/>
-              </a:solidFill>
-              <a:effectLst/>
-              <a:uFillTx/>
-              <a:latin typeface="Calibri"/>
+                <a:srgbClr val="000000"/>
+              </a:solidFill>
+              <a:effectLst/>
+              <a:uFillTx/>
+              <a:latin typeface="Arial"/>
             </a:endParaRPr>
           </a:p>
         </p:txBody>
       </p:sp>
       <p:sp>
         <p:nvSpPr>
-          <p:cNvPr id="55" name="PlaceHolder 4"/>
-          <p:cNvSpPr>
-            <a:spLocks noGrp="1"/>
-          </p:cNvSpPr>
-          <p:nvPr>
-            <p:ph type="dt" idx="31"/>
-          </p:nvPr>
-        </p:nvSpPr>
-        <p:spPr>
-          <a:xfrm>
-            <a:off x="838080" y="6356520"/>
-            <a:ext cx="2742840" cy="364680"/>
-          </a:xfrm>
-          <a:prstGeom prst="rect">
-            <a:avLst/>
-          </a:prstGeom>
-          <a:noFill/>
-          <a:ln w="0">
-            <a:noFill/>
-          </a:ln>
-        </p:spPr>
-        <p:txBody>
-          <a:bodyPr lIns="91440" rIns="91440" tIns="45720" bIns="45720" anchor="ctr">
-            <a:noAutofit/>
-          </a:bodyPr>
-          <a:lstStyle>
-            <a:lvl1pPr indent="0" defTabSz="914400">
-              <a:lnSpc>
-                <a:spcPct val="100000"/>
-              </a:lnSpc>
-              <a:buNone/>
-              <a:defRPr b="0" lang="en-US" sz="1200" strike="noStrike" u="none">
-                <a:solidFill>
-                  <a:schemeClr val="dk1">
-                    <a:tint val="75000"/>
-                  </a:schemeClr>
-                </a:solidFill>
-                <a:effectLst/>
-                <a:uFillTx/>
-                <a:latin typeface="Calibri"/>
-              </a:defRPr>
-            </a:lvl1pPr>
-          </a:lstStyle>
-          <a:p>
-            <a:pPr indent="0" defTabSz="914400">
-              <a:lnSpc>
-                <a:spcPct val="100000"/>
-              </a:lnSpc>
-              <a:buNone/>
-            </a:pPr>
-            <a:r>
-              <a:rPr b="0" lang="en-US" sz="1200" strike="noStrike" u="none">
-                <a:solidFill>
-                  <a:schemeClr val="dk1">
-                    <a:tint val="75000"/>
-                  </a:schemeClr>
-                </a:solidFill>
-                <a:effectLst/>
-                <a:uFillTx/>
-                <a:latin typeface="Calibri"/>
-              </a:rPr>
-              <a:t>&lt;date/time&gt;</a:t>
-            </a:r>
-            <a:endParaRPr b="0" lang="en-US" sz="1200" strike="noStrike" u="none">
-              <a:solidFill>
-                <a:srgbClr val="000000"/>
-              </a:solidFill>
-              <a:effectLst/>
-              <a:uFillTx/>
-              <a:latin typeface="Times New Roman"/>
-            </a:endParaRPr>
-          </a:p>
-        </p:txBody>
-      </p:sp>
-      <p:sp>
-        <p:nvSpPr>
-          <p:cNvPr id="56" name="PlaceHolder 5"/>
-          <p:cNvSpPr>
-            <a:spLocks noGrp="1"/>
-          </p:cNvSpPr>
-          <p:nvPr>
-            <p:ph type="ftr" idx="32"/>
-          </p:nvPr>
-        </p:nvSpPr>
-        <p:spPr>
-          <a:xfrm>
-            <a:off x="4038480" y="6356520"/>
-            <a:ext cx="4114440" cy="364680"/>
-          </a:xfrm>
-          <a:prstGeom prst="rect">
-            <a:avLst/>
-          </a:prstGeom>
-          <a:noFill/>
-          <a:ln w="0">
-            <a:noFill/>
-          </a:ln>
-        </p:spPr>
-        <p:txBody>
-          <a:bodyPr lIns="91440" rIns="91440" tIns="45720" bIns="45720" anchor="ctr">
-            <a:noAutofit/>
-          </a:bodyPr>
-          <a:lstStyle>
-            <a:lvl1pPr indent="0" algn="ctr">
-              <a:buNone/>
-              <a:defRPr b="0" lang="en-US" sz="1400" strike="noStrike" u="none">
-                <a:solidFill>
-                  <a:srgbClr val="000000"/>
-                </a:solidFill>
-                <a:effectLst/>
-                <a:uFillTx/>
-                <a:latin typeface="Times New Roman"/>
-              </a:defRPr>
-            </a:lvl1pPr>
-          </a:lstStyle>
-          <a:p>
-            <a:pPr indent="0" algn="ctr">
-              <a:buNone/>
-            </a:pPr>
-            <a:r>
-              <a:rPr b="0" lang="en-US" sz="1400" strike="noStrike" u="none">
-                <a:solidFill>
-                  <a:srgbClr val="000000"/>
-                </a:solidFill>
-                <a:effectLst/>
-                <a:uFillTx/>
-                <a:latin typeface="Times New Roman"/>
-              </a:rPr>
-              <a:t>&lt;footer&gt;</a:t>
-            </a:r>
-            <a:endParaRPr b="0" lang="en-US" sz="1400" strike="noStrike" u="none">
-              <a:solidFill>
-                <a:srgbClr val="000000"/>
-              </a:solidFill>
-              <a:effectLst/>
-              <a:uFillTx/>
-              <a:latin typeface="Times New Roman"/>
-            </a:endParaRPr>
-          </a:p>
-        </p:txBody>
-      </p:sp>
-      <p:sp>
-        <p:nvSpPr>
-          <p:cNvPr id="57" name="PlaceHolder 6"/>
-          <p:cNvSpPr>
-            <a:spLocks noGrp="1"/>
-          </p:cNvSpPr>
-          <p:nvPr>
-            <p:ph type="sldNum" idx="33"/>
-          </p:nvPr>
-        </p:nvSpPr>
-        <p:spPr>
-          <a:xfrm>
-            <a:off x="8610480" y="6356520"/>
-            <a:ext cx="2742840" cy="364680"/>
-          </a:xfrm>
-          <a:prstGeom prst="rect">
-            <a:avLst/>
-          </a:prstGeom>
-          <a:noFill/>
-          <a:ln w="0">
-            <a:noFill/>
-          </a:ln>
-        </p:spPr>
-        <p:txBody>
-          <a:bodyPr lIns="91440" rIns="91440" tIns="45720" bIns="45720" anchor="ctr">
-            <a:noAutofit/>
-          </a:bodyPr>
-          <a:lstStyle>
-            <a:lvl1pPr indent="0" algn="r" defTabSz="914400">
-              <a:lnSpc>
-                <a:spcPct val="100000"/>
-              </a:lnSpc>
-              <a:buNone/>
-              <a:defRPr b="0" lang="en-US" sz="1200" strike="noStrike" u="none">
-                <a:solidFill>
-                  <a:schemeClr val="dk1">
-                    <a:tint val="75000"/>
-                  </a:schemeClr>
-                </a:solidFill>
-                <a:effectLst/>
-                <a:uFillTx/>
-                <a:latin typeface="Calibri"/>
-              </a:defRPr>
-            </a:lvl1pPr>
-          </a:lstStyle>
-          <a:p>
-            <a:pPr indent="0" algn="r" defTabSz="914400">
-              <a:lnSpc>
-                <a:spcPct val="100000"/>
-              </a:lnSpc>
-              <a:buNone/>
-            </a:pPr>
-            <a:fld id="{84531F15-FCDB-4DFF-A8F7-3FC480B25E7D}" type="slidenum">
-              <a:rPr b="0" lang="en-US" sz="1200" strike="noStrike" u="none">
-                <a:solidFill>
-                  <a:schemeClr val="dk1">
-                    <a:tint val="75000"/>
-                  </a:schemeClr>
-                </a:solidFill>
-                <a:effectLst/>
-                <a:uFillTx/>
-                <a:latin typeface="Calibri"/>
-              </a:rPr>
-              <a:t>&lt;number&gt;</a:t>
-            </a:fld>
-            <a:endParaRPr b="0" lang="en-US" sz="1200" strike="noStrike" u="none">
-              <a:solidFill>
-                <a:srgbClr val="000000"/>
-              </a:solidFill>
-              <a:effectLst/>
-              <a:uFillTx/>
-              <a:latin typeface="Times New Roman"/>
-            </a:endParaRPr>
-          </a:p>
-        </p:txBody>
-      </p:sp>
-    </p:spTree>
-  </p:cSld>
-</p:sldLayout>
-</file>
-
-<file path=ppt/slideLayouts/slideLayout2.xml><?xml version="1.0" encoding="utf-8"?>
-<p:sldLayout xmlns:a="http://schemas.openxmlformats.org/drawingml/2006/main" xmlns:p="http://schemas.openxmlformats.org/presentationml/2006/main" xmlns:r="http://schemas.openxmlformats.org/officeDocument/2006/relationships" xmlns:p14="http://schemas.microsoft.com/office/powerpoint/2010/main" xmlns:p15="http://schemas.microsoft.com/office/powerpoint/2012/main" xmlns:mc="http://schemas.openxmlformats.org/markup-compatibility/2006" type="vertTx" preserve="1">
-  <p:cSld name="Title and Vertical Text">
-    <p:bg>
-      <p:bgPr>
-        <a:solidFill>
-          <a:srgbClr val="ffffff"/>
-        </a:solidFill>
-      </p:bgPr>
-    </p:bg>
-    <p:spTree>
-      <p:nvGrpSpPr>
-        <p:cNvPr id="1" name=""/>
-        <p:cNvGrpSpPr/>
-        <p:nvPr/>
-      </p:nvGrpSpPr>
-      <p:grpSpPr>
-        <a:xfrm>
-          <a:off x="0" y="0"/>
-          <a:ext cx="0" cy="0"/>
-          <a:chOff x="0" y="0"/>
-          <a:chExt cx="0" cy="0"/>
-        </a:xfrm>
-      </p:grpSpPr>
-      <p:sp>
-        <p:nvSpPr>
-          <p:cNvPr id="5" name="PlaceHolder 1"/>
-          <p:cNvSpPr>
-            <a:spLocks noGrp="1"/>
-          </p:cNvSpPr>
-          <p:nvPr>
-            <p:ph type="title"/>
-          </p:nvPr>
-        </p:nvSpPr>
-        <p:spPr>
-          <a:xfrm>
-            <a:off x="838080" y="365040"/>
-            <a:ext cx="10515240" cy="1325160"/>
-          </a:xfrm>
-          <a:prstGeom prst="rect">
-            <a:avLst/>
-          </a:prstGeom>
-          <a:noFill/>
-          <a:ln w="0">
-            <a:noFill/>
-          </a:ln>
-        </p:spPr>
-        <p:txBody>
-          <a:bodyPr lIns="91440" rIns="91440" tIns="45720" bIns="45720" anchor="ctr">
-            <a:noAutofit/>
-          </a:bodyPr>
-          <a:p>
-            <a:pPr indent="0" defTabSz="914400">
-              <a:lnSpc>
-                <a:spcPct val="90000"/>
-              </a:lnSpc>
-              <a:buNone/>
-            </a:pPr>
-            <a:r>
-              <a:rPr b="0" lang="en-US" sz="4400" strike="noStrike" u="none">
-                <a:solidFill>
-                  <a:schemeClr val="dk1"/>
-                </a:solidFill>
-                <a:effectLst/>
-                <a:uFillTx/>
-                <a:latin typeface="Calibri Light"/>
-              </a:rPr>
-              <a:t>Click to edit Master title style</a:t>
-            </a:r>
-            <a:endParaRPr b="0" lang="en-US" sz="4400" strike="noStrike" u="none">
-              <a:solidFill>
-                <a:schemeClr val="dk1"/>
-              </a:solidFill>
-              <a:effectLst/>
-              <a:uFillTx/>
-              <a:latin typeface="Calibri"/>
-            </a:endParaRPr>
-          </a:p>
-        </p:txBody>
-      </p:sp>
-      <p:sp>
-        <p:nvSpPr>
-          <p:cNvPr id="6" name="PlaceHolder 2"/>
-          <p:cNvSpPr>
-            <a:spLocks noGrp="1"/>
-          </p:cNvSpPr>
-          <p:nvPr>
-            <p:ph type="body"/>
-          </p:nvPr>
-        </p:nvSpPr>
-        <p:spPr>
-          <a:xfrm>
-            <a:off x="838080" y="1825560"/>
-            <a:ext cx="10515240" cy="4350960"/>
-          </a:xfrm>
-          <a:prstGeom prst="rect">
-            <a:avLst/>
-          </a:prstGeom>
-          <a:noFill/>
-          <a:ln w="0">
-            <a:noFill/>
-          </a:ln>
-        </p:spPr>
-        <p:txBody>
-          <a:bodyPr lIns="91440" rIns="91440" tIns="45720" bIns="45720" anchor="t" vert="eaVert">
-            <a:noAutofit/>
-          </a:bodyPr>
-          <a:p>
-            <a:pPr marL="228600" indent="-228600" defTabSz="914400">
-              <a:lnSpc>
-                <a:spcPct val="90000"/>
-              </a:lnSpc>
-              <a:spcBef>
-                <a:spcPts val="1001"/>
-              </a:spcBef>
-              <a:buClr>
-                <a:srgbClr val="000000"/>
-              </a:buClr>
-              <a:buFont typeface="Arial"/>
-              <a:buChar char="•"/>
-            </a:pPr>
-            <a:r>
-              <a:rPr b="0" lang="en-US" sz="2800" strike="noStrike" u="none">
-                <a:solidFill>
-                  <a:schemeClr val="dk1"/>
-                </a:solidFill>
-                <a:effectLst/>
-                <a:uFillTx/>
-                <a:latin typeface="Calibri"/>
-              </a:rPr>
-              <a:t>Click to edit Master text styles</a:t>
-            </a:r>
-            <a:endParaRPr b="0" lang="en-US" sz="2800" strike="noStrike" u="none">
-              <a:solidFill>
-                <a:schemeClr val="dk1"/>
-              </a:solidFill>
-              <a:effectLst/>
-              <a:uFillTx/>
-              <a:latin typeface="Calibri"/>
-            </a:endParaRPr>
-          </a:p>
-          <a:p>
-            <a:pPr lvl="1" marL="685800" indent="-228600" defTabSz="914400">
-              <a:lnSpc>
-                <a:spcPct val="90000"/>
-              </a:lnSpc>
-              <a:spcBef>
-                <a:spcPts val="499"/>
-              </a:spcBef>
-              <a:buClr>
-                <a:srgbClr val="000000"/>
-              </a:buClr>
-              <a:buFont typeface="Arial"/>
-              <a:buChar char="•"/>
-            </a:pPr>
-            <a:r>
-              <a:rPr b="0" lang="en-US" sz="2400" strike="noStrike" u="none">
-                <a:solidFill>
-                  <a:schemeClr val="dk1"/>
-                </a:solidFill>
-                <a:effectLst/>
-                <a:uFillTx/>
-                <a:latin typeface="Calibri"/>
-              </a:rPr>
-              <a:t>Second level</a:t>
-            </a:r>
-            <a:endParaRPr b="0" lang="en-US" sz="2400" strike="noStrike" u="none">
-              <a:solidFill>
-                <a:schemeClr val="dk1"/>
-              </a:solidFill>
-              <a:effectLst/>
-              <a:uFillTx/>
-              <a:latin typeface="Calibri"/>
-            </a:endParaRPr>
-          </a:p>
-          <a:p>
-            <a:pPr lvl="2" marL="1143000" indent="-228600" defTabSz="914400">
-              <a:lnSpc>
-                <a:spcPct val="90000"/>
-              </a:lnSpc>
-              <a:spcBef>
-                <a:spcPts val="499"/>
-              </a:spcBef>
-              <a:buClr>
-                <a:srgbClr val="000000"/>
-              </a:buClr>
-              <a:buFont typeface="Arial"/>
-              <a:buChar char="•"/>
-            </a:pPr>
-            <a:r>
-              <a:rPr b="0" lang="en-US" sz="2000" strike="noStrike" u="none">
-                <a:solidFill>
-                  <a:schemeClr val="dk1"/>
-                </a:solidFill>
-                <a:effectLst/>
-                <a:uFillTx/>
-                <a:latin typeface="Calibri"/>
-              </a:rPr>
-              <a:t>Third level</a:t>
-            </a:r>
-            <a:endParaRPr b="0" lang="en-US" sz="2000" strike="noStrike" u="none">
-              <a:solidFill>
-                <a:schemeClr val="dk1"/>
-              </a:solidFill>
-              <a:effectLst/>
-              <a:uFillTx/>
-              <a:latin typeface="Calibri"/>
-            </a:endParaRPr>
-          </a:p>
-          <a:p>
-            <a:pPr lvl="3" marL="1600200" indent="-228600" defTabSz="914400">
-              <a:lnSpc>
-                <a:spcPct val="90000"/>
-              </a:lnSpc>
-              <a:spcBef>
-                <a:spcPts val="499"/>
-              </a:spcBef>
-              <a:buClr>
-                <a:srgbClr val="000000"/>
-              </a:buClr>
-              <a:buFont typeface="Arial"/>
-              <a:buChar char="•"/>
-            </a:pPr>
-            <a:r>
-              <a:rPr b="0" lang="en-US" sz="1800" strike="noStrike" u="none">
-                <a:solidFill>
-                  <a:schemeClr val="dk1"/>
-                </a:solidFill>
-                <a:effectLst/>
-                <a:uFillTx/>
-                <a:latin typeface="Calibri"/>
-              </a:rPr>
-              <a:t>Fourth level</a:t>
-            </a:r>
-            <a:endParaRPr b="0" lang="en-US" sz="1800" strike="noStrike" u="none">
-              <a:solidFill>
-                <a:schemeClr val="dk1"/>
-              </a:solidFill>
-              <a:effectLst/>
-              <a:uFillTx/>
-              <a:latin typeface="Calibri"/>
-            </a:endParaRPr>
-          </a:p>
-          <a:p>
-            <a:pPr lvl="4" marL="2057400" indent="-228600" defTabSz="914400">
-              <a:lnSpc>
-                <a:spcPct val="90000"/>
-              </a:lnSpc>
-              <a:spcBef>
-                <a:spcPts val="499"/>
-              </a:spcBef>
-              <a:buClr>
-                <a:srgbClr val="000000"/>
-              </a:buClr>
-              <a:buFont typeface="Arial"/>
-              <a:buChar char="•"/>
-            </a:pPr>
-            <a:r>
-              <a:rPr b="0" lang="en-US" sz="1800" strike="noStrike" u="none">
-                <a:solidFill>
-                  <a:schemeClr val="dk1"/>
-                </a:solidFill>
-                <a:effectLst/>
-                <a:uFillTx/>
-                <a:latin typeface="Calibri"/>
-              </a:rPr>
-              <a:t>Fifth level</a:t>
-            </a:r>
-            <a:endParaRPr b="0" lang="en-US" sz="1800" strike="noStrike" u="none">
-              <a:solidFill>
-                <a:schemeClr val="dk1"/>
-              </a:solidFill>
-              <a:effectLst/>
-              <a:uFillTx/>
-              <a:latin typeface="Calibri"/>
-            </a:endParaRPr>
-          </a:p>
-        </p:txBody>
-      </p:sp>
-      <p:sp>
-        <p:nvSpPr>
-          <p:cNvPr id="7" name="PlaceHolder 3"/>
-          <p:cNvSpPr>
-            <a:spLocks noGrp="1"/>
-          </p:cNvSpPr>
-          <p:nvPr>
-            <p:ph type="dt" idx="4"/>
-          </p:nvPr>
-        </p:nvSpPr>
-        <p:spPr>
-          <a:xfrm>
-            <a:off x="838080" y="6356520"/>
-            <a:ext cx="2742840" cy="364680"/>
-          </a:xfrm>
-          <a:prstGeom prst="rect">
-            <a:avLst/>
-          </a:prstGeom>
-          <a:noFill/>
-          <a:ln w="0">
-            <a:noFill/>
-          </a:ln>
-        </p:spPr>
-        <p:txBody>
-          <a:bodyPr lIns="91440" rIns="91440" tIns="45720" bIns="45720" anchor="ctr">
-            <a:noAutofit/>
-          </a:bodyPr>
-          <a:lstStyle>
-            <a:lvl1pPr indent="0" defTabSz="914400">
-              <a:lnSpc>
-                <a:spcPct val="100000"/>
-              </a:lnSpc>
-              <a:buNone/>
-              <a:defRPr b="0" lang="en-US" sz="1200" strike="noStrike" u="none">
-                <a:solidFill>
-                  <a:schemeClr val="dk1">
-                    <a:tint val="75000"/>
-                  </a:schemeClr>
-                </a:solidFill>
-                <a:effectLst/>
-                <a:uFillTx/>
-                <a:latin typeface="Calibri"/>
-              </a:defRPr>
-            </a:lvl1pPr>
-          </a:lstStyle>
-          <a:p>
-            <a:pPr indent="0" defTabSz="914400">
-              <a:lnSpc>
-                <a:spcPct val="100000"/>
-              </a:lnSpc>
-              <a:buNone/>
-            </a:pPr>
-            <a:r>
-              <a:rPr b="0" lang="en-US" sz="1200" strike="noStrike" u="none">
-                <a:solidFill>
-                  <a:schemeClr val="dk1">
-                    <a:tint val="75000"/>
-                  </a:schemeClr>
-                </a:solidFill>
-                <a:effectLst/>
-                <a:uFillTx/>
-                <a:latin typeface="Calibri"/>
-              </a:rPr>
-              <a:t>&lt;date/time&gt;</a:t>
-            </a:r>
-            <a:endParaRPr b="0" lang="en-US" sz="1200" strike="noStrike" u="none">
-              <a:solidFill>
-                <a:srgbClr val="000000"/>
-              </a:solidFill>
-              <a:effectLst/>
-              <a:uFillTx/>
-              <a:latin typeface="Times New Roman"/>
-            </a:endParaRPr>
-          </a:p>
-        </p:txBody>
-      </p:sp>
-      <p:sp>
-        <p:nvSpPr>
-          <p:cNvPr id="8" name="PlaceHolder 4"/>
-          <p:cNvSpPr>
-            <a:spLocks noGrp="1"/>
-          </p:cNvSpPr>
-          <p:nvPr>
-            <p:ph type="ftr" idx="5"/>
-          </p:nvPr>
-        </p:nvSpPr>
-        <p:spPr>
-          <a:xfrm>
-            <a:off x="4038480" y="6356520"/>
-            <a:ext cx="4114440" cy="364680"/>
-          </a:xfrm>
-          <a:prstGeom prst="rect">
-            <a:avLst/>
-          </a:prstGeom>
-          <a:noFill/>
-          <a:ln w="0">
-            <a:noFill/>
-          </a:ln>
-        </p:spPr>
-        <p:txBody>
-          <a:bodyPr lIns="91440" rIns="91440" tIns="45720" bIns="45720" anchor="ctr">
-            <a:noAutofit/>
-          </a:bodyPr>
-          <a:lstStyle>
-            <a:lvl1pPr indent="0" algn="ctr">
-              <a:buNone/>
-              <a:defRPr b="0" lang="en-US" sz="1400" strike="noStrike" u="none">
-                <a:solidFill>
-                  <a:srgbClr val="000000"/>
-                </a:solidFill>
-                <a:effectLst/>
-                <a:uFillTx/>
-                <a:latin typeface="Times New Roman"/>
-              </a:defRPr>
-            </a:lvl1pPr>
-          </a:lstStyle>
-          <a:p>
-            <a:pPr indent="0" algn="ctr">
-              <a:buNone/>
-            </a:pPr>
-            <a:r>
-              <a:rPr b="0" lang="en-US" sz="1400" strike="noStrike" u="none">
-                <a:solidFill>
-                  <a:srgbClr val="000000"/>
-                </a:solidFill>
-                <a:effectLst/>
-                <a:uFillTx/>
-                <a:latin typeface="Times New Roman"/>
-              </a:rPr>
-              <a:t>&lt;footer&gt;</a:t>
-            </a:r>
-            <a:endParaRPr b="0" lang="en-US" sz="1400" strike="noStrike" u="none">
-              <a:solidFill>
-                <a:srgbClr val="000000"/>
-              </a:solidFill>
-              <a:effectLst/>
-              <a:uFillTx/>
-              <a:latin typeface="Times New Roman"/>
-            </a:endParaRPr>
-          </a:p>
-        </p:txBody>
-      </p:sp>
-      <p:sp>
-        <p:nvSpPr>
-          <p:cNvPr id="9" name="PlaceHolder 5"/>
-          <p:cNvSpPr>
-            <a:spLocks noGrp="1"/>
-          </p:cNvSpPr>
-          <p:nvPr>
-            <p:ph type="sldNum" idx="6"/>
-          </p:nvPr>
-        </p:nvSpPr>
-        <p:spPr>
-          <a:xfrm>
-            <a:off x="8610480" y="6356520"/>
-            <a:ext cx="2742840" cy="364680"/>
-          </a:xfrm>
-          <a:prstGeom prst="rect">
-            <a:avLst/>
-          </a:prstGeom>
-          <a:noFill/>
-          <a:ln w="0">
-            <a:noFill/>
-          </a:ln>
-        </p:spPr>
-        <p:txBody>
-          <a:bodyPr lIns="91440" rIns="91440" tIns="45720" bIns="45720" anchor="ctr">
-            <a:noAutofit/>
-          </a:bodyPr>
-          <a:lstStyle>
-            <a:lvl1pPr indent="0" algn="r" defTabSz="914400">
-              <a:lnSpc>
-                <a:spcPct val="100000"/>
-              </a:lnSpc>
-              <a:buNone/>
-              <a:defRPr b="0" lang="en-US" sz="1200" strike="noStrike" u="none">
-                <a:solidFill>
-                  <a:schemeClr val="dk1">
-                    <a:tint val="75000"/>
-                  </a:schemeClr>
-                </a:solidFill>
-                <a:effectLst/>
-                <a:uFillTx/>
-                <a:latin typeface="Calibri"/>
-              </a:defRPr>
-            </a:lvl1pPr>
-          </a:lstStyle>
-          <a:p>
-            <a:pPr indent="0" algn="r" defTabSz="914400">
-              <a:lnSpc>
-                <a:spcPct val="100000"/>
-              </a:lnSpc>
-              <a:buNone/>
-            </a:pPr>
-            <a:fld id="{A7FBD070-49F4-47FA-A8F8-9B5E1B951673}" type="slidenum">
-              <a:rPr b="0" lang="en-US" sz="1200" strike="noStrike" u="none">
-                <a:solidFill>
-                  <a:schemeClr val="dk1">
-                    <a:tint val="75000"/>
-                  </a:schemeClr>
-                </a:solidFill>
-                <a:effectLst/>
-                <a:uFillTx/>
-                <a:latin typeface="Calibri"/>
-              </a:rPr>
-              <a:t>&lt;number&gt;</a:t>
-            </a:fld>
-            <a:endParaRPr b="0" lang="en-US" sz="1200" strike="noStrike" u="none">
-              <a:solidFill>
-                <a:srgbClr val="000000"/>
-              </a:solidFill>
-              <a:effectLst/>
-              <a:uFillTx/>
-              <a:latin typeface="Times New Roman"/>
-            </a:endParaRPr>
-          </a:p>
-        </p:txBody>
-      </p:sp>
-    </p:spTree>
-  </p:cSld>
-</p:sldLayout>
-</file>
-
-<file path=ppt/slideLayouts/slideLayout3.xml><?xml version="1.0" encoding="utf-8"?>
-<p:sldLayout xmlns:a="http://schemas.openxmlformats.org/drawingml/2006/main" xmlns:p="http://schemas.openxmlformats.org/presentationml/2006/main" xmlns:r="http://schemas.openxmlformats.org/officeDocument/2006/relationships" xmlns:p14="http://schemas.microsoft.com/office/powerpoint/2010/main" xmlns:p15="http://schemas.microsoft.com/office/powerpoint/2012/main" xmlns:mc="http://schemas.openxmlformats.org/markup-compatibility/2006" type="vertTitleAndTx" preserve="1">
-  <p:cSld name="Vertical Title and Text">
-    <p:bg>
-      <p:bgPr>
-        <a:solidFill>
-          <a:srgbClr val="ffffff"/>
-        </a:solidFill>
-      </p:bgPr>
-    </p:bg>
-    <p:spTree>
-      <p:nvGrpSpPr>
-        <p:cNvPr id="1" name=""/>
-        <p:cNvGrpSpPr/>
-        <p:nvPr/>
-      </p:nvGrpSpPr>
-      <p:grpSpPr>
-        <a:xfrm>
-          <a:off x="0" y="0"/>
-          <a:ext cx="0" cy="0"/>
-          <a:chOff x="0" y="0"/>
-          <a:chExt cx="0" cy="0"/>
-        </a:xfrm>
-      </p:grpSpPr>
-      <p:sp>
-        <p:nvSpPr>
-          <p:cNvPr id="10" name="PlaceHolder 1"/>
-          <p:cNvSpPr>
-            <a:spLocks noGrp="1"/>
-          </p:cNvSpPr>
-          <p:nvPr>
-            <p:ph type="title"/>
-          </p:nvPr>
-        </p:nvSpPr>
-        <p:spPr>
-          <a:xfrm>
-            <a:off x="8724960" y="365040"/>
-            <a:ext cx="2628720" cy="5811480"/>
-          </a:xfrm>
-          <a:prstGeom prst="rect">
-            <a:avLst/>
-          </a:prstGeom>
-          <a:noFill/>
-          <a:ln w="0">
-            <a:noFill/>
-          </a:ln>
-        </p:spPr>
-        <p:txBody>
-          <a:bodyPr lIns="91440" rIns="91440" tIns="45720" bIns="45720" anchor="ctr" vert="eaVert">
-            <a:noAutofit/>
-          </a:bodyPr>
-          <a:p>
-            <a:pPr indent="0" defTabSz="914400">
-              <a:lnSpc>
-                <a:spcPct val="90000"/>
-              </a:lnSpc>
-              <a:buNone/>
-            </a:pPr>
-            <a:r>
-              <a:rPr b="0" lang="en-US" sz="4400" strike="noStrike" u="none">
-                <a:solidFill>
-                  <a:schemeClr val="dk1"/>
-                </a:solidFill>
-                <a:effectLst/>
-                <a:uFillTx/>
-                <a:latin typeface="Calibri Light"/>
-              </a:rPr>
-              <a:t>Click to edit Master title style</a:t>
-            </a:r>
-            <a:endParaRPr b="0" lang="en-US" sz="4400" strike="noStrike" u="none">
-              <a:solidFill>
-                <a:schemeClr val="dk1"/>
-              </a:solidFill>
-              <a:effectLst/>
-              <a:uFillTx/>
-              <a:latin typeface="Calibri"/>
-            </a:endParaRPr>
-          </a:p>
-        </p:txBody>
-      </p:sp>
-      <p:sp>
-        <p:nvSpPr>
-          <p:cNvPr id="11" name="PlaceHolder 2"/>
-          <p:cNvSpPr>
-            <a:spLocks noGrp="1"/>
-          </p:cNvSpPr>
-          <p:nvPr>
-            <p:ph type="body"/>
-          </p:nvPr>
-        </p:nvSpPr>
-        <p:spPr>
-          <a:xfrm>
-            <a:off x="838080" y="365040"/>
-            <a:ext cx="7733880" cy="5811480"/>
-          </a:xfrm>
-          <a:prstGeom prst="rect">
-            <a:avLst/>
-          </a:prstGeom>
-          <a:noFill/>
-          <a:ln w="0">
-            <a:noFill/>
-          </a:ln>
-        </p:spPr>
-        <p:txBody>
-          <a:bodyPr lIns="91440" rIns="91440" tIns="45720" bIns="45720" anchor="t" vert="eaVert">
-            <a:noAutofit/>
-          </a:bodyPr>
-          <a:p>
-            <a:pPr marL="228600" indent="-228600" defTabSz="914400">
-              <a:lnSpc>
-                <a:spcPct val="90000"/>
-              </a:lnSpc>
-              <a:spcBef>
-                <a:spcPts val="1001"/>
-              </a:spcBef>
-              <a:buClr>
-                <a:srgbClr val="000000"/>
-              </a:buClr>
-              <a:buFont typeface="Arial"/>
-              <a:buChar char="•"/>
-            </a:pPr>
-            <a:r>
-              <a:rPr b="0" lang="en-US" sz="2800" strike="noStrike" u="none">
-                <a:solidFill>
-                  <a:schemeClr val="dk1"/>
-                </a:solidFill>
-                <a:effectLst/>
-                <a:uFillTx/>
-                <a:latin typeface="Calibri"/>
-              </a:rPr>
-              <a:t>Click to edit Master text styles</a:t>
-            </a:r>
-            <a:endParaRPr b="0" lang="en-US" sz="2800" strike="noStrike" u="none">
-              <a:solidFill>
-                <a:schemeClr val="dk1"/>
-              </a:solidFill>
-              <a:effectLst/>
-              <a:uFillTx/>
-              <a:latin typeface="Calibri"/>
-            </a:endParaRPr>
-          </a:p>
-          <a:p>
-            <a:pPr lvl="1" marL="685800" indent="-228600" defTabSz="914400">
-              <a:lnSpc>
-                <a:spcPct val="90000"/>
-              </a:lnSpc>
-              <a:spcBef>
-                <a:spcPts val="499"/>
-              </a:spcBef>
-              <a:buClr>
-                <a:srgbClr val="000000"/>
-              </a:buClr>
-              <a:buFont typeface="Arial"/>
-              <a:buChar char="•"/>
-            </a:pPr>
-            <a:r>
-              <a:rPr b="0" lang="en-US" sz="2400" strike="noStrike" u="none">
-                <a:solidFill>
-                  <a:schemeClr val="dk1"/>
-                </a:solidFill>
-                <a:effectLst/>
-                <a:uFillTx/>
-                <a:latin typeface="Calibri"/>
-              </a:rPr>
-              <a:t>Second level</a:t>
-            </a:r>
-            <a:endParaRPr b="0" lang="en-US" sz="2400" strike="noStrike" u="none">
-              <a:solidFill>
-                <a:schemeClr val="dk1"/>
-              </a:solidFill>
-              <a:effectLst/>
-              <a:uFillTx/>
-              <a:latin typeface="Calibri"/>
-            </a:endParaRPr>
-          </a:p>
-          <a:p>
-            <a:pPr lvl="2" marL="1143000" indent="-228600" defTabSz="914400">
-              <a:lnSpc>
-                <a:spcPct val="90000"/>
-              </a:lnSpc>
-              <a:spcBef>
-                <a:spcPts val="499"/>
-              </a:spcBef>
-              <a:buClr>
-                <a:srgbClr val="000000"/>
-              </a:buClr>
-              <a:buFont typeface="Arial"/>
-              <a:buChar char="•"/>
-            </a:pPr>
-            <a:r>
-              <a:rPr b="0" lang="en-US" sz="2000" strike="noStrike" u="none">
-                <a:solidFill>
-                  <a:schemeClr val="dk1"/>
-                </a:solidFill>
-                <a:effectLst/>
-                <a:uFillTx/>
-                <a:latin typeface="Calibri"/>
-              </a:rPr>
-              <a:t>Third level</a:t>
-            </a:r>
-            <a:endParaRPr b="0" lang="en-US" sz="2000" strike="noStrike" u="none">
-              <a:solidFill>
-                <a:schemeClr val="dk1"/>
-              </a:solidFill>
-              <a:effectLst/>
-              <a:uFillTx/>
-              <a:latin typeface="Calibri"/>
-            </a:endParaRPr>
-          </a:p>
-          <a:p>
-            <a:pPr lvl="3" marL="1600200" indent="-228600" defTabSz="914400">
-              <a:lnSpc>
-                <a:spcPct val="90000"/>
-              </a:lnSpc>
-              <a:spcBef>
-                <a:spcPts val="499"/>
-              </a:spcBef>
-              <a:buClr>
-                <a:srgbClr val="000000"/>
-              </a:buClr>
-              <a:buFont typeface="Arial"/>
-              <a:buChar char="•"/>
-            </a:pPr>
-            <a:r>
-              <a:rPr b="0" lang="en-US" sz="1800" strike="noStrike" u="none">
-                <a:solidFill>
-                  <a:schemeClr val="dk1"/>
-                </a:solidFill>
-                <a:effectLst/>
-                <a:uFillTx/>
-                <a:latin typeface="Calibri"/>
-              </a:rPr>
-              <a:t>Fourth level</a:t>
-            </a:r>
-            <a:endParaRPr b="0" lang="en-US" sz="1800" strike="noStrike" u="none">
-              <a:solidFill>
-                <a:schemeClr val="dk1"/>
-              </a:solidFill>
-              <a:effectLst/>
-              <a:uFillTx/>
-              <a:latin typeface="Calibri"/>
-            </a:endParaRPr>
-          </a:p>
-          <a:p>
-            <a:pPr lvl="4" marL="2057400" indent="-228600" defTabSz="914400">
-              <a:lnSpc>
-                <a:spcPct val="90000"/>
-              </a:lnSpc>
-              <a:spcBef>
-                <a:spcPts val="499"/>
-              </a:spcBef>
-              <a:buClr>
-                <a:srgbClr val="000000"/>
-              </a:buClr>
-              <a:buFont typeface="Arial"/>
-              <a:buChar char="•"/>
-            </a:pPr>
-            <a:r>
-              <a:rPr b="0" lang="en-US" sz="1800" strike="noStrike" u="none">
-                <a:solidFill>
-                  <a:schemeClr val="dk1"/>
-                </a:solidFill>
-                <a:effectLst/>
-                <a:uFillTx/>
-                <a:latin typeface="Calibri"/>
-              </a:rPr>
-              <a:t>Fifth level</a:t>
-            </a:r>
-            <a:endParaRPr b="0" lang="en-US" sz="1800" strike="noStrike" u="none">
-              <a:solidFill>
-                <a:schemeClr val="dk1"/>
-              </a:solidFill>
-              <a:effectLst/>
-              <a:uFillTx/>
-              <a:latin typeface="Calibri"/>
-            </a:endParaRPr>
-          </a:p>
-        </p:txBody>
-      </p:sp>
-      <p:sp>
-        <p:nvSpPr>
-          <p:cNvPr id="12" name="PlaceHolder 3"/>
+          <p:cNvPr id="12" name="PlaceHolder 4"/>
           <p:cNvSpPr>
             <a:spLocks noGrp="1"/>
           </p:cNvSpPr>
@@ -2604,7 +2506,7 @@
         <p:spPr>
           <a:xfrm>
             <a:off x="838080" y="6356520"/>
-            <a:ext cx="2742840" cy="364680"/>
+            <a:ext cx="2742480" cy="364320"/>
           </a:xfrm>
           <a:prstGeom prst="rect">
             <a:avLst/>
@@ -2624,6 +2526,9 @@
                 <a:spcPct val="100000"/>
               </a:lnSpc>
               <a:buNone/>
+              <a:tabLst>
+                <a:tab algn="l" pos="0"/>
+              </a:tabLst>
               <a:defRPr b="0" lang="en-US" sz="1200" strike="noStrike" u="none">
                 <a:solidFill>
                   <a:schemeClr val="dk1">
@@ -2642,6 +2547,9 @@
                 <a:spcPct val="100000"/>
               </a:lnSpc>
               <a:buNone/>
+              <a:tabLst>
+                <a:tab algn="l" pos="0"/>
+              </a:tabLst>
             </a:pPr>
             <a:r>
               <a:rPr b="0" lang="en-US" sz="1200" strike="noStrike" u="none">
@@ -2654,7 +2562,7 @@
                 <a:uFillTx/>
                 <a:latin typeface="Calibri"/>
               </a:rPr>
-              <a:t>&lt;date/time&gt;</a:t>
+              <a:t> </a:t>
             </a:r>
             <a:endParaRPr b="0" lang="en-US" sz="1200" strike="noStrike" u="none">
               <a:solidFill>
@@ -2669,7 +2577,7 @@
       </p:sp>
       <p:sp>
         <p:nvSpPr>
-          <p:cNvPr id="13" name="PlaceHolder 4"/>
+          <p:cNvPr id="13" name="PlaceHolder 5"/>
           <p:cNvSpPr>
             <a:spLocks noGrp="1"/>
           </p:cNvSpPr>
@@ -2680,7 +2588,7 @@
         <p:spPr>
           <a:xfrm>
             <a:off x="4038480" y="6356520"/>
-            <a:ext cx="4114440" cy="364680"/>
+            <a:ext cx="4114080" cy="364320"/>
           </a:xfrm>
           <a:prstGeom prst="rect">
             <a:avLst/>
@@ -2696,7 +2604,13 @@
           </a:bodyPr>
           <a:lstStyle>
             <a:lvl1pPr indent="0" algn="ctr">
+              <a:lnSpc>
+                <a:spcPct val="100000"/>
+              </a:lnSpc>
               <a:buNone/>
+              <a:tabLst>
+                <a:tab algn="l" pos="0"/>
+              </a:tabLst>
               <a:defRPr b="0" lang="en-US" sz="1400" strike="noStrike" u="none">
                 <a:solidFill>
                   <a:srgbClr val="000000"/>
@@ -2709,7 +2623,13 @@
           </a:lstStyle>
           <a:p>
             <a:pPr indent="0" algn="ctr">
+              <a:lnSpc>
+                <a:spcPct val="100000"/>
+              </a:lnSpc>
               <a:buNone/>
+              <a:tabLst>
+                <a:tab algn="l" pos="0"/>
+              </a:tabLst>
             </a:pPr>
             <a:r>
               <a:rPr b="0" lang="en-US" sz="1400" strike="noStrike" u="none">
@@ -2720,7 +2640,7 @@
                 <a:uFillTx/>
                 <a:latin typeface="Times New Roman"/>
               </a:rPr>
-              <a:t>&lt;footer&gt;</a:t>
+              <a:t> </a:t>
             </a:r>
             <a:endParaRPr b="0" lang="en-US" sz="1400" strike="noStrike" u="none">
               <a:solidFill>
@@ -2735,7 +2655,7 @@
       </p:sp>
       <p:sp>
         <p:nvSpPr>
-          <p:cNvPr id="14" name="PlaceHolder 5"/>
+          <p:cNvPr id="14" name="PlaceHolder 6"/>
           <p:cNvSpPr>
             <a:spLocks noGrp="1"/>
           </p:cNvSpPr>
@@ -2746,7 +2666,7 @@
         <p:spPr>
           <a:xfrm>
             <a:off x="8610480" y="6356520"/>
-            <a:ext cx="2742840" cy="364680"/>
+            <a:ext cx="2742480" cy="364320"/>
           </a:xfrm>
           <a:prstGeom prst="rect">
             <a:avLst/>
@@ -2766,6 +2686,9 @@
                 <a:spcPct val="100000"/>
               </a:lnSpc>
               <a:buNone/>
+              <a:tabLst>
+                <a:tab algn="l" pos="0"/>
+              </a:tabLst>
               <a:defRPr b="0" lang="en-US" sz="1200" strike="noStrike" u="none">
                 <a:solidFill>
                   <a:schemeClr val="dk1">
@@ -2784,8 +2707,11 @@
                 <a:spcPct val="100000"/>
               </a:lnSpc>
               <a:buNone/>
-            </a:pPr>
-            <a:fld id="{779D7722-FEE6-4885-AA89-B484EF5D7C01}" type="slidenum">
+              <a:tabLst>
+                <a:tab algn="l" pos="0"/>
+              </a:tabLst>
+            </a:pPr>
+            <a:fld id="{0E0641D4-4F4A-46C8-8330-708F650AF55B}" type="slidenum">
               <a:rPr b="0" lang="en-US" sz="1200" strike="noStrike" u="none">
                 <a:solidFill>
                   <a:schemeClr val="dk1">
@@ -2796,7 +2722,7 @@
                 <a:uFillTx/>
                 <a:latin typeface="Calibri"/>
               </a:rPr>
-              <a:t>&lt;number&gt;</a:t>
+              <a:t>18</a:t>
             </a:fld>
             <a:endParaRPr b="0" lang="en-US" sz="1200" strike="noStrike" u="none">
               <a:solidFill>
@@ -2815,8 +2741,8 @@
 </file>
 
 <file path=ppt/slideLayouts/slideLayout4.xml><?xml version="1.0" encoding="utf-8"?>
-<p:sldLayout xmlns:a="http://schemas.openxmlformats.org/drawingml/2006/main" xmlns:p="http://schemas.openxmlformats.org/presentationml/2006/main" xmlns:r="http://schemas.openxmlformats.org/officeDocument/2006/relationships" xmlns:p14="http://schemas.microsoft.com/office/powerpoint/2010/main" xmlns:p15="http://schemas.microsoft.com/office/powerpoint/2012/main" xmlns:mc="http://schemas.openxmlformats.org/markup-compatibility/2006" type="obj" preserve="1">
-  <p:cSld name="Title and Content">
+<p:sldLayout xmlns:a="http://schemas.openxmlformats.org/drawingml/2006/main" xmlns:p="http://schemas.openxmlformats.org/presentationml/2006/main" xmlns:r="http://schemas.openxmlformats.org/officeDocument/2006/relationships" xmlns:p14="http://schemas.microsoft.com/office/powerpoint/2010/main" xmlns:p15="http://schemas.microsoft.com/office/powerpoint/2012/main" xmlns:mc="http://schemas.openxmlformats.org/markup-compatibility/2006" type="title" preserve="1">
+  <p:cSld name="Title Slide">
     <p:bg>
       <p:bgPr>
         <a:solidFill>
@@ -2850,8 +2776,8 @@
         </p:nvSpPr>
         <p:spPr>
           <a:xfrm>
-            <a:off x="838080" y="365040"/>
-            <a:ext cx="10515240" cy="1325160"/>
+            <a:off x="1523880" y="1122480"/>
+            <a:ext cx="9143280" cy="2386800"/>
           </a:xfrm>
           <a:prstGeom prst="rect">
             <a:avLst/>
@@ -2862,18 +2788,21 @@
           </a:ln>
         </p:spPr>
         <p:txBody>
-          <a:bodyPr lIns="91440" rIns="91440" tIns="45720" bIns="45720" anchor="ctr">
+          <a:bodyPr lIns="91440" rIns="91440" tIns="45720" bIns="45720" anchor="b">
             <a:noAutofit/>
           </a:bodyPr>
           <a:p>
-            <a:pPr indent="0" defTabSz="914400">
+            <a:pPr indent="0" algn="ctr" defTabSz="914400">
               <a:lnSpc>
                 <a:spcPct val="90000"/>
               </a:lnSpc>
               <a:buNone/>
-            </a:pPr>
-            <a:r>
-              <a:rPr b="0" lang="en-US" sz="4400" strike="noStrike" u="none">
+              <a:tabLst>
+                <a:tab algn="l" pos="0"/>
+              </a:tabLst>
+            </a:pPr>
+            <a:r>
+              <a:rPr b="0" lang="en-US" sz="6000" strike="noStrike" u="none">
                 <a:solidFill>
                   <a:schemeClr val="dk1"/>
                 </a:solidFill>
@@ -2883,13 +2812,13 @@
               </a:rPr>
               <a:t>Click to edit Master title style</a:t>
             </a:r>
-            <a:endParaRPr b="0" lang="en-US" sz="4400" strike="noStrike" u="none">
-              <a:solidFill>
-                <a:schemeClr val="dk1"/>
-              </a:solidFill>
-              <a:effectLst/>
-              <a:uFillTx/>
-              <a:latin typeface="Calibri"/>
+            <a:endParaRPr b="0" lang="en-US" sz="6000" strike="noStrike" u="none">
+              <a:solidFill>
+                <a:srgbClr val="000000"/>
+              </a:solidFill>
+              <a:effectLst/>
+              <a:uFillTx/>
+              <a:latin typeface="Arial"/>
             </a:endParaRPr>
           </a:p>
         </p:txBody>
@@ -2901,13 +2830,13 @@
             <a:spLocks noGrp="1"/>
           </p:cNvSpPr>
           <p:nvPr>
-            <p:ph type="body"/>
+            <p:ph type="dt" idx="10"/>
           </p:nvPr>
         </p:nvSpPr>
         <p:spPr>
           <a:xfrm>
-            <a:off x="838080" y="1825560"/>
-            <a:ext cx="10515240" cy="4350960"/>
+            <a:off x="838080" y="6356520"/>
+            <a:ext cx="2742480" cy="364320"/>
           </a:xfrm>
           <a:prstGeom prst="rect">
             <a:avLst/>
@@ -2918,177 +2847,60 @@
           </a:ln>
         </p:spPr>
         <p:txBody>
-          <a:bodyPr lIns="91440" rIns="91440" tIns="45720" bIns="45720" anchor="t">
+          <a:bodyPr lIns="91440" rIns="91440" tIns="45720" bIns="45720" anchor="ctr">
             <a:noAutofit/>
           </a:bodyPr>
-          <a:p>
-            <a:pPr marL="228600" indent="-228600" defTabSz="914400">
-              <a:lnSpc>
-                <a:spcPct val="90000"/>
-              </a:lnSpc>
-              <a:spcBef>
-                <a:spcPts val="1001"/>
-              </a:spcBef>
-              <a:buClr>
-                <a:srgbClr val="000000"/>
-              </a:buClr>
-              <a:buFont typeface="Arial"/>
-              <a:buChar char="•"/>
-            </a:pPr>
-            <a:r>
-              <a:rPr b="0" lang="en-US" sz="2800" strike="noStrike" u="none">
-                <a:solidFill>
-                  <a:schemeClr val="dk1"/>
+          <a:lstStyle>
+            <a:lvl1pPr indent="0" defTabSz="914400">
+              <a:lnSpc>
+                <a:spcPct val="100000"/>
+              </a:lnSpc>
+              <a:buNone/>
+              <a:tabLst>
+                <a:tab algn="l" pos="0"/>
+              </a:tabLst>
+              <a:defRPr b="0" lang="en-US" sz="1200" strike="noStrike" u="none">
+                <a:solidFill>
+                  <a:schemeClr val="dk1">
+                    <a:tint val="75000"/>
+                  </a:schemeClr>
                 </a:solidFill>
                 <a:effectLst/>
                 <a:uFillTx/>
                 <a:latin typeface="Calibri"/>
-              </a:rPr>
-              <a:t>Click to edit Master text styles</a:t>
-            </a:r>
-            <a:endParaRPr b="0" lang="en-US" sz="2800" strike="noStrike" u="none">
-              <a:solidFill>
-                <a:schemeClr val="dk1"/>
-              </a:solidFill>
-              <a:effectLst/>
-              <a:uFillTx/>
-              <a:latin typeface="Calibri"/>
-            </a:endParaRPr>
-          </a:p>
-          <a:p>
-            <a:pPr lvl="1" marL="685800" indent="-228600" defTabSz="914400">
-              <a:lnSpc>
-                <a:spcPct val="90000"/>
-              </a:lnSpc>
-              <a:spcBef>
-                <a:spcPts val="499"/>
-              </a:spcBef>
-              <a:buClr>
-                <a:srgbClr val="000000"/>
-              </a:buClr>
-              <a:buFont typeface="Arial"/>
-              <a:buChar char="•"/>
-            </a:pPr>
-            <a:r>
-              <a:rPr b="0" lang="en-US" sz="2400" strike="noStrike" u="none">
-                <a:solidFill>
-                  <a:schemeClr val="dk1"/>
+              </a:defRPr>
+            </a:lvl1pPr>
+          </a:lstStyle>
+          <a:p>
+            <a:pPr indent="0" defTabSz="914400">
+              <a:lnSpc>
+                <a:spcPct val="100000"/>
+              </a:lnSpc>
+              <a:buNone/>
+              <a:tabLst>
+                <a:tab algn="l" pos="0"/>
+              </a:tabLst>
+            </a:pPr>
+            <a:r>
+              <a:rPr b="0" lang="en-US" sz="1200" strike="noStrike" u="none">
+                <a:solidFill>
+                  <a:schemeClr val="dk1">
+                    <a:tint val="75000"/>
+                  </a:schemeClr>
                 </a:solidFill>
                 <a:effectLst/>
                 <a:uFillTx/>
                 <a:latin typeface="Calibri"/>
               </a:rPr>
-              <a:t>Second level</a:t>
-            </a:r>
-            <a:endParaRPr b="0" lang="en-US" sz="2400" strike="noStrike" u="none">
-              <a:solidFill>
-                <a:schemeClr val="dk1"/>
-              </a:solidFill>
-              <a:effectLst/>
-              <a:uFillTx/>
-              <a:latin typeface="Calibri"/>
-            </a:endParaRPr>
-          </a:p>
-          <a:p>
-            <a:pPr lvl="2" marL="1143000" indent="-228600" defTabSz="914400">
-              <a:lnSpc>
-                <a:spcPct val="90000"/>
-              </a:lnSpc>
-              <a:spcBef>
-                <a:spcPts val="499"/>
-              </a:spcBef>
-              <a:buClr>
-                <a:srgbClr val="000000"/>
-              </a:buClr>
-              <a:buFont typeface="Arial"/>
-              <a:buChar char="•"/>
-            </a:pPr>
-            <a:r>
-              <a:rPr b="0" lang="en-US" sz="2000" strike="noStrike" u="none">
-                <a:solidFill>
-                  <a:schemeClr val="dk1"/>
-                </a:solidFill>
-                <a:effectLst/>
-                <a:uFillTx/>
-                <a:latin typeface="Calibri"/>
-              </a:rPr>
-              <a:t>Third level</a:t>
-            </a:r>
-            <a:endParaRPr b="0" lang="en-US" sz="2000" strike="noStrike" u="none">
-              <a:solidFill>
-                <a:schemeClr val="dk1"/>
-              </a:solidFill>
-              <a:effectLst/>
-              <a:uFillTx/>
-              <a:latin typeface="Calibri"/>
-            </a:endParaRPr>
-          </a:p>
-          <a:p>
-            <a:pPr lvl="3" marL="1600200" indent="-228600" defTabSz="914400">
-              <a:lnSpc>
-                <a:spcPct val="90000"/>
-              </a:lnSpc>
-              <a:spcBef>
-                <a:spcPts val="499"/>
-              </a:spcBef>
-              <a:buClr>
-                <a:srgbClr val="000000"/>
-              </a:buClr>
-              <a:buFont typeface="Arial"/>
-              <a:buChar char="•"/>
-            </a:pPr>
-            <a:r>
-              <a:rPr b="0" lang="en-US" sz="1800" strike="noStrike" u="none">
-                <a:solidFill>
-                  <a:schemeClr val="dk1"/>
-                </a:solidFill>
-                <a:effectLst/>
-                <a:uFillTx/>
-                <a:latin typeface="Calibri"/>
-              </a:rPr>
-              <a:t>Fourth level</a:t>
-            </a:r>
-            <a:endParaRPr b="0" lang="en-US" sz="1800" strike="noStrike" u="none">
-              <a:solidFill>
-                <a:schemeClr val="dk1"/>
-              </a:solidFill>
-              <a:effectLst/>
-              <a:uFillTx/>
-              <a:latin typeface="Calibri"/>
-            </a:endParaRPr>
-          </a:p>
-          <a:p>
-            <a:pPr lvl="4" marL="2057400" indent="-228600" defTabSz="914400">
-              <a:lnSpc>
-                <a:spcPct val="90000"/>
-              </a:lnSpc>
-              <a:spcBef>
-                <a:spcPts val="499"/>
-              </a:spcBef>
-              <a:buClr>
-                <a:srgbClr val="000000"/>
-              </a:buClr>
-              <a:buFont typeface="Arial"/>
-              <a:buChar char="•"/>
-            </a:pPr>
-            <a:r>
-              <a:rPr b="0" lang="en-US" sz="1800" strike="noStrike" u="none">
-                <a:solidFill>
-                  <a:schemeClr val="dk1"/>
-                </a:solidFill>
-                <a:effectLst/>
-                <a:uFillTx/>
-                <a:latin typeface="Calibri"/>
-              </a:rPr>
-              <a:t>Fifth level</a:t>
-            </a:r>
-            <a:endParaRPr b="0" lang="en-US" sz="1800" strike="noStrike" u="none">
-              <a:solidFill>
-                <a:schemeClr val="dk1"/>
-              </a:solidFill>
-              <a:effectLst/>
-              <a:uFillTx/>
-              <a:latin typeface="Calibri"/>
+              <a:t> </a:t>
+            </a:r>
+            <a:endParaRPr b="0" lang="en-US" sz="1200" strike="noStrike" u="none">
+              <a:solidFill>
+                <a:srgbClr val="000000"/>
+              </a:solidFill>
+              <a:effectLst/>
+              <a:uFillTx/>
+              <a:latin typeface="Times New Roman"/>
             </a:endParaRPr>
           </a:p>
         </p:txBody>
@@ -3100,13 +2912,13 @@
             <a:spLocks noGrp="1"/>
           </p:cNvSpPr>
           <p:nvPr>
-            <p:ph type="dt" idx="10"/>
+            <p:ph type="ftr" idx="11"/>
           </p:nvPr>
         </p:nvSpPr>
         <p:spPr>
           <a:xfrm>
-            <a:off x="838080" y="6356520"/>
-            <a:ext cx="2742840" cy="364680"/>
+            <a:off x="4038480" y="6356520"/>
+            <a:ext cx="4114080" cy="364320"/>
           </a:xfrm>
           <a:prstGeom prst="rect">
             <a:avLst/>
@@ -3121,44 +2933,46 @@
             <a:noAutofit/>
           </a:bodyPr>
           <a:lstStyle>
-            <a:lvl1pPr indent="0" defTabSz="914400">
+            <a:lvl1pPr indent="0" algn="ctr">
               <a:lnSpc>
                 <a:spcPct val="100000"/>
               </a:lnSpc>
               <a:buNone/>
-              <a:defRPr b="0" lang="en-US" sz="1200" strike="noStrike" u="none">
-                <a:solidFill>
-                  <a:schemeClr val="dk1">
-                    <a:tint val="75000"/>
-                  </a:schemeClr>
-                </a:solidFill>
-                <a:effectLst/>
-                <a:uFillTx/>
-                <a:latin typeface="Calibri"/>
+              <a:tabLst>
+                <a:tab algn="l" pos="0"/>
+              </a:tabLst>
+              <a:defRPr b="0" lang="en-US" sz="1400" strike="noStrike" u="none">
+                <a:solidFill>
+                  <a:srgbClr val="000000"/>
+                </a:solidFill>
+                <a:effectLst/>
+                <a:uFillTx/>
+                <a:latin typeface="Times New Roman"/>
               </a:defRPr>
             </a:lvl1pPr>
           </a:lstStyle>
           <a:p>
-            <a:pPr indent="0" defTabSz="914400">
+            <a:pPr indent="0" algn="ctr">
               <a:lnSpc>
                 <a:spcPct val="100000"/>
               </a:lnSpc>
               <a:buNone/>
-            </a:pPr>
-            <a:r>
-              <a:rPr b="0" lang="en-US" sz="1200" strike="noStrike" u="none">
-                <a:solidFill>
-                  <a:schemeClr val="dk1">
-                    <a:tint val="75000"/>
-                  </a:schemeClr>
-                </a:solidFill>
-                <a:effectLst/>
-                <a:uFillTx/>
-                <a:latin typeface="Calibri"/>
-              </a:rPr>
-              <a:t>&lt;date/time&gt;</a:t>
-            </a:r>
-            <a:endParaRPr b="0" lang="en-US" sz="1200" strike="noStrike" u="none">
+              <a:tabLst>
+                <a:tab algn="l" pos="0"/>
+              </a:tabLst>
+            </a:pPr>
+            <a:r>
+              <a:rPr b="0" lang="en-US" sz="1400" strike="noStrike" u="none">
+                <a:solidFill>
+                  <a:srgbClr val="000000"/>
+                </a:solidFill>
+                <a:effectLst/>
+                <a:uFillTx/>
+                <a:latin typeface="Times New Roman"/>
+              </a:rPr>
+              <a:t> </a:t>
+            </a:r>
+            <a:endParaRPr b="0" lang="en-US" sz="1400" strike="noStrike" u="none">
               <a:solidFill>
                 <a:srgbClr val="000000"/>
               </a:solidFill>
@@ -3176,13 +2990,13 @@
             <a:spLocks noGrp="1"/>
           </p:cNvSpPr>
           <p:nvPr>
-            <p:ph type="ftr" idx="11"/>
+            <p:ph type="sldNum" idx="12"/>
           </p:nvPr>
         </p:nvSpPr>
         <p:spPr>
           <a:xfrm>
-            <a:off x="4038480" y="6356520"/>
-            <a:ext cx="4114440" cy="364680"/>
+            <a:off x="8610480" y="6356520"/>
+            <a:ext cx="2742480" cy="364320"/>
           </a:xfrm>
           <a:prstGeom prst="rect">
             <a:avLst/>
@@ -3197,34 +3011,50 @@
             <a:noAutofit/>
           </a:bodyPr>
           <a:lstStyle>
-            <a:lvl1pPr indent="0" algn="ctr">
+            <a:lvl1pPr indent="0" algn="r" defTabSz="914400">
+              <a:lnSpc>
+                <a:spcPct val="100000"/>
+              </a:lnSpc>
               <a:buNone/>
-              <a:defRPr b="0" lang="en-US" sz="1400" strike="noStrike" u="none">
-                <a:solidFill>
-                  <a:srgbClr val="000000"/>
-                </a:solidFill>
-                <a:effectLst/>
-                <a:uFillTx/>
-                <a:latin typeface="Times New Roman"/>
+              <a:tabLst>
+                <a:tab algn="l" pos="0"/>
+              </a:tabLst>
+              <a:defRPr b="0" lang="en-US" sz="1200" strike="noStrike" u="none">
+                <a:solidFill>
+                  <a:schemeClr val="dk1">
+                    <a:tint val="75000"/>
+                  </a:schemeClr>
+                </a:solidFill>
+                <a:effectLst/>
+                <a:uFillTx/>
+                <a:latin typeface="Calibri"/>
               </a:defRPr>
             </a:lvl1pPr>
           </a:lstStyle>
           <a:p>
-            <a:pPr indent="0" algn="ctr">
+            <a:pPr indent="0" algn="r" defTabSz="914400">
+              <a:lnSpc>
+                <a:spcPct val="100000"/>
+              </a:lnSpc>
               <a:buNone/>
-            </a:pPr>
-            <a:r>
-              <a:rPr b="0" lang="en-US" sz="1400" strike="noStrike" u="none">
-                <a:solidFill>
-                  <a:srgbClr val="000000"/>
-                </a:solidFill>
-                <a:effectLst/>
-                <a:uFillTx/>
-                <a:latin typeface="Times New Roman"/>
-              </a:rPr>
-              <a:t>&lt;footer&gt;</a:t>
-            </a:r>
-            <a:endParaRPr b="0" lang="en-US" sz="1400" strike="noStrike" u="none">
+              <a:tabLst>
+                <a:tab algn="l" pos="0"/>
+              </a:tabLst>
+            </a:pPr>
+            <a:fld id="{A45471FB-3A7A-4A90-9B1D-F5F866581C74}" type="slidenum">
+              <a:rPr b="0" lang="en-US" sz="1200" strike="noStrike" u="none">
+                <a:solidFill>
+                  <a:schemeClr val="dk1">
+                    <a:tint val="75000"/>
+                  </a:schemeClr>
+                </a:solidFill>
+                <a:effectLst/>
+                <a:uFillTx/>
+                <a:latin typeface="Calibri"/>
+              </a:rPr>
+              <a:t>18</a:t>
+            </a:fld>
+            <a:endParaRPr b="0" lang="en-US" sz="1200" strike="noStrike" u="none">
               <a:solidFill>
                 <a:srgbClr val="000000"/>
               </a:solidFill>
@@ -3242,13 +3072,13 @@
             <a:spLocks noGrp="1"/>
           </p:cNvSpPr>
           <p:nvPr>
-            <p:ph type="sldNum" idx="12"/>
+            <p:ph type="body"/>
           </p:nvPr>
         </p:nvSpPr>
         <p:spPr>
           <a:xfrm>
-            <a:off x="8610480" y="6356520"/>
-            <a:ext cx="2742840" cy="364680"/>
+            <a:off x="609480" y="1604520"/>
+            <a:ext cx="10972080" cy="3976920"/>
           </a:xfrm>
           <a:prstGeom prst="rect">
             <a:avLst/>
@@ -3259,54 +3089,252 @@
           </a:ln>
         </p:spPr>
         <p:txBody>
-          <a:bodyPr lIns="91440" rIns="91440" tIns="45720" bIns="45720" anchor="ctr">
-            <a:noAutofit/>
+          <a:bodyPr lIns="0" rIns="0" tIns="0" bIns="0" anchor="t">
+            <a:normAutofit/>
           </a:bodyPr>
-          <a:lstStyle>
-            <a:lvl1pPr indent="0" algn="r" defTabSz="914400">
-              <a:lnSpc>
-                <a:spcPct val="100000"/>
-              </a:lnSpc>
-              <a:buNone/>
-              <a:defRPr b="0" lang="en-US" sz="1200" strike="noStrike" u="none">
-                <a:solidFill>
-                  <a:schemeClr val="dk1">
-                    <a:tint val="75000"/>
-                  </a:schemeClr>
+          <a:p>
+            <a:pPr marL="432000" indent="-324000">
+              <a:lnSpc>
+                <a:spcPct val="90000"/>
+              </a:lnSpc>
+              <a:spcBef>
+                <a:spcPts val="1417"/>
+              </a:spcBef>
+              <a:buClr>
+                <a:srgbClr val="000000"/>
+              </a:buClr>
+              <a:buSzPct val="45000"/>
+              <a:buFont typeface="Wingdings" charset="2"/>
+              <a:buChar char=""/>
+            </a:pPr>
+            <a:r>
+              <a:rPr b="0" lang="en-US" sz="2800" strike="noStrike" u="none">
+                <a:solidFill>
+                  <a:schemeClr val="dk1"/>
                 </a:solidFill>
                 <a:effectLst/>
                 <a:uFillTx/>
                 <a:latin typeface="Calibri"/>
-              </a:defRPr>
-            </a:lvl1pPr>
-          </a:lstStyle>
-          <a:p>
-            <a:pPr indent="0" algn="r" defTabSz="914400">
-              <a:lnSpc>
-                <a:spcPct val="100000"/>
-              </a:lnSpc>
-              <a:buNone/>
-            </a:pPr>
-            <a:fld id="{6B4FC462-B9C1-4109-B845-F912FDA274AF}" type="slidenum">
-              <a:rPr b="0" lang="en-US" sz="1200" strike="noStrike" u="none">
-                <a:solidFill>
-                  <a:schemeClr val="dk1">
-                    <a:tint val="75000"/>
-                  </a:schemeClr>
+              </a:rPr>
+              <a:t>Click to edit the outline text format</a:t>
+            </a:r>
+            <a:endParaRPr b="0" lang="en-US" sz="2800" strike="noStrike" u="none">
+              <a:solidFill>
+                <a:srgbClr val="000000"/>
+              </a:solidFill>
+              <a:effectLst/>
+              <a:uFillTx/>
+              <a:latin typeface="Arial"/>
+            </a:endParaRPr>
+          </a:p>
+          <a:p>
+            <a:pPr lvl="1" marL="864000" indent="-324000">
+              <a:lnSpc>
+                <a:spcPct val="90000"/>
+              </a:lnSpc>
+              <a:spcBef>
+                <a:spcPts val="1134"/>
+              </a:spcBef>
+              <a:buClr>
+                <a:srgbClr val="000000"/>
+              </a:buClr>
+              <a:buSzPct val="75000"/>
+              <a:buFont typeface="Symbol" charset="2"/>
+              <a:buChar char=""/>
+            </a:pPr>
+            <a:r>
+              <a:rPr b="0" lang="en-US" sz="2000" strike="noStrike" u="none">
+                <a:solidFill>
+                  <a:schemeClr val="dk1"/>
                 </a:solidFill>
                 <a:effectLst/>
                 <a:uFillTx/>
                 <a:latin typeface="Calibri"/>
               </a:rPr>
-              <a:t>&lt;number&gt;</a:t>
-            </a:fld>
-            <a:endParaRPr b="0" lang="en-US" sz="1200" strike="noStrike" u="none">
-              <a:solidFill>
-                <a:srgbClr val="000000"/>
-              </a:solidFill>
-              <a:effectLst/>
-              <a:uFillTx/>
-              <a:latin typeface="Times New Roman"/>
+              <a:t>Second Outline Level</a:t>
+            </a:r>
+            <a:endParaRPr b="0" lang="en-US" sz="2000" strike="noStrike" u="none">
+              <a:solidFill>
+                <a:srgbClr val="000000"/>
+              </a:solidFill>
+              <a:effectLst/>
+              <a:uFillTx/>
+              <a:latin typeface="Arial"/>
+            </a:endParaRPr>
+          </a:p>
+          <a:p>
+            <a:pPr lvl="2" marL="1296000" indent="-288000">
+              <a:lnSpc>
+                <a:spcPct val="90000"/>
+              </a:lnSpc>
+              <a:spcBef>
+                <a:spcPts val="850"/>
+              </a:spcBef>
+              <a:buClr>
+                <a:srgbClr val="000000"/>
+              </a:buClr>
+              <a:buSzPct val="45000"/>
+              <a:buFont typeface="Wingdings" charset="2"/>
+              <a:buChar char=""/>
+            </a:pPr>
+            <a:r>
+              <a:rPr b="0" lang="en-US" sz="1800" strike="noStrike" u="none">
+                <a:solidFill>
+                  <a:schemeClr val="dk1"/>
+                </a:solidFill>
+                <a:effectLst/>
+                <a:uFillTx/>
+                <a:latin typeface="Calibri"/>
+              </a:rPr>
+              <a:t>Third Outline Level</a:t>
+            </a:r>
+            <a:endParaRPr b="0" lang="en-US" sz="1800" strike="noStrike" u="none">
+              <a:solidFill>
+                <a:srgbClr val="000000"/>
+              </a:solidFill>
+              <a:effectLst/>
+              <a:uFillTx/>
+              <a:latin typeface="Arial"/>
+            </a:endParaRPr>
+          </a:p>
+          <a:p>
+            <a:pPr lvl="3" marL="1728000" indent="-216000">
+              <a:lnSpc>
+                <a:spcPct val="90000"/>
+              </a:lnSpc>
+              <a:spcBef>
+                <a:spcPts val="567"/>
+              </a:spcBef>
+              <a:buClr>
+                <a:srgbClr val="000000"/>
+              </a:buClr>
+              <a:buSzPct val="75000"/>
+              <a:buFont typeface="Symbol" charset="2"/>
+              <a:buChar char=""/>
+            </a:pPr>
+            <a:r>
+              <a:rPr b="0" lang="en-US" sz="1800" strike="noStrike" u="none">
+                <a:solidFill>
+                  <a:schemeClr val="dk1"/>
+                </a:solidFill>
+                <a:effectLst/>
+                <a:uFillTx/>
+                <a:latin typeface="Calibri"/>
+              </a:rPr>
+              <a:t>Fourth Outline Level</a:t>
+            </a:r>
+            <a:endParaRPr b="0" lang="en-US" sz="1800" strike="noStrike" u="none">
+              <a:solidFill>
+                <a:srgbClr val="000000"/>
+              </a:solidFill>
+              <a:effectLst/>
+              <a:uFillTx/>
+              <a:latin typeface="Arial"/>
+            </a:endParaRPr>
+          </a:p>
+          <a:p>
+            <a:pPr lvl="4" marL="2160000" indent="-216000">
+              <a:lnSpc>
+                <a:spcPct val="90000"/>
+              </a:lnSpc>
+              <a:spcBef>
+                <a:spcPts val="283"/>
+              </a:spcBef>
+              <a:buClr>
+                <a:srgbClr val="000000"/>
+              </a:buClr>
+              <a:buSzPct val="45000"/>
+              <a:buFont typeface="Wingdings" charset="2"/>
+              <a:buChar char=""/>
+            </a:pPr>
+            <a:r>
+              <a:rPr b="0" lang="en-US" sz="2000" strike="noStrike" u="none">
+                <a:solidFill>
+                  <a:schemeClr val="dk1"/>
+                </a:solidFill>
+                <a:effectLst/>
+                <a:uFillTx/>
+                <a:latin typeface="Calibri"/>
+              </a:rPr>
+              <a:t>Fifth Outline Level</a:t>
+            </a:r>
+            <a:endParaRPr b="0" lang="en-US" sz="2000" strike="noStrike" u="none">
+              <a:solidFill>
+                <a:srgbClr val="000000"/>
+              </a:solidFill>
+              <a:effectLst/>
+              <a:uFillTx/>
+              <a:latin typeface="Arial"/>
+            </a:endParaRPr>
+          </a:p>
+          <a:p>
+            <a:pPr lvl="5" marL="2592000" indent="-216000">
+              <a:lnSpc>
+                <a:spcPct val="90000"/>
+              </a:lnSpc>
+              <a:spcBef>
+                <a:spcPts val="283"/>
+              </a:spcBef>
+              <a:buClr>
+                <a:srgbClr val="000000"/>
+              </a:buClr>
+              <a:buSzPct val="45000"/>
+              <a:buFont typeface="Wingdings" charset="2"/>
+              <a:buChar char=""/>
+            </a:pPr>
+            <a:r>
+              <a:rPr b="0" lang="en-US" sz="2000" strike="noStrike" u="none">
+                <a:solidFill>
+                  <a:schemeClr val="dk1"/>
+                </a:solidFill>
+                <a:effectLst/>
+                <a:uFillTx/>
+                <a:latin typeface="Calibri"/>
+              </a:rPr>
+              <a:t>Sixth Outline Level</a:t>
+            </a:r>
+            <a:endParaRPr b="0" lang="en-US" sz="2000" strike="noStrike" u="none">
+              <a:solidFill>
+                <a:srgbClr val="000000"/>
+              </a:solidFill>
+              <a:effectLst/>
+              <a:uFillTx/>
+              <a:latin typeface="Arial"/>
+            </a:endParaRPr>
+          </a:p>
+          <a:p>
+            <a:pPr lvl="6" marL="3024000" indent="-216000">
+              <a:lnSpc>
+                <a:spcPct val="90000"/>
+              </a:lnSpc>
+              <a:spcBef>
+                <a:spcPts val="283"/>
+              </a:spcBef>
+              <a:buClr>
+                <a:srgbClr val="000000"/>
+              </a:buClr>
+              <a:buSzPct val="45000"/>
+              <a:buFont typeface="Wingdings" charset="2"/>
+              <a:buChar char=""/>
+            </a:pPr>
+            <a:r>
+              <a:rPr b="0" lang="en-US" sz="2000" strike="noStrike" u="none">
+                <a:solidFill>
+                  <a:schemeClr val="dk1"/>
+                </a:solidFill>
+                <a:effectLst/>
+                <a:uFillTx/>
+                <a:latin typeface="Calibri"/>
+              </a:rPr>
+              <a:t>Seventh Outline Level</a:t>
+            </a:r>
+            <a:endParaRPr b="0" lang="en-US" sz="2000" strike="noStrike" u="none">
+              <a:solidFill>
+                <a:srgbClr val="000000"/>
+              </a:solidFill>
+              <a:effectLst/>
+              <a:uFillTx/>
+              <a:latin typeface="Arial"/>
             </a:endParaRPr>
           </a:p>
         </p:txBody>
@@ -3317,8 +3345,8 @@
 </file>
 
 <file path=ppt/slideLayouts/slideLayout5.xml><?xml version="1.0" encoding="utf-8"?>
-<p:sldLayout xmlns:a="http://schemas.openxmlformats.org/drawingml/2006/main" xmlns:p="http://schemas.openxmlformats.org/presentationml/2006/main" xmlns:r="http://schemas.openxmlformats.org/officeDocument/2006/relationships" xmlns:p14="http://schemas.microsoft.com/office/powerpoint/2010/main" xmlns:p15="http://schemas.microsoft.com/office/powerpoint/2012/main" xmlns:mc="http://schemas.openxmlformats.org/markup-compatibility/2006" type="blank" preserve="1">
-  <p:cSld name="Section Header">
+<p:sldLayout xmlns:a="http://schemas.openxmlformats.org/drawingml/2006/main" xmlns:p="http://schemas.openxmlformats.org/presentationml/2006/main" xmlns:r="http://schemas.openxmlformats.org/officeDocument/2006/relationships" xmlns:p14="http://schemas.microsoft.com/office/powerpoint/2010/main" xmlns:p15="http://schemas.microsoft.com/office/powerpoint/2012/main" xmlns:mc="http://schemas.openxmlformats.org/markup-compatibility/2006" type="vertTx" preserve="1">
+  <p:cSld name="Title and Vertical Text">
     <p:bg>
       <p:bgPr>
         <a:solidFill>
@@ -3352,8 +3380,8 @@
         </p:nvSpPr>
         <p:spPr>
           <a:xfrm>
-            <a:off x="831960" y="1709640"/>
-            <a:ext cx="10515240" cy="2852280"/>
+            <a:off x="838080" y="365040"/>
+            <a:ext cx="10514880" cy="1324800"/>
           </a:xfrm>
           <a:prstGeom prst="rect">
             <a:avLst/>
@@ -3364,7 +3392,7 @@
           </a:ln>
         </p:spPr>
         <p:txBody>
-          <a:bodyPr lIns="91440" rIns="91440" tIns="45720" bIns="45720" anchor="b">
+          <a:bodyPr lIns="91440" rIns="91440" tIns="45720" bIns="45720" anchor="ctr">
             <a:noAutofit/>
           </a:bodyPr>
           <a:p>
@@ -3373,9 +3401,12 @@
                 <a:spcPct val="90000"/>
               </a:lnSpc>
               <a:buNone/>
-            </a:pPr>
-            <a:r>
-              <a:rPr b="0" lang="en-US" sz="6000" strike="noStrike" u="none">
+              <a:tabLst>
+                <a:tab algn="l" pos="0"/>
+              </a:tabLst>
+            </a:pPr>
+            <a:r>
+              <a:rPr b="0" lang="en-US" sz="4400" strike="noStrike" u="none">
                 <a:solidFill>
                   <a:schemeClr val="dk1"/>
                 </a:solidFill>
@@ -3385,13 +3416,13 @@
               </a:rPr>
               <a:t>Click to edit Master title style</a:t>
             </a:r>
-            <a:endParaRPr b="0" lang="en-US" sz="6000" strike="noStrike" u="none">
-              <a:solidFill>
-                <a:schemeClr val="dk1"/>
-              </a:solidFill>
-              <a:effectLst/>
-              <a:uFillTx/>
-              <a:latin typeface="Calibri"/>
+            <a:endParaRPr b="0" lang="en-US" sz="4400" strike="noStrike" u="none">
+              <a:solidFill>
+                <a:srgbClr val="000000"/>
+              </a:solidFill>
+              <a:effectLst/>
+              <a:uFillTx/>
+              <a:latin typeface="Arial"/>
             </a:endParaRPr>
           </a:p>
         </p:txBody>
@@ -3408,8 +3439,8 @@
         </p:nvSpPr>
         <p:spPr>
           <a:xfrm>
-            <a:off x="831960" y="4589640"/>
-            <a:ext cx="10515240" cy="1499760"/>
+            <a:off x="838080" y="1825560"/>
+            <a:ext cx="10514880" cy="4350600"/>
           </a:xfrm>
           <a:prstGeom prst="rect">
             <a:avLst/>
@@ -3420,42 +3451,177 @@
           </a:ln>
         </p:spPr>
         <p:txBody>
-          <a:bodyPr lIns="91440" rIns="91440" tIns="45720" bIns="45720" anchor="t">
+          <a:bodyPr lIns="91440" rIns="91440" tIns="45720" bIns="45720" anchor="t" vert="eaVert">
             <a:noAutofit/>
           </a:bodyPr>
           <a:p>
-            <a:pPr indent="0" defTabSz="914400">
+            <a:pPr marL="228600" indent="-228600" defTabSz="914400">
               <a:lnSpc>
                 <a:spcPct val="90000"/>
               </a:lnSpc>
               <a:spcBef>
                 <a:spcPts val="1001"/>
               </a:spcBef>
-              <a:buNone/>
-              <a:tabLst>
-                <a:tab algn="l" pos="0"/>
-              </a:tabLst>
+              <a:buClr>
+                <a:srgbClr val="000000"/>
+              </a:buClr>
+              <a:buFont typeface="Arial"/>
+              <a:buChar char="•"/>
+            </a:pPr>
+            <a:r>
+              <a:rPr b="0" lang="en-US" sz="2800" strike="noStrike" u="none">
+                <a:solidFill>
+                  <a:schemeClr val="dk1"/>
+                </a:solidFill>
+                <a:effectLst/>
+                <a:uFillTx/>
+                <a:latin typeface="Calibri"/>
+              </a:rPr>
+              <a:t>Click to edit Master text styles</a:t>
+            </a:r>
+            <a:endParaRPr b="0" lang="en-US" sz="2800" strike="noStrike" u="none">
+              <a:solidFill>
+                <a:srgbClr val="000000"/>
+              </a:solidFill>
+              <a:effectLst/>
+              <a:uFillTx/>
+              <a:latin typeface="Arial"/>
+            </a:endParaRPr>
+          </a:p>
+          <a:p>
+            <a:pPr lvl="1" marL="685800" indent="-228600" defTabSz="914400">
+              <a:lnSpc>
+                <a:spcPct val="90000"/>
+              </a:lnSpc>
+              <a:spcBef>
+                <a:spcPts val="499"/>
+              </a:spcBef>
+              <a:buClr>
+                <a:srgbClr val="000000"/>
+              </a:buClr>
+              <a:buFont typeface="Arial"/>
+              <a:buChar char="•"/>
             </a:pPr>
             <a:r>
               <a:rPr b="0" lang="en-US" sz="2400" strike="noStrike" u="none">
                 <a:solidFill>
-                  <a:schemeClr val="dk1">
-                    <a:tint val="75000"/>
-                  </a:schemeClr>
+                  <a:schemeClr val="dk1"/>
                 </a:solidFill>
                 <a:effectLst/>
                 <a:uFillTx/>
                 <a:latin typeface="Calibri"/>
               </a:rPr>
-              <a:t>Click to edit Master text styles</a:t>
+              <a:t>Second level</a:t>
             </a:r>
             <a:endParaRPr b="0" lang="en-US" sz="2400" strike="noStrike" u="none">
               <a:solidFill>
-                <a:schemeClr val="dk1"/>
-              </a:solidFill>
-              <a:effectLst/>
-              <a:uFillTx/>
-              <a:latin typeface="Calibri"/>
+                <a:srgbClr val="000000"/>
+              </a:solidFill>
+              <a:effectLst/>
+              <a:uFillTx/>
+              <a:latin typeface="Arial"/>
+            </a:endParaRPr>
+          </a:p>
+          <a:p>
+            <a:pPr lvl="2" marL="1143000" indent="-228600" defTabSz="914400">
+              <a:lnSpc>
+                <a:spcPct val="90000"/>
+              </a:lnSpc>
+              <a:spcBef>
+                <a:spcPts val="499"/>
+              </a:spcBef>
+              <a:buClr>
+                <a:srgbClr val="000000"/>
+              </a:buClr>
+              <a:buFont typeface="Arial"/>
+              <a:buChar char="•"/>
+            </a:pPr>
+            <a:r>
+              <a:rPr b="0" lang="en-US" sz="2000" strike="noStrike" u="none">
+                <a:solidFill>
+                  <a:schemeClr val="dk1"/>
+                </a:solidFill>
+                <a:effectLst/>
+                <a:uFillTx/>
+                <a:latin typeface="Calibri"/>
+              </a:rPr>
+              <a:t>Third level</a:t>
+            </a:r>
+            <a:endParaRPr b="0" lang="en-US" sz="2000" strike="noStrike" u="none">
+              <a:solidFill>
+                <a:srgbClr val="000000"/>
+              </a:solidFill>
+              <a:effectLst/>
+              <a:uFillTx/>
+              <a:latin typeface="Arial"/>
+            </a:endParaRPr>
+          </a:p>
+          <a:p>
+            <a:pPr lvl="3" marL="1600200" indent="-228600" defTabSz="914400">
+              <a:lnSpc>
+                <a:spcPct val="90000"/>
+              </a:lnSpc>
+              <a:spcBef>
+                <a:spcPts val="499"/>
+              </a:spcBef>
+              <a:buClr>
+                <a:srgbClr val="000000"/>
+              </a:buClr>
+              <a:buFont typeface="Arial"/>
+              <a:buChar char="•"/>
+            </a:pPr>
+            <a:r>
+              <a:rPr b="0" lang="en-US" sz="1800" strike="noStrike" u="none">
+                <a:solidFill>
+                  <a:schemeClr val="dk1"/>
+                </a:solidFill>
+                <a:effectLst/>
+                <a:uFillTx/>
+                <a:latin typeface="Calibri"/>
+              </a:rPr>
+              <a:t>Fourth level</a:t>
+            </a:r>
+            <a:endParaRPr b="0" lang="en-US" sz="1800" strike="noStrike" u="none">
+              <a:solidFill>
+                <a:srgbClr val="000000"/>
+              </a:solidFill>
+              <a:effectLst/>
+              <a:uFillTx/>
+              <a:latin typeface="Arial"/>
+            </a:endParaRPr>
+          </a:p>
+          <a:p>
+            <a:pPr lvl="4" marL="2057400" indent="-228600" defTabSz="914400">
+              <a:lnSpc>
+                <a:spcPct val="90000"/>
+              </a:lnSpc>
+              <a:spcBef>
+                <a:spcPts val="499"/>
+              </a:spcBef>
+              <a:buClr>
+                <a:srgbClr val="000000"/>
+              </a:buClr>
+              <a:buFont typeface="Arial"/>
+              <a:buChar char="•"/>
+            </a:pPr>
+            <a:r>
+              <a:rPr b="0" lang="en-US" sz="1800" strike="noStrike" u="none">
+                <a:solidFill>
+                  <a:schemeClr val="dk1"/>
+                </a:solidFill>
+                <a:effectLst/>
+                <a:uFillTx/>
+                <a:latin typeface="Calibri"/>
+              </a:rPr>
+              <a:t>Fifth level</a:t>
+            </a:r>
+            <a:endParaRPr b="0" lang="en-US" sz="1800" strike="noStrike" u="none">
+              <a:solidFill>
+                <a:srgbClr val="000000"/>
+              </a:solidFill>
+              <a:effectLst/>
+              <a:uFillTx/>
+              <a:latin typeface="Arial"/>
             </a:endParaRPr>
           </a:p>
         </p:txBody>
@@ -3473,7 +3639,7 @@
         <p:spPr>
           <a:xfrm>
             <a:off x="838080" y="6356520"/>
-            <a:ext cx="2742840" cy="364680"/>
+            <a:ext cx="2742480" cy="364320"/>
           </a:xfrm>
           <a:prstGeom prst="rect">
             <a:avLst/>
@@ -3493,6 +3659,9 @@
                 <a:spcPct val="100000"/>
               </a:lnSpc>
               <a:buNone/>
+              <a:tabLst>
+                <a:tab algn="l" pos="0"/>
+              </a:tabLst>
               <a:defRPr b="0" lang="en-US" sz="1200" strike="noStrike" u="none">
                 <a:solidFill>
                   <a:schemeClr val="dk1">
@@ -3511,6 +3680,9 @@
                 <a:spcPct val="100000"/>
               </a:lnSpc>
               <a:buNone/>
+              <a:tabLst>
+                <a:tab algn="l" pos="0"/>
+              </a:tabLst>
             </a:pPr>
             <a:r>
               <a:rPr b="0" lang="en-US" sz="1200" strike="noStrike" u="none">
@@ -3549,7 +3721,7 @@
         <p:spPr>
           <a:xfrm>
             <a:off x="4038480" y="6356520"/>
-            <a:ext cx="4114440" cy="364680"/>
+            <a:ext cx="4114080" cy="364320"/>
           </a:xfrm>
           <a:prstGeom prst="rect">
             <a:avLst/>
@@ -3565,7 +3737,13 @@
           </a:bodyPr>
           <a:lstStyle>
             <a:lvl1pPr indent="0" algn="ctr">
+              <a:lnSpc>
+                <a:spcPct val="100000"/>
+              </a:lnSpc>
               <a:buNone/>
+              <a:tabLst>
+                <a:tab algn="l" pos="0"/>
+              </a:tabLst>
               <a:defRPr b="0" lang="en-US" sz="1400" strike="noStrike" u="none">
                 <a:solidFill>
                   <a:srgbClr val="000000"/>
@@ -3578,7 +3756,13 @@
           </a:lstStyle>
           <a:p>
             <a:pPr indent="0" algn="ctr">
+              <a:lnSpc>
+                <a:spcPct val="100000"/>
+              </a:lnSpc>
               <a:buNone/>
+              <a:tabLst>
+                <a:tab algn="l" pos="0"/>
+              </a:tabLst>
             </a:pPr>
             <a:r>
               <a:rPr b="0" lang="en-US" sz="1400" strike="noStrike" u="none">
@@ -3615,7 +3799,7 @@
         <p:spPr>
           <a:xfrm>
             <a:off x="8610480" y="6356520"/>
-            <a:ext cx="2742840" cy="364680"/>
+            <a:ext cx="2742480" cy="364320"/>
           </a:xfrm>
           <a:prstGeom prst="rect">
             <a:avLst/>
@@ -3635,6 +3819,9 @@
                 <a:spcPct val="100000"/>
               </a:lnSpc>
               <a:buNone/>
+              <a:tabLst>
+                <a:tab algn="l" pos="0"/>
+              </a:tabLst>
               <a:defRPr b="0" lang="en-US" sz="1200" strike="noStrike" u="none">
                 <a:solidFill>
                   <a:schemeClr val="dk1">
@@ -3653,8 +3840,11 @@
                 <a:spcPct val="100000"/>
               </a:lnSpc>
               <a:buNone/>
-            </a:pPr>
-            <a:fld id="{3CE2C693-73D0-4F18-A8A3-D7DF239E9734}" type="slidenum">
+              <a:tabLst>
+                <a:tab algn="l" pos="0"/>
+              </a:tabLst>
+            </a:pPr>
+            <a:fld id="{D820D48B-6D5F-440B-B1CD-965B826FB8A9}" type="slidenum">
               <a:rPr b="0" lang="en-US" sz="1200" strike="noStrike" u="none">
                 <a:solidFill>
                   <a:schemeClr val="dk1">
@@ -3684,8 +3874,8 @@
 </file>
 
 <file path=ppt/slideLayouts/slideLayout6.xml><?xml version="1.0" encoding="utf-8"?>
-<p:sldLayout xmlns:a="http://schemas.openxmlformats.org/drawingml/2006/main" xmlns:p="http://schemas.openxmlformats.org/presentationml/2006/main" xmlns:r="http://schemas.openxmlformats.org/officeDocument/2006/relationships" xmlns:p14="http://schemas.microsoft.com/office/powerpoint/2010/main" xmlns:p15="http://schemas.microsoft.com/office/powerpoint/2012/main" xmlns:mc="http://schemas.openxmlformats.org/markup-compatibility/2006" type="twoObj" preserve="1">
-  <p:cSld name="Two Content">
+<p:sldLayout xmlns:a="http://schemas.openxmlformats.org/drawingml/2006/main" xmlns:p="http://schemas.openxmlformats.org/presentationml/2006/main" xmlns:r="http://schemas.openxmlformats.org/officeDocument/2006/relationships" xmlns:p14="http://schemas.microsoft.com/office/powerpoint/2010/main" xmlns:p15="http://schemas.microsoft.com/office/powerpoint/2012/main" xmlns:mc="http://schemas.openxmlformats.org/markup-compatibility/2006" type="vertTitleAndTx" preserve="1">
+  <p:cSld name="Vertical Title and Text">
     <p:bg>
       <p:bgPr>
         <a:solidFill>
@@ -3719,8 +3909,8 @@
         </p:nvSpPr>
         <p:spPr>
           <a:xfrm>
-            <a:off x="838080" y="365040"/>
-            <a:ext cx="10515240" cy="1325160"/>
+            <a:off x="8724960" y="365040"/>
+            <a:ext cx="2628360" cy="5811120"/>
           </a:xfrm>
           <a:prstGeom prst="rect">
             <a:avLst/>
@@ -3731,7 +3921,7 @@
           </a:ln>
         </p:spPr>
         <p:txBody>
-          <a:bodyPr lIns="91440" rIns="91440" tIns="45720" bIns="45720" anchor="ctr">
+          <a:bodyPr lIns="91440" rIns="91440" tIns="45720" bIns="45720" anchor="ctr" vert="eaVert">
             <a:noAutofit/>
           </a:bodyPr>
           <a:p>
@@ -3740,6 +3930,9 @@
                 <a:spcPct val="90000"/>
               </a:lnSpc>
               <a:buNone/>
+              <a:tabLst>
+                <a:tab algn="l" pos="0"/>
+              </a:tabLst>
             </a:pPr>
             <a:r>
               <a:rPr b="0" lang="en-US" sz="4400" strike="noStrike" u="none">
@@ -3754,11 +3947,11 @@
             </a:r>
             <a:endParaRPr b="0" lang="en-US" sz="4400" strike="noStrike" u="none">
               <a:solidFill>
-                <a:schemeClr val="dk1"/>
-              </a:solidFill>
-              <a:effectLst/>
-              <a:uFillTx/>
-              <a:latin typeface="Calibri"/>
+                <a:srgbClr val="000000"/>
+              </a:solidFill>
+              <a:effectLst/>
+              <a:uFillTx/>
+              <a:latin typeface="Arial"/>
             </a:endParaRPr>
           </a:p>
         </p:txBody>
@@ -3775,8 +3968,8 @@
         </p:nvSpPr>
         <p:spPr>
           <a:xfrm>
-            <a:off x="838080" y="1825560"/>
-            <a:ext cx="5181120" cy="4350960"/>
+            <a:off x="838080" y="365040"/>
+            <a:ext cx="7733520" cy="5811120"/>
           </a:xfrm>
           <a:prstGeom prst="rect">
             <a:avLst/>
@@ -3787,7 +3980,7 @@
           </a:ln>
         </p:spPr>
         <p:txBody>
-          <a:bodyPr lIns="91440" rIns="91440" tIns="45720" bIns="45720" anchor="t">
+          <a:bodyPr lIns="91440" rIns="91440" tIns="45720" bIns="45720" anchor="t" vert="eaVert">
             <a:noAutofit/>
           </a:bodyPr>
           <a:p>
@@ -3817,11 +4010,11 @@
             </a:r>
             <a:endParaRPr b="0" lang="en-US" sz="2800" strike="noStrike" u="none">
               <a:solidFill>
-                <a:schemeClr val="dk1"/>
-              </a:solidFill>
-              <a:effectLst/>
-              <a:uFillTx/>
-              <a:latin typeface="Calibri"/>
+                <a:srgbClr val="000000"/>
+              </a:solidFill>
+              <a:effectLst/>
+              <a:uFillTx/>
+              <a:latin typeface="Arial"/>
             </a:endParaRPr>
           </a:p>
           <a:p>
@@ -3851,11 +4044,11 @@
             </a:r>
             <a:endParaRPr b="0" lang="en-US" sz="2400" strike="noStrike" u="none">
               <a:solidFill>
-                <a:schemeClr val="dk1"/>
-              </a:solidFill>
-              <a:effectLst/>
-              <a:uFillTx/>
-              <a:latin typeface="Calibri"/>
+                <a:srgbClr val="000000"/>
+              </a:solidFill>
+              <a:effectLst/>
+              <a:uFillTx/>
+              <a:latin typeface="Arial"/>
             </a:endParaRPr>
           </a:p>
           <a:p>
@@ -3885,11 +4078,11 @@
             </a:r>
             <a:endParaRPr b="0" lang="en-US" sz="2000" strike="noStrike" u="none">
               <a:solidFill>
-                <a:schemeClr val="dk1"/>
-              </a:solidFill>
-              <a:effectLst/>
-              <a:uFillTx/>
-              <a:latin typeface="Calibri"/>
+                <a:srgbClr val="000000"/>
+              </a:solidFill>
+              <a:effectLst/>
+              <a:uFillTx/>
+              <a:latin typeface="Arial"/>
             </a:endParaRPr>
           </a:p>
           <a:p>
@@ -3919,11 +4112,11 @@
             </a:r>
             <a:endParaRPr b="0" lang="en-US" sz="1800" strike="noStrike" u="none">
               <a:solidFill>
-                <a:schemeClr val="dk1"/>
-              </a:solidFill>
-              <a:effectLst/>
-              <a:uFillTx/>
-              <a:latin typeface="Calibri"/>
+                <a:srgbClr val="000000"/>
+              </a:solidFill>
+              <a:effectLst/>
+              <a:uFillTx/>
+              <a:latin typeface="Arial"/>
             </a:endParaRPr>
           </a:p>
           <a:p>
@@ -3953,11 +4146,11 @@
             </a:r>
             <a:endParaRPr b="0" lang="en-US" sz="1800" strike="noStrike" u="none">
               <a:solidFill>
-                <a:schemeClr val="dk1"/>
-              </a:solidFill>
-              <a:effectLst/>
-              <a:uFillTx/>
-              <a:latin typeface="Calibri"/>
+                <a:srgbClr val="000000"/>
+              </a:solidFill>
+              <a:effectLst/>
+              <a:uFillTx/>
+              <a:latin typeface="Arial"/>
             </a:endParaRPr>
           </a:p>
         </p:txBody>
@@ -3969,13 +4162,13 @@
             <a:spLocks noGrp="1"/>
           </p:cNvSpPr>
           <p:nvPr>
-            <p:ph type="body"/>
+            <p:ph type="dt" idx="16"/>
           </p:nvPr>
         </p:nvSpPr>
         <p:spPr>
           <a:xfrm>
-            <a:off x="6172200" y="1825560"/>
-            <a:ext cx="5181120" cy="4350960"/>
+            <a:off x="838080" y="6356520"/>
+            <a:ext cx="2742480" cy="364320"/>
           </a:xfrm>
           <a:prstGeom prst="rect">
             <a:avLst/>
@@ -3986,177 +4179,60 @@
           </a:ln>
         </p:spPr>
         <p:txBody>
-          <a:bodyPr lIns="91440" rIns="91440" tIns="45720" bIns="45720" anchor="t">
+          <a:bodyPr lIns="91440" rIns="91440" tIns="45720" bIns="45720" anchor="ctr">
             <a:noAutofit/>
           </a:bodyPr>
-          <a:p>
-            <a:pPr marL="228600" indent="-228600" defTabSz="914400">
-              <a:lnSpc>
-                <a:spcPct val="90000"/>
-              </a:lnSpc>
-              <a:spcBef>
-                <a:spcPts val="1001"/>
-              </a:spcBef>
-              <a:buClr>
-                <a:srgbClr val="000000"/>
-              </a:buClr>
-              <a:buFont typeface="Arial"/>
-              <a:buChar char="•"/>
-            </a:pPr>
-            <a:r>
-              <a:rPr b="0" lang="en-US" sz="2800" strike="noStrike" u="none">
-                <a:solidFill>
-                  <a:schemeClr val="dk1"/>
+          <a:lstStyle>
+            <a:lvl1pPr indent="0" defTabSz="914400">
+              <a:lnSpc>
+                <a:spcPct val="100000"/>
+              </a:lnSpc>
+              <a:buNone/>
+              <a:tabLst>
+                <a:tab algn="l" pos="0"/>
+              </a:tabLst>
+              <a:defRPr b="0" lang="en-US" sz="1200" strike="noStrike" u="none">
+                <a:solidFill>
+                  <a:schemeClr val="dk1">
+                    <a:tint val="75000"/>
+                  </a:schemeClr>
                 </a:solidFill>
                 <a:effectLst/>
                 <a:uFillTx/>
                 <a:latin typeface="Calibri"/>
-              </a:rPr>
-              <a:t>Click to edit Master text styles</a:t>
-            </a:r>
-            <a:endParaRPr b="0" lang="en-US" sz="2800" strike="noStrike" u="none">
-              <a:solidFill>
-                <a:schemeClr val="dk1"/>
-              </a:solidFill>
-              <a:effectLst/>
-              <a:uFillTx/>
-              <a:latin typeface="Calibri"/>
-            </a:endParaRPr>
-          </a:p>
-          <a:p>
-            <a:pPr lvl="1" marL="685800" indent="-228600" defTabSz="914400">
-              <a:lnSpc>
-                <a:spcPct val="90000"/>
-              </a:lnSpc>
-              <a:spcBef>
-                <a:spcPts val="499"/>
-              </a:spcBef>
-              <a:buClr>
-                <a:srgbClr val="000000"/>
-              </a:buClr>
-              <a:buFont typeface="Arial"/>
-              <a:buChar char="•"/>
-            </a:pPr>
-            <a:r>
-              <a:rPr b="0" lang="en-US" sz="2400" strike="noStrike" u="none">
-                <a:solidFill>
-                  <a:schemeClr val="dk1"/>
+              </a:defRPr>
+            </a:lvl1pPr>
+          </a:lstStyle>
+          <a:p>
+            <a:pPr indent="0" defTabSz="914400">
+              <a:lnSpc>
+                <a:spcPct val="100000"/>
+              </a:lnSpc>
+              <a:buNone/>
+              <a:tabLst>
+                <a:tab algn="l" pos="0"/>
+              </a:tabLst>
+            </a:pPr>
+            <a:r>
+              <a:rPr b="0" lang="en-US" sz="1200" strike="noStrike" u="none">
+                <a:solidFill>
+                  <a:schemeClr val="dk1">
+                    <a:tint val="75000"/>
+                  </a:schemeClr>
                 </a:solidFill>
                 <a:effectLst/>
                 <a:uFillTx/>
                 <a:latin typeface="Calibri"/>
               </a:rPr>
-              <a:t>Second level</a:t>
-            </a:r>
-            <a:endParaRPr b="0" lang="en-US" sz="2400" strike="noStrike" u="none">
-              <a:solidFill>
-                <a:schemeClr val="dk1"/>
-              </a:solidFill>
-              <a:effectLst/>
-              <a:uFillTx/>
-              <a:latin typeface="Calibri"/>
-            </a:endParaRPr>
-          </a:p>
-          <a:p>
-            <a:pPr lvl="2" marL="1143000" indent="-228600" defTabSz="914400">
-              <a:lnSpc>
-                <a:spcPct val="90000"/>
-              </a:lnSpc>
-              <a:spcBef>
-                <a:spcPts val="499"/>
-              </a:spcBef>
-              <a:buClr>
-                <a:srgbClr val="000000"/>
-              </a:buClr>
-              <a:buFont typeface="Arial"/>
-              <a:buChar char="•"/>
-            </a:pPr>
-            <a:r>
-              <a:rPr b="0" lang="en-US" sz="2000" strike="noStrike" u="none">
-                <a:solidFill>
-                  <a:schemeClr val="dk1"/>
-                </a:solidFill>
-                <a:effectLst/>
-                <a:uFillTx/>
-                <a:latin typeface="Calibri"/>
-              </a:rPr>
-              <a:t>Third level</a:t>
-            </a:r>
-            <a:endParaRPr b="0" lang="en-US" sz="2000" strike="noStrike" u="none">
-              <a:solidFill>
-                <a:schemeClr val="dk1"/>
-              </a:solidFill>
-              <a:effectLst/>
-              <a:uFillTx/>
-              <a:latin typeface="Calibri"/>
-            </a:endParaRPr>
-          </a:p>
-          <a:p>
-            <a:pPr lvl="3" marL="1600200" indent="-228600" defTabSz="914400">
-              <a:lnSpc>
-                <a:spcPct val="90000"/>
-              </a:lnSpc>
-              <a:spcBef>
-                <a:spcPts val="499"/>
-              </a:spcBef>
-              <a:buClr>
-                <a:srgbClr val="000000"/>
-              </a:buClr>
-              <a:buFont typeface="Arial"/>
-              <a:buChar char="•"/>
-            </a:pPr>
-            <a:r>
-              <a:rPr b="0" lang="en-US" sz="1800" strike="noStrike" u="none">
-                <a:solidFill>
-                  <a:schemeClr val="dk1"/>
-                </a:solidFill>
-                <a:effectLst/>
-                <a:uFillTx/>
-                <a:latin typeface="Calibri"/>
-              </a:rPr>
-              <a:t>Fourth level</a:t>
-            </a:r>
-            <a:endParaRPr b="0" lang="en-US" sz="1800" strike="noStrike" u="none">
-              <a:solidFill>
-                <a:schemeClr val="dk1"/>
-              </a:solidFill>
-              <a:effectLst/>
-              <a:uFillTx/>
-              <a:latin typeface="Calibri"/>
-            </a:endParaRPr>
-          </a:p>
-          <a:p>
-            <a:pPr lvl="4" marL="2057400" indent="-228600" defTabSz="914400">
-              <a:lnSpc>
-                <a:spcPct val="90000"/>
-              </a:lnSpc>
-              <a:spcBef>
-                <a:spcPts val="499"/>
-              </a:spcBef>
-              <a:buClr>
-                <a:srgbClr val="000000"/>
-              </a:buClr>
-              <a:buFont typeface="Arial"/>
-              <a:buChar char="•"/>
-            </a:pPr>
-            <a:r>
-              <a:rPr b="0" lang="en-US" sz="1800" strike="noStrike" u="none">
-                <a:solidFill>
-                  <a:schemeClr val="dk1"/>
-                </a:solidFill>
-                <a:effectLst/>
-                <a:uFillTx/>
-                <a:latin typeface="Calibri"/>
-              </a:rPr>
-              <a:t>Fifth level</a:t>
-            </a:r>
-            <a:endParaRPr b="0" lang="en-US" sz="1800" strike="noStrike" u="none">
-              <a:solidFill>
-                <a:schemeClr val="dk1"/>
-              </a:solidFill>
-              <a:effectLst/>
-              <a:uFillTx/>
-              <a:latin typeface="Calibri"/>
+              <a:t>&lt;date/time&gt;</a:t>
+            </a:r>
+            <a:endParaRPr b="0" lang="en-US" sz="1200" strike="noStrike" u="none">
+              <a:solidFill>
+                <a:srgbClr val="000000"/>
+              </a:solidFill>
+              <a:effectLst/>
+              <a:uFillTx/>
+              <a:latin typeface="Times New Roman"/>
             </a:endParaRPr>
           </a:p>
         </p:txBody>
@@ -4168,13 +4244,13 @@
             <a:spLocks noGrp="1"/>
           </p:cNvSpPr>
           <p:nvPr>
-            <p:ph type="dt" idx="16"/>
+            <p:ph type="ftr" idx="17"/>
           </p:nvPr>
         </p:nvSpPr>
         <p:spPr>
           <a:xfrm>
-            <a:off x="838080" y="6356520"/>
-            <a:ext cx="2742840" cy="364680"/>
+            <a:off x="4038480" y="6356520"/>
+            <a:ext cx="4114080" cy="364320"/>
           </a:xfrm>
           <a:prstGeom prst="rect">
             <a:avLst/>
@@ -4189,44 +4265,46 @@
             <a:noAutofit/>
           </a:bodyPr>
           <a:lstStyle>
-            <a:lvl1pPr indent="0" defTabSz="914400">
+            <a:lvl1pPr indent="0" algn="ctr">
               <a:lnSpc>
                 <a:spcPct val="100000"/>
               </a:lnSpc>
               <a:buNone/>
-              <a:defRPr b="0" lang="en-US" sz="1200" strike="noStrike" u="none">
-                <a:solidFill>
-                  <a:schemeClr val="dk1">
-                    <a:tint val="75000"/>
-                  </a:schemeClr>
-                </a:solidFill>
-                <a:effectLst/>
-                <a:uFillTx/>
-                <a:latin typeface="Calibri"/>
+              <a:tabLst>
+                <a:tab algn="l" pos="0"/>
+              </a:tabLst>
+              <a:defRPr b="0" lang="en-US" sz="1400" strike="noStrike" u="none">
+                <a:solidFill>
+                  <a:srgbClr val="000000"/>
+                </a:solidFill>
+                <a:effectLst/>
+                <a:uFillTx/>
+                <a:latin typeface="Times New Roman"/>
               </a:defRPr>
             </a:lvl1pPr>
           </a:lstStyle>
           <a:p>
-            <a:pPr indent="0" defTabSz="914400">
+            <a:pPr indent="0" algn="ctr">
               <a:lnSpc>
                 <a:spcPct val="100000"/>
               </a:lnSpc>
               <a:buNone/>
-            </a:pPr>
-            <a:r>
-              <a:rPr b="0" lang="en-US" sz="1200" strike="noStrike" u="none">
-                <a:solidFill>
-                  <a:schemeClr val="dk1">
-                    <a:tint val="75000"/>
-                  </a:schemeClr>
-                </a:solidFill>
-                <a:effectLst/>
-                <a:uFillTx/>
-                <a:latin typeface="Calibri"/>
-              </a:rPr>
-              <a:t>&lt;date/time&gt;</a:t>
-            </a:r>
-            <a:endParaRPr b="0" lang="en-US" sz="1200" strike="noStrike" u="none">
+              <a:tabLst>
+                <a:tab algn="l" pos="0"/>
+              </a:tabLst>
+            </a:pPr>
+            <a:r>
+              <a:rPr b="0" lang="en-US" sz="1400" strike="noStrike" u="none">
+                <a:solidFill>
+                  <a:srgbClr val="000000"/>
+                </a:solidFill>
+                <a:effectLst/>
+                <a:uFillTx/>
+                <a:latin typeface="Times New Roman"/>
+              </a:rPr>
+              <a:t>&lt;footer&gt;</a:t>
+            </a:r>
+            <a:endParaRPr b="0" lang="en-US" sz="1400" strike="noStrike" u="none">
               <a:solidFill>
                 <a:srgbClr val="000000"/>
               </a:solidFill>
@@ -4244,79 +4322,13 @@
             <a:spLocks noGrp="1"/>
           </p:cNvSpPr>
           <p:nvPr>
-            <p:ph type="ftr" idx="17"/>
-          </p:nvPr>
-        </p:nvSpPr>
-        <p:spPr>
-          <a:xfrm>
-            <a:off x="4038480" y="6356520"/>
-            <a:ext cx="4114440" cy="364680"/>
-          </a:xfrm>
-          <a:prstGeom prst="rect">
-            <a:avLst/>
-          </a:prstGeom>
-          <a:noFill/>
-          <a:ln w="0">
-            <a:noFill/>
-          </a:ln>
-        </p:spPr>
-        <p:txBody>
-          <a:bodyPr lIns="91440" rIns="91440" tIns="45720" bIns="45720" anchor="ctr">
-            <a:noAutofit/>
-          </a:bodyPr>
-          <a:lstStyle>
-            <a:lvl1pPr indent="0" algn="ctr">
-              <a:buNone/>
-              <a:defRPr b="0" lang="en-US" sz="1400" strike="noStrike" u="none">
-                <a:solidFill>
-                  <a:srgbClr val="000000"/>
-                </a:solidFill>
-                <a:effectLst/>
-                <a:uFillTx/>
-                <a:latin typeface="Times New Roman"/>
-              </a:defRPr>
-            </a:lvl1pPr>
-          </a:lstStyle>
-          <a:p>
-            <a:pPr indent="0" algn="ctr">
-              <a:buNone/>
-            </a:pPr>
-            <a:r>
-              <a:rPr b="0" lang="en-US" sz="1400" strike="noStrike" u="none">
-                <a:solidFill>
-                  <a:srgbClr val="000000"/>
-                </a:solidFill>
-                <a:effectLst/>
-                <a:uFillTx/>
-                <a:latin typeface="Times New Roman"/>
-              </a:rPr>
-              <a:t>&lt;footer&gt;</a:t>
-            </a:r>
-            <a:endParaRPr b="0" lang="en-US" sz="1400" strike="noStrike" u="none">
-              <a:solidFill>
-                <a:srgbClr val="000000"/>
-              </a:solidFill>
-              <a:effectLst/>
-              <a:uFillTx/>
-              <a:latin typeface="Times New Roman"/>
-            </a:endParaRPr>
-          </a:p>
-        </p:txBody>
-      </p:sp>
-      <p:sp>
-        <p:nvSpPr>
-          <p:cNvPr id="30" name="PlaceHolder 6"/>
-          <p:cNvSpPr>
-            <a:spLocks noGrp="1"/>
-          </p:cNvSpPr>
-          <p:nvPr>
             <p:ph type="sldNum" idx="18"/>
           </p:nvPr>
         </p:nvSpPr>
         <p:spPr>
           <a:xfrm>
             <a:off x="8610480" y="6356520"/>
-            <a:ext cx="2742840" cy="364680"/>
+            <a:ext cx="2742480" cy="364320"/>
           </a:xfrm>
           <a:prstGeom prst="rect">
             <a:avLst/>
@@ -4336,6 +4348,9 @@
                 <a:spcPct val="100000"/>
               </a:lnSpc>
               <a:buNone/>
+              <a:tabLst>
+                <a:tab algn="l" pos="0"/>
+              </a:tabLst>
               <a:defRPr b="0" lang="en-US" sz="1200" strike="noStrike" u="none">
                 <a:solidFill>
                   <a:schemeClr val="dk1">
@@ -4354,8 +4369,11 @@
                 <a:spcPct val="100000"/>
               </a:lnSpc>
               <a:buNone/>
-            </a:pPr>
-            <a:fld id="{8E025D8B-9A51-415B-AC67-9F60F792DEC0}" type="slidenum">
+              <a:tabLst>
+                <a:tab algn="l" pos="0"/>
+              </a:tabLst>
+            </a:pPr>
+            <a:fld id="{71C613CE-E56D-4EC6-BFFC-181F96BD313D}" type="slidenum">
               <a:rPr b="0" lang="en-US" sz="1200" strike="noStrike" u="none">
                 <a:solidFill>
                   <a:schemeClr val="dk1">
@@ -4385,8 +4403,8 @@
 </file>
 
 <file path=ppt/slideLayouts/slideLayout7.xml><?xml version="1.0" encoding="utf-8"?>
-<p:sldLayout xmlns:a="http://schemas.openxmlformats.org/drawingml/2006/main" xmlns:p="http://schemas.openxmlformats.org/presentationml/2006/main" xmlns:r="http://schemas.openxmlformats.org/officeDocument/2006/relationships" xmlns:p14="http://schemas.microsoft.com/office/powerpoint/2010/main" xmlns:p15="http://schemas.microsoft.com/office/powerpoint/2012/main" xmlns:mc="http://schemas.openxmlformats.org/markup-compatibility/2006" type="blank" preserve="1">
-  <p:cSld name="Comparison">
+<p:sldLayout xmlns:a="http://schemas.openxmlformats.org/drawingml/2006/main" xmlns:p="http://schemas.openxmlformats.org/presentationml/2006/main" xmlns:r="http://schemas.openxmlformats.org/officeDocument/2006/relationships" xmlns:p14="http://schemas.microsoft.com/office/powerpoint/2010/main" xmlns:p15="http://schemas.microsoft.com/office/powerpoint/2012/main" xmlns:mc="http://schemas.openxmlformats.org/markup-compatibility/2006" type="obj" preserve="1">
+  <p:cSld name="Title and Content">
     <p:bg>
       <p:bgPr>
         <a:solidFill>
@@ -4410,7 +4428,7 @@
       </p:grpSpPr>
       <p:sp>
         <p:nvSpPr>
-          <p:cNvPr id="31" name="PlaceHolder 1"/>
+          <p:cNvPr id="30" name="PlaceHolder 1"/>
           <p:cNvSpPr>
             <a:spLocks noGrp="1"/>
           </p:cNvSpPr>
@@ -4420,8 +4438,8 @@
         </p:nvSpPr>
         <p:spPr>
           <a:xfrm>
-            <a:off x="839880" y="365040"/>
-            <a:ext cx="10515240" cy="1325160"/>
+            <a:off x="838080" y="365040"/>
+            <a:ext cx="10514880" cy="1324800"/>
           </a:xfrm>
           <a:prstGeom prst="rect">
             <a:avLst/>
@@ -4441,6 +4459,9 @@
                 <a:spcPct val="90000"/>
               </a:lnSpc>
               <a:buNone/>
+              <a:tabLst>
+                <a:tab algn="l" pos="0"/>
+              </a:tabLst>
             </a:pPr>
             <a:r>
               <a:rPr b="0" lang="en-US" sz="4400" strike="noStrike" u="none">
@@ -4455,18 +4476,18 @@
             </a:r>
             <a:endParaRPr b="0" lang="en-US" sz="4400" strike="noStrike" u="none">
               <a:solidFill>
-                <a:schemeClr val="dk1"/>
-              </a:solidFill>
-              <a:effectLst/>
-              <a:uFillTx/>
-              <a:latin typeface="Calibri"/>
+                <a:srgbClr val="000000"/>
+              </a:solidFill>
+              <a:effectLst/>
+              <a:uFillTx/>
+              <a:latin typeface="Arial"/>
             </a:endParaRPr>
           </a:p>
         </p:txBody>
       </p:sp>
       <p:sp>
         <p:nvSpPr>
-          <p:cNvPr id="32" name="PlaceHolder 2"/>
+          <p:cNvPr id="31" name="PlaceHolder 2"/>
           <p:cNvSpPr>
             <a:spLocks noGrp="1"/>
           </p:cNvSpPr>
@@ -4476,8 +4497,8 @@
         </p:nvSpPr>
         <p:spPr>
           <a:xfrm>
-            <a:off x="839880" y="1681200"/>
-            <a:ext cx="5157360" cy="823680"/>
+            <a:off x="838080" y="1825560"/>
+            <a:ext cx="10514880" cy="4350600"/>
           </a:xfrm>
           <a:prstGeom prst="rect">
             <a:avLst/>
@@ -4488,24 +4509,25 @@
           </a:ln>
         </p:spPr>
         <p:txBody>
-          <a:bodyPr lIns="91440" rIns="91440" tIns="45720" bIns="45720" anchor="b">
+          <a:bodyPr lIns="91440" rIns="91440" tIns="45720" bIns="45720" anchor="t">
             <a:noAutofit/>
           </a:bodyPr>
           <a:p>
-            <a:pPr indent="0" defTabSz="914400">
+            <a:pPr marL="228600" indent="-228600" defTabSz="914400">
               <a:lnSpc>
                 <a:spcPct val="90000"/>
               </a:lnSpc>
               <a:spcBef>
                 <a:spcPts val="1001"/>
               </a:spcBef>
-              <a:buNone/>
-              <a:tabLst>
-                <a:tab algn="l" pos="0"/>
-              </a:tabLst>
-            </a:pPr>
-            <a:r>
-              <a:rPr b="1" lang="en-US" sz="2400" strike="noStrike" u="none">
+              <a:buClr>
+                <a:srgbClr val="000000"/>
+              </a:buClr>
+              <a:buFont typeface="Arial"/>
+              <a:buChar char="•"/>
+            </a:pPr>
+            <a:r>
+              <a:rPr b="0" lang="en-US" sz="2800" strike="noStrike" u="none">
                 <a:solidFill>
                   <a:schemeClr val="dk1"/>
                 </a:solidFill>
@@ -4515,480 +4537,156 @@
               </a:rPr>
               <a:t>Click to edit Master text styles</a:t>
             </a:r>
+            <a:endParaRPr b="0" lang="en-US" sz="2800" strike="noStrike" u="none">
+              <a:solidFill>
+                <a:srgbClr val="000000"/>
+              </a:solidFill>
+              <a:effectLst/>
+              <a:uFillTx/>
+              <a:latin typeface="Arial"/>
+            </a:endParaRPr>
+          </a:p>
+          <a:p>
+            <a:pPr lvl="1" marL="685800" indent="-228600" defTabSz="914400">
+              <a:lnSpc>
+                <a:spcPct val="90000"/>
+              </a:lnSpc>
+              <a:spcBef>
+                <a:spcPts val="499"/>
+              </a:spcBef>
+              <a:buClr>
+                <a:srgbClr val="000000"/>
+              </a:buClr>
+              <a:buFont typeface="Arial"/>
+              <a:buChar char="•"/>
+            </a:pPr>
+            <a:r>
+              <a:rPr b="0" lang="en-US" sz="2400" strike="noStrike" u="none">
+                <a:solidFill>
+                  <a:schemeClr val="dk1"/>
+                </a:solidFill>
+                <a:effectLst/>
+                <a:uFillTx/>
+                <a:latin typeface="Calibri"/>
+              </a:rPr>
+              <a:t>Second level</a:t>
+            </a:r>
             <a:endParaRPr b="0" lang="en-US" sz="2400" strike="noStrike" u="none">
               <a:solidFill>
-                <a:schemeClr val="dk1"/>
-              </a:solidFill>
-              <a:effectLst/>
-              <a:uFillTx/>
-              <a:latin typeface="Calibri"/>
+                <a:srgbClr val="000000"/>
+              </a:solidFill>
+              <a:effectLst/>
+              <a:uFillTx/>
+              <a:latin typeface="Arial"/>
+            </a:endParaRPr>
+          </a:p>
+          <a:p>
+            <a:pPr lvl="2" marL="1143000" indent="-228600" defTabSz="914400">
+              <a:lnSpc>
+                <a:spcPct val="90000"/>
+              </a:lnSpc>
+              <a:spcBef>
+                <a:spcPts val="499"/>
+              </a:spcBef>
+              <a:buClr>
+                <a:srgbClr val="000000"/>
+              </a:buClr>
+              <a:buFont typeface="Arial"/>
+              <a:buChar char="•"/>
+            </a:pPr>
+            <a:r>
+              <a:rPr b="0" lang="en-US" sz="2000" strike="noStrike" u="none">
+                <a:solidFill>
+                  <a:schemeClr val="dk1"/>
+                </a:solidFill>
+                <a:effectLst/>
+                <a:uFillTx/>
+                <a:latin typeface="Calibri"/>
+              </a:rPr>
+              <a:t>Third level</a:t>
+            </a:r>
+            <a:endParaRPr b="0" lang="en-US" sz="2000" strike="noStrike" u="none">
+              <a:solidFill>
+                <a:srgbClr val="000000"/>
+              </a:solidFill>
+              <a:effectLst/>
+              <a:uFillTx/>
+              <a:latin typeface="Arial"/>
+            </a:endParaRPr>
+          </a:p>
+          <a:p>
+            <a:pPr lvl="3" marL="1600200" indent="-228600" defTabSz="914400">
+              <a:lnSpc>
+                <a:spcPct val="90000"/>
+              </a:lnSpc>
+              <a:spcBef>
+                <a:spcPts val="499"/>
+              </a:spcBef>
+              <a:buClr>
+                <a:srgbClr val="000000"/>
+              </a:buClr>
+              <a:buFont typeface="Arial"/>
+              <a:buChar char="•"/>
+            </a:pPr>
+            <a:r>
+              <a:rPr b="0" lang="en-US" sz="1800" strike="noStrike" u="none">
+                <a:solidFill>
+                  <a:schemeClr val="dk1"/>
+                </a:solidFill>
+                <a:effectLst/>
+                <a:uFillTx/>
+                <a:latin typeface="Calibri"/>
+              </a:rPr>
+              <a:t>Fourth level</a:t>
+            </a:r>
+            <a:endParaRPr b="0" lang="en-US" sz="1800" strike="noStrike" u="none">
+              <a:solidFill>
+                <a:srgbClr val="000000"/>
+              </a:solidFill>
+              <a:effectLst/>
+              <a:uFillTx/>
+              <a:latin typeface="Arial"/>
+            </a:endParaRPr>
+          </a:p>
+          <a:p>
+            <a:pPr lvl="4" marL="2057400" indent="-228600" defTabSz="914400">
+              <a:lnSpc>
+                <a:spcPct val="90000"/>
+              </a:lnSpc>
+              <a:spcBef>
+                <a:spcPts val="499"/>
+              </a:spcBef>
+              <a:buClr>
+                <a:srgbClr val="000000"/>
+              </a:buClr>
+              <a:buFont typeface="Arial"/>
+              <a:buChar char="•"/>
+            </a:pPr>
+            <a:r>
+              <a:rPr b="0" lang="en-US" sz="1800" strike="noStrike" u="none">
+                <a:solidFill>
+                  <a:schemeClr val="dk1"/>
+                </a:solidFill>
+                <a:effectLst/>
+                <a:uFillTx/>
+                <a:latin typeface="Calibri"/>
+              </a:rPr>
+              <a:t>Fifth level</a:t>
+            </a:r>
+            <a:endParaRPr b="0" lang="en-US" sz="1800" strike="noStrike" u="none">
+              <a:solidFill>
+                <a:srgbClr val="000000"/>
+              </a:solidFill>
+              <a:effectLst/>
+              <a:uFillTx/>
+              <a:latin typeface="Arial"/>
             </a:endParaRPr>
           </a:p>
         </p:txBody>
       </p:sp>
       <p:sp>
         <p:nvSpPr>
-          <p:cNvPr id="33" name="PlaceHolder 3"/>
-          <p:cNvSpPr>
-            <a:spLocks noGrp="1"/>
-          </p:cNvSpPr>
-          <p:nvPr>
-            <p:ph type="body"/>
-          </p:nvPr>
-        </p:nvSpPr>
-        <p:spPr>
-          <a:xfrm>
-            <a:off x="839880" y="2505240"/>
-            <a:ext cx="5157360" cy="3684240"/>
-          </a:xfrm>
-          <a:prstGeom prst="rect">
-            <a:avLst/>
-          </a:prstGeom>
-          <a:noFill/>
-          <a:ln w="0">
-            <a:noFill/>
-          </a:ln>
-        </p:spPr>
-        <p:txBody>
-          <a:bodyPr lIns="91440" rIns="91440" tIns="45720" bIns="45720" anchor="t">
-            <a:noAutofit/>
-          </a:bodyPr>
-          <a:p>
-            <a:pPr marL="228600" indent="-228600" defTabSz="914400">
-              <a:lnSpc>
-                <a:spcPct val="90000"/>
-              </a:lnSpc>
-              <a:spcBef>
-                <a:spcPts val="1001"/>
-              </a:spcBef>
-              <a:buClr>
-                <a:srgbClr val="000000"/>
-              </a:buClr>
-              <a:buFont typeface="Arial"/>
-              <a:buChar char="•"/>
-            </a:pPr>
-            <a:r>
-              <a:rPr b="0" lang="en-US" sz="2800" strike="noStrike" u="none">
-                <a:solidFill>
-                  <a:schemeClr val="dk1"/>
-                </a:solidFill>
-                <a:effectLst/>
-                <a:uFillTx/>
-                <a:latin typeface="Calibri"/>
-              </a:rPr>
-              <a:t>Click to edit Master text styles</a:t>
-            </a:r>
-            <a:endParaRPr b="0" lang="en-US" sz="2800" strike="noStrike" u="none">
-              <a:solidFill>
-                <a:schemeClr val="dk1"/>
-              </a:solidFill>
-              <a:effectLst/>
-              <a:uFillTx/>
-              <a:latin typeface="Calibri"/>
-            </a:endParaRPr>
-          </a:p>
-          <a:p>
-            <a:pPr lvl="1" marL="685800" indent="-228600" defTabSz="914400">
-              <a:lnSpc>
-                <a:spcPct val="90000"/>
-              </a:lnSpc>
-              <a:spcBef>
-                <a:spcPts val="499"/>
-              </a:spcBef>
-              <a:buClr>
-                <a:srgbClr val="000000"/>
-              </a:buClr>
-              <a:buFont typeface="Arial"/>
-              <a:buChar char="•"/>
-            </a:pPr>
-            <a:r>
-              <a:rPr b="0" lang="en-US" sz="2400" strike="noStrike" u="none">
-                <a:solidFill>
-                  <a:schemeClr val="dk1"/>
-                </a:solidFill>
-                <a:effectLst/>
-                <a:uFillTx/>
-                <a:latin typeface="Calibri"/>
-              </a:rPr>
-              <a:t>Second level</a:t>
-            </a:r>
-            <a:endParaRPr b="0" lang="en-US" sz="2400" strike="noStrike" u="none">
-              <a:solidFill>
-                <a:schemeClr val="dk1"/>
-              </a:solidFill>
-              <a:effectLst/>
-              <a:uFillTx/>
-              <a:latin typeface="Calibri"/>
-            </a:endParaRPr>
-          </a:p>
-          <a:p>
-            <a:pPr lvl="2" marL="1143000" indent="-228600" defTabSz="914400">
-              <a:lnSpc>
-                <a:spcPct val="90000"/>
-              </a:lnSpc>
-              <a:spcBef>
-                <a:spcPts val="499"/>
-              </a:spcBef>
-              <a:buClr>
-                <a:srgbClr val="000000"/>
-              </a:buClr>
-              <a:buFont typeface="Arial"/>
-              <a:buChar char="•"/>
-            </a:pPr>
-            <a:r>
-              <a:rPr b="0" lang="en-US" sz="2000" strike="noStrike" u="none">
-                <a:solidFill>
-                  <a:schemeClr val="dk1"/>
-                </a:solidFill>
-                <a:effectLst/>
-                <a:uFillTx/>
-                <a:latin typeface="Calibri"/>
-              </a:rPr>
-              <a:t>Third level</a:t>
-            </a:r>
-            <a:endParaRPr b="0" lang="en-US" sz="2000" strike="noStrike" u="none">
-              <a:solidFill>
-                <a:schemeClr val="dk1"/>
-              </a:solidFill>
-              <a:effectLst/>
-              <a:uFillTx/>
-              <a:latin typeface="Calibri"/>
-            </a:endParaRPr>
-          </a:p>
-          <a:p>
-            <a:pPr lvl="3" marL="1600200" indent="-228600" defTabSz="914400">
-              <a:lnSpc>
-                <a:spcPct val="90000"/>
-              </a:lnSpc>
-              <a:spcBef>
-                <a:spcPts val="499"/>
-              </a:spcBef>
-              <a:buClr>
-                <a:srgbClr val="000000"/>
-              </a:buClr>
-              <a:buFont typeface="Arial"/>
-              <a:buChar char="•"/>
-            </a:pPr>
-            <a:r>
-              <a:rPr b="0" lang="en-US" sz="1800" strike="noStrike" u="none">
-                <a:solidFill>
-                  <a:schemeClr val="dk1"/>
-                </a:solidFill>
-                <a:effectLst/>
-                <a:uFillTx/>
-                <a:latin typeface="Calibri"/>
-              </a:rPr>
-              <a:t>Fourth level</a:t>
-            </a:r>
-            <a:endParaRPr b="0" lang="en-US" sz="1800" strike="noStrike" u="none">
-              <a:solidFill>
-                <a:schemeClr val="dk1"/>
-              </a:solidFill>
-              <a:effectLst/>
-              <a:uFillTx/>
-              <a:latin typeface="Calibri"/>
-            </a:endParaRPr>
-          </a:p>
-          <a:p>
-            <a:pPr lvl="4" marL="2057400" indent="-228600" defTabSz="914400">
-              <a:lnSpc>
-                <a:spcPct val="90000"/>
-              </a:lnSpc>
-              <a:spcBef>
-                <a:spcPts val="499"/>
-              </a:spcBef>
-              <a:buClr>
-                <a:srgbClr val="000000"/>
-              </a:buClr>
-              <a:buFont typeface="Arial"/>
-              <a:buChar char="•"/>
-            </a:pPr>
-            <a:r>
-              <a:rPr b="0" lang="en-US" sz="1800" strike="noStrike" u="none">
-                <a:solidFill>
-                  <a:schemeClr val="dk1"/>
-                </a:solidFill>
-                <a:effectLst/>
-                <a:uFillTx/>
-                <a:latin typeface="Calibri"/>
-              </a:rPr>
-              <a:t>Fifth level</a:t>
-            </a:r>
-            <a:endParaRPr b="0" lang="en-US" sz="1800" strike="noStrike" u="none">
-              <a:solidFill>
-                <a:schemeClr val="dk1"/>
-              </a:solidFill>
-              <a:effectLst/>
-              <a:uFillTx/>
-              <a:latin typeface="Calibri"/>
-            </a:endParaRPr>
-          </a:p>
-        </p:txBody>
-      </p:sp>
-      <p:sp>
-        <p:nvSpPr>
-          <p:cNvPr id="34" name="PlaceHolder 4"/>
-          <p:cNvSpPr>
-            <a:spLocks noGrp="1"/>
-          </p:cNvSpPr>
-          <p:nvPr>
-            <p:ph type="body"/>
-          </p:nvPr>
-        </p:nvSpPr>
-        <p:spPr>
-          <a:xfrm>
-            <a:off x="6172200" y="1681200"/>
-            <a:ext cx="5182920" cy="823680"/>
-          </a:xfrm>
-          <a:prstGeom prst="rect">
-            <a:avLst/>
-          </a:prstGeom>
-          <a:noFill/>
-          <a:ln w="0">
-            <a:noFill/>
-          </a:ln>
-        </p:spPr>
-        <p:txBody>
-          <a:bodyPr lIns="91440" rIns="91440" tIns="45720" bIns="45720" anchor="b">
-            <a:noAutofit/>
-          </a:bodyPr>
-          <a:p>
-            <a:pPr indent="0" defTabSz="914400">
-              <a:lnSpc>
-                <a:spcPct val="90000"/>
-              </a:lnSpc>
-              <a:spcBef>
-                <a:spcPts val="1001"/>
-              </a:spcBef>
-              <a:buNone/>
-              <a:tabLst>
-                <a:tab algn="l" pos="0"/>
-              </a:tabLst>
-            </a:pPr>
-            <a:r>
-              <a:rPr b="1" lang="en-US" sz="2400" strike="noStrike" u="none">
-                <a:solidFill>
-                  <a:schemeClr val="dk1"/>
-                </a:solidFill>
-                <a:effectLst/>
-                <a:uFillTx/>
-                <a:latin typeface="Calibri"/>
-              </a:rPr>
-              <a:t>Click to edit Master text styles</a:t>
-            </a:r>
-            <a:endParaRPr b="0" lang="en-US" sz="2400" strike="noStrike" u="none">
-              <a:solidFill>
-                <a:schemeClr val="dk1"/>
-              </a:solidFill>
-              <a:effectLst/>
-              <a:uFillTx/>
-              <a:latin typeface="Calibri"/>
-            </a:endParaRPr>
-          </a:p>
-        </p:txBody>
-      </p:sp>
-      <p:sp>
-        <p:nvSpPr>
-          <p:cNvPr id="35" name="PlaceHolder 5"/>
-          <p:cNvSpPr>
-            <a:spLocks noGrp="1"/>
-          </p:cNvSpPr>
-          <p:nvPr>
-            <p:ph type="body"/>
-          </p:nvPr>
-        </p:nvSpPr>
-        <p:spPr>
-          <a:xfrm>
-            <a:off x="6172200" y="2505240"/>
-            <a:ext cx="5182920" cy="3684240"/>
-          </a:xfrm>
-          <a:prstGeom prst="rect">
-            <a:avLst/>
-          </a:prstGeom>
-          <a:noFill/>
-          <a:ln w="0">
-            <a:noFill/>
-          </a:ln>
-        </p:spPr>
-        <p:txBody>
-          <a:bodyPr lIns="91440" rIns="91440" tIns="45720" bIns="45720" anchor="t">
-            <a:noAutofit/>
-          </a:bodyPr>
-          <a:p>
-            <a:pPr marL="228600" indent="-228600" defTabSz="914400">
-              <a:lnSpc>
-                <a:spcPct val="90000"/>
-              </a:lnSpc>
-              <a:spcBef>
-                <a:spcPts val="1001"/>
-              </a:spcBef>
-              <a:buClr>
-                <a:srgbClr val="000000"/>
-              </a:buClr>
-              <a:buFont typeface="Arial"/>
-              <a:buChar char="•"/>
-            </a:pPr>
-            <a:r>
-              <a:rPr b="0" lang="en-US" sz="2800" strike="noStrike" u="none">
-                <a:solidFill>
-                  <a:schemeClr val="dk1"/>
-                </a:solidFill>
-                <a:effectLst/>
-                <a:uFillTx/>
-                <a:latin typeface="Calibri"/>
-              </a:rPr>
-              <a:t>Click to edit Master text styles</a:t>
-            </a:r>
-            <a:endParaRPr b="0" lang="en-US" sz="2800" strike="noStrike" u="none">
-              <a:solidFill>
-                <a:schemeClr val="dk1"/>
-              </a:solidFill>
-              <a:effectLst/>
-              <a:uFillTx/>
-              <a:latin typeface="Calibri"/>
-            </a:endParaRPr>
-          </a:p>
-          <a:p>
-            <a:pPr lvl="1" marL="685800" indent="-228600" defTabSz="914400">
-              <a:lnSpc>
-                <a:spcPct val="90000"/>
-              </a:lnSpc>
-              <a:spcBef>
-                <a:spcPts val="499"/>
-              </a:spcBef>
-              <a:buClr>
-                <a:srgbClr val="000000"/>
-              </a:buClr>
-              <a:buFont typeface="Arial"/>
-              <a:buChar char="•"/>
-            </a:pPr>
-            <a:r>
-              <a:rPr b="0" lang="en-US" sz="2400" strike="noStrike" u="none">
-                <a:solidFill>
-                  <a:schemeClr val="dk1"/>
-                </a:solidFill>
-                <a:effectLst/>
-                <a:uFillTx/>
-                <a:latin typeface="Calibri"/>
-              </a:rPr>
-              <a:t>Second level</a:t>
-            </a:r>
-            <a:endParaRPr b="0" lang="en-US" sz="2400" strike="noStrike" u="none">
-              <a:solidFill>
-                <a:schemeClr val="dk1"/>
-              </a:solidFill>
-              <a:effectLst/>
-              <a:uFillTx/>
-              <a:latin typeface="Calibri"/>
-            </a:endParaRPr>
-          </a:p>
-          <a:p>
-            <a:pPr lvl="2" marL="1143000" indent="-228600" defTabSz="914400">
-              <a:lnSpc>
-                <a:spcPct val="90000"/>
-              </a:lnSpc>
-              <a:spcBef>
-                <a:spcPts val="499"/>
-              </a:spcBef>
-              <a:buClr>
-                <a:srgbClr val="000000"/>
-              </a:buClr>
-              <a:buFont typeface="Arial"/>
-              <a:buChar char="•"/>
-            </a:pPr>
-            <a:r>
-              <a:rPr b="0" lang="en-US" sz="2000" strike="noStrike" u="none">
-                <a:solidFill>
-                  <a:schemeClr val="dk1"/>
-                </a:solidFill>
-                <a:effectLst/>
-                <a:uFillTx/>
-                <a:latin typeface="Calibri"/>
-              </a:rPr>
-              <a:t>Third level</a:t>
-            </a:r>
-            <a:endParaRPr b="0" lang="en-US" sz="2000" strike="noStrike" u="none">
-              <a:solidFill>
-                <a:schemeClr val="dk1"/>
-              </a:solidFill>
-              <a:effectLst/>
-              <a:uFillTx/>
-              <a:latin typeface="Calibri"/>
-            </a:endParaRPr>
-          </a:p>
-          <a:p>
-            <a:pPr lvl="3" marL="1600200" indent="-228600" defTabSz="914400">
-              <a:lnSpc>
-                <a:spcPct val="90000"/>
-              </a:lnSpc>
-              <a:spcBef>
-                <a:spcPts val="499"/>
-              </a:spcBef>
-              <a:buClr>
-                <a:srgbClr val="000000"/>
-              </a:buClr>
-              <a:buFont typeface="Arial"/>
-              <a:buChar char="•"/>
-            </a:pPr>
-            <a:r>
-              <a:rPr b="0" lang="en-US" sz="1800" strike="noStrike" u="none">
-                <a:solidFill>
-                  <a:schemeClr val="dk1"/>
-                </a:solidFill>
-                <a:effectLst/>
-                <a:uFillTx/>
-                <a:latin typeface="Calibri"/>
-              </a:rPr>
-              <a:t>Fourth level</a:t>
-            </a:r>
-            <a:endParaRPr b="0" lang="en-US" sz="1800" strike="noStrike" u="none">
-              <a:solidFill>
-                <a:schemeClr val="dk1"/>
-              </a:solidFill>
-              <a:effectLst/>
-              <a:uFillTx/>
-              <a:latin typeface="Calibri"/>
-            </a:endParaRPr>
-          </a:p>
-          <a:p>
-            <a:pPr lvl="4" marL="2057400" indent="-228600" defTabSz="914400">
-              <a:lnSpc>
-                <a:spcPct val="90000"/>
-              </a:lnSpc>
-              <a:spcBef>
-                <a:spcPts val="499"/>
-              </a:spcBef>
-              <a:buClr>
-                <a:srgbClr val="000000"/>
-              </a:buClr>
-              <a:buFont typeface="Arial"/>
-              <a:buChar char="•"/>
-            </a:pPr>
-            <a:r>
-              <a:rPr b="0" lang="en-US" sz="1800" strike="noStrike" u="none">
-                <a:solidFill>
-                  <a:schemeClr val="dk1"/>
-                </a:solidFill>
-                <a:effectLst/>
-                <a:uFillTx/>
-                <a:latin typeface="Calibri"/>
-              </a:rPr>
-              <a:t>Fifth level</a:t>
-            </a:r>
-            <a:endParaRPr b="0" lang="en-US" sz="1800" strike="noStrike" u="none">
-              <a:solidFill>
-                <a:schemeClr val="dk1"/>
-              </a:solidFill>
-              <a:effectLst/>
-              <a:uFillTx/>
-              <a:latin typeface="Calibri"/>
-            </a:endParaRPr>
-          </a:p>
-        </p:txBody>
-      </p:sp>
-      <p:sp>
-        <p:nvSpPr>
-          <p:cNvPr id="36" name="PlaceHolder 6"/>
+          <p:cNvPr id="32" name="PlaceHolder 3"/>
           <p:cNvSpPr>
             <a:spLocks noGrp="1"/>
           </p:cNvSpPr>
@@ -4999,7 +4697,7 @@
         <p:spPr>
           <a:xfrm>
             <a:off x="838080" y="6356520"/>
-            <a:ext cx="2742840" cy="364680"/>
+            <a:ext cx="2742480" cy="364320"/>
           </a:xfrm>
           <a:prstGeom prst="rect">
             <a:avLst/>
@@ -5019,6 +4717,9 @@
                 <a:spcPct val="100000"/>
               </a:lnSpc>
               <a:buNone/>
+              <a:tabLst>
+                <a:tab algn="l" pos="0"/>
+              </a:tabLst>
               <a:defRPr b="0" lang="en-US" sz="1200" strike="noStrike" u="none">
                 <a:solidFill>
                   <a:schemeClr val="dk1">
@@ -5037,6 +4738,9 @@
                 <a:spcPct val="100000"/>
               </a:lnSpc>
               <a:buNone/>
+              <a:tabLst>
+                <a:tab algn="l" pos="0"/>
+              </a:tabLst>
             </a:pPr>
             <a:r>
               <a:rPr b="0" lang="en-US" sz="1200" strike="noStrike" u="none">
@@ -5064,7 +4768,7 @@
       </p:sp>
       <p:sp>
         <p:nvSpPr>
-          <p:cNvPr id="37" name="PlaceHolder 7"/>
+          <p:cNvPr id="33" name="PlaceHolder 4"/>
           <p:cNvSpPr>
             <a:spLocks noGrp="1"/>
           </p:cNvSpPr>
@@ -5075,7 +4779,7 @@
         <p:spPr>
           <a:xfrm>
             <a:off x="4038480" y="6356520"/>
-            <a:ext cx="4114440" cy="364680"/>
+            <a:ext cx="4114080" cy="364320"/>
           </a:xfrm>
           <a:prstGeom prst="rect">
             <a:avLst/>
@@ -5091,7 +4795,13 @@
           </a:bodyPr>
           <a:lstStyle>
             <a:lvl1pPr indent="0" algn="ctr">
+              <a:lnSpc>
+                <a:spcPct val="100000"/>
+              </a:lnSpc>
               <a:buNone/>
+              <a:tabLst>
+                <a:tab algn="l" pos="0"/>
+              </a:tabLst>
               <a:defRPr b="0" lang="en-US" sz="1400" strike="noStrike" u="none">
                 <a:solidFill>
                   <a:srgbClr val="000000"/>
@@ -5104,7 +4814,13 @@
           </a:lstStyle>
           <a:p>
             <a:pPr indent="0" algn="ctr">
+              <a:lnSpc>
+                <a:spcPct val="100000"/>
+              </a:lnSpc>
               <a:buNone/>
+              <a:tabLst>
+                <a:tab algn="l" pos="0"/>
+              </a:tabLst>
             </a:pPr>
             <a:r>
               <a:rPr b="0" lang="en-US" sz="1400" strike="noStrike" u="none">
@@ -5130,7 +4846,7 @@
       </p:sp>
       <p:sp>
         <p:nvSpPr>
-          <p:cNvPr id="38" name="PlaceHolder 8"/>
+          <p:cNvPr id="34" name="PlaceHolder 5"/>
           <p:cNvSpPr>
             <a:spLocks noGrp="1"/>
           </p:cNvSpPr>
@@ -5141,7 +4857,7 @@
         <p:spPr>
           <a:xfrm>
             <a:off x="8610480" y="6356520"/>
-            <a:ext cx="2742840" cy="364680"/>
+            <a:ext cx="2742480" cy="364320"/>
           </a:xfrm>
           <a:prstGeom prst="rect">
             <a:avLst/>
@@ -5161,6 +4877,9 @@
                 <a:spcPct val="100000"/>
               </a:lnSpc>
               <a:buNone/>
+              <a:tabLst>
+                <a:tab algn="l" pos="0"/>
+              </a:tabLst>
               <a:defRPr b="0" lang="en-US" sz="1200" strike="noStrike" u="none">
                 <a:solidFill>
                   <a:schemeClr val="dk1">
@@ -5179,8 +4898,11 @@
                 <a:spcPct val="100000"/>
               </a:lnSpc>
               <a:buNone/>
-            </a:pPr>
-            <a:fld id="{9D4F3AF2-B82D-432B-ABC0-EA8A45E10DFF}" type="slidenum">
+              <a:tabLst>
+                <a:tab algn="l" pos="0"/>
+              </a:tabLst>
+            </a:pPr>
+            <a:fld id="{43CBC445-0C92-4E0E-AEB1-ACEBCFC6153C}" type="slidenum">
               <a:rPr b="0" lang="en-US" sz="1200" strike="noStrike" u="none">
                 <a:solidFill>
                   <a:schemeClr val="dk1">
@@ -5210,8 +4932,8 @@
 </file>
 
 <file path=ppt/slideLayouts/slideLayout8.xml><?xml version="1.0" encoding="utf-8"?>
-<p:sldLayout xmlns:a="http://schemas.openxmlformats.org/drawingml/2006/main" xmlns:p="http://schemas.openxmlformats.org/presentationml/2006/main" xmlns:r="http://schemas.openxmlformats.org/officeDocument/2006/relationships" xmlns:p14="http://schemas.microsoft.com/office/powerpoint/2010/main" xmlns:p15="http://schemas.microsoft.com/office/powerpoint/2012/main" xmlns:mc="http://schemas.openxmlformats.org/markup-compatibility/2006" type="titleOnly" preserve="1">
-  <p:cSld name="Title Only">
+<p:sldLayout xmlns:a="http://schemas.openxmlformats.org/drawingml/2006/main" xmlns:p="http://schemas.openxmlformats.org/presentationml/2006/main" xmlns:r="http://schemas.openxmlformats.org/officeDocument/2006/relationships" xmlns:p14="http://schemas.microsoft.com/office/powerpoint/2010/main" xmlns:p15="http://schemas.microsoft.com/office/powerpoint/2012/main" xmlns:mc="http://schemas.openxmlformats.org/markup-compatibility/2006" type="blank" preserve="1">
+  <p:cSld name="Section Header">
     <p:bg>
       <p:bgPr>
         <a:solidFill>
@@ -5235,7 +4957,7 @@
       </p:grpSpPr>
       <p:sp>
         <p:nvSpPr>
-          <p:cNvPr id="39" name="PlaceHolder 1"/>
+          <p:cNvPr id="35" name="PlaceHolder 1"/>
           <p:cNvSpPr>
             <a:spLocks noGrp="1"/>
           </p:cNvSpPr>
@@ -5245,8 +4967,8 @@
         </p:nvSpPr>
         <p:spPr>
           <a:xfrm>
-            <a:off x="838080" y="365040"/>
-            <a:ext cx="10515240" cy="1325160"/>
+            <a:off x="831960" y="1709640"/>
+            <a:ext cx="10514880" cy="2851920"/>
           </a:xfrm>
           <a:prstGeom prst="rect">
             <a:avLst/>
@@ -5257,7 +4979,7 @@
           </a:ln>
         </p:spPr>
         <p:txBody>
-          <a:bodyPr lIns="91440" rIns="91440" tIns="45720" bIns="45720" anchor="ctr">
+          <a:bodyPr lIns="91440" rIns="91440" tIns="45720" bIns="45720" anchor="b">
             <a:noAutofit/>
           </a:bodyPr>
           <a:p>
@@ -5266,9 +4988,12 @@
                 <a:spcPct val="90000"/>
               </a:lnSpc>
               <a:buNone/>
-            </a:pPr>
-            <a:r>
-              <a:rPr b="0" lang="en-US" sz="4400" strike="noStrike" u="none">
+              <a:tabLst>
+                <a:tab algn="l" pos="0"/>
+              </a:tabLst>
+            </a:pPr>
+            <a:r>
+              <a:rPr b="0" lang="en-US" sz="6000" strike="noStrike" u="none">
                 <a:solidFill>
                   <a:schemeClr val="dk1"/>
                 </a:solidFill>
@@ -5278,20 +5003,84 @@
               </a:rPr>
               <a:t>Click to edit Master title style</a:t>
             </a:r>
-            <a:endParaRPr b="0" lang="en-US" sz="4400" strike="noStrike" u="none">
-              <a:solidFill>
-                <a:schemeClr val="dk1"/>
-              </a:solidFill>
-              <a:effectLst/>
-              <a:uFillTx/>
-              <a:latin typeface="Calibri"/>
+            <a:endParaRPr b="0" lang="en-US" sz="6000" strike="noStrike" u="none">
+              <a:solidFill>
+                <a:srgbClr val="000000"/>
+              </a:solidFill>
+              <a:effectLst/>
+              <a:uFillTx/>
+              <a:latin typeface="Arial"/>
             </a:endParaRPr>
           </a:p>
         </p:txBody>
       </p:sp>
       <p:sp>
         <p:nvSpPr>
-          <p:cNvPr id="40" name="PlaceHolder 2"/>
+          <p:cNvPr id="36" name="PlaceHolder 2"/>
+          <p:cNvSpPr>
+            <a:spLocks noGrp="1"/>
+          </p:cNvSpPr>
+          <p:nvPr>
+            <p:ph type="body"/>
+          </p:nvPr>
+        </p:nvSpPr>
+        <p:spPr>
+          <a:xfrm>
+            <a:off x="831960" y="4589640"/>
+            <a:ext cx="10514880" cy="1499400"/>
+          </a:xfrm>
+          <a:prstGeom prst="rect">
+            <a:avLst/>
+          </a:prstGeom>
+          <a:noFill/>
+          <a:ln w="0">
+            <a:noFill/>
+          </a:ln>
+        </p:spPr>
+        <p:txBody>
+          <a:bodyPr lIns="91440" rIns="91440" tIns="45720" bIns="45720" anchor="t">
+            <a:noAutofit/>
+          </a:bodyPr>
+          <a:p>
+            <a:pPr indent="0" defTabSz="914400">
+              <a:lnSpc>
+                <a:spcPct val="90000"/>
+              </a:lnSpc>
+              <a:spcBef>
+                <a:spcPts val="1001"/>
+              </a:spcBef>
+              <a:buNone/>
+              <a:tabLst>
+                <a:tab algn="l" pos="0"/>
+              </a:tabLst>
+            </a:pPr>
+            <a:r>
+              <a:rPr b="0" lang="en-US" sz="2400" strike="noStrike" u="none">
+                <a:solidFill>
+                  <a:schemeClr val="dk1">
+                    <a:tint val="75000"/>
+                  </a:schemeClr>
+                </a:solidFill>
+                <a:effectLst/>
+                <a:uFillTx/>
+                <a:latin typeface="Calibri"/>
+              </a:rPr>
+              <a:t>Click to edit Master text styles</a:t>
+            </a:r>
+            <a:endParaRPr b="0" lang="en-US" sz="2400" strike="noStrike" u="none">
+              <a:solidFill>
+                <a:srgbClr val="000000"/>
+              </a:solidFill>
+              <a:effectLst/>
+              <a:uFillTx/>
+              <a:latin typeface="Arial"/>
+            </a:endParaRPr>
+          </a:p>
+        </p:txBody>
+      </p:sp>
+      <p:sp>
+        <p:nvSpPr>
+          <p:cNvPr id="37" name="PlaceHolder 3"/>
           <p:cNvSpPr>
             <a:spLocks noGrp="1"/>
           </p:cNvSpPr>
@@ -5302,7 +5091,7 @@
         <p:spPr>
           <a:xfrm>
             <a:off x="838080" y="6356520"/>
-            <a:ext cx="2742840" cy="364680"/>
+            <a:ext cx="2742480" cy="364320"/>
           </a:xfrm>
           <a:prstGeom prst="rect">
             <a:avLst/>
@@ -5322,6 +5111,9 @@
                 <a:spcPct val="100000"/>
               </a:lnSpc>
               <a:buNone/>
+              <a:tabLst>
+                <a:tab algn="l" pos="0"/>
+              </a:tabLst>
               <a:defRPr b="0" lang="en-US" sz="1200" strike="noStrike" u="none">
                 <a:solidFill>
                   <a:schemeClr val="dk1">
@@ -5340,6 +5132,9 @@
                 <a:spcPct val="100000"/>
               </a:lnSpc>
               <a:buNone/>
+              <a:tabLst>
+                <a:tab algn="l" pos="0"/>
+              </a:tabLst>
             </a:pPr>
             <a:r>
               <a:rPr b="0" lang="en-US" sz="1200" strike="noStrike" u="none">
@@ -5367,7 +5162,7 @@
       </p:sp>
       <p:sp>
         <p:nvSpPr>
-          <p:cNvPr id="41" name="PlaceHolder 3"/>
+          <p:cNvPr id="38" name="PlaceHolder 4"/>
           <p:cNvSpPr>
             <a:spLocks noGrp="1"/>
           </p:cNvSpPr>
@@ -5378,7 +5173,7 @@
         <p:spPr>
           <a:xfrm>
             <a:off x="4038480" y="6356520"/>
-            <a:ext cx="4114440" cy="364680"/>
+            <a:ext cx="4114080" cy="364320"/>
           </a:xfrm>
           <a:prstGeom prst="rect">
             <a:avLst/>
@@ -5394,7 +5189,13 @@
           </a:bodyPr>
           <a:lstStyle>
             <a:lvl1pPr indent="0" algn="ctr">
+              <a:lnSpc>
+                <a:spcPct val="100000"/>
+              </a:lnSpc>
               <a:buNone/>
+              <a:tabLst>
+                <a:tab algn="l" pos="0"/>
+              </a:tabLst>
               <a:defRPr b="0" lang="en-US" sz="1400" strike="noStrike" u="none">
                 <a:solidFill>
                   <a:srgbClr val="000000"/>
@@ -5407,7 +5208,13 @@
           </a:lstStyle>
           <a:p>
             <a:pPr indent="0" algn="ctr">
+              <a:lnSpc>
+                <a:spcPct val="100000"/>
+              </a:lnSpc>
               <a:buNone/>
+              <a:tabLst>
+                <a:tab algn="l" pos="0"/>
+              </a:tabLst>
             </a:pPr>
             <a:r>
               <a:rPr b="0" lang="en-US" sz="1400" strike="noStrike" u="none">
@@ -5433,7 +5240,7 @@
       </p:sp>
       <p:sp>
         <p:nvSpPr>
-          <p:cNvPr id="42" name="PlaceHolder 4"/>
+          <p:cNvPr id="39" name="PlaceHolder 5"/>
           <p:cNvSpPr>
             <a:spLocks noGrp="1"/>
           </p:cNvSpPr>
@@ -5444,7 +5251,7 @@
         <p:spPr>
           <a:xfrm>
             <a:off x="8610480" y="6356520"/>
-            <a:ext cx="2742840" cy="364680"/>
+            <a:ext cx="2742480" cy="364320"/>
           </a:xfrm>
           <a:prstGeom prst="rect">
             <a:avLst/>
@@ -5464,6 +5271,9 @@
                 <a:spcPct val="100000"/>
               </a:lnSpc>
               <a:buNone/>
+              <a:tabLst>
+                <a:tab algn="l" pos="0"/>
+              </a:tabLst>
               <a:defRPr b="0" lang="en-US" sz="1200" strike="noStrike" u="none">
                 <a:solidFill>
                   <a:schemeClr val="dk1">
@@ -5482,8 +5292,11 @@
                 <a:spcPct val="100000"/>
               </a:lnSpc>
               <a:buNone/>
-            </a:pPr>
-            <a:fld id="{5A57E037-80C1-44B8-A184-B6E57D32D5E8}" type="slidenum">
+              <a:tabLst>
+                <a:tab algn="l" pos="0"/>
+              </a:tabLst>
+            </a:pPr>
+            <a:fld id="{8932511B-E25C-4B16-8EA5-4C31A7E3288E}" type="slidenum">
               <a:rPr b="0" lang="en-US" sz="1200" strike="noStrike" u="none">
                 <a:solidFill>
                   <a:schemeClr val="dk1">
@@ -5513,8 +5326,8 @@
 </file>
 
 <file path=ppt/slideLayouts/slideLayout9.xml><?xml version="1.0" encoding="utf-8"?>
-<p:sldLayout xmlns:a="http://schemas.openxmlformats.org/drawingml/2006/main" xmlns:p="http://schemas.openxmlformats.org/presentationml/2006/main" xmlns:r="http://schemas.openxmlformats.org/officeDocument/2006/relationships" xmlns:p14="http://schemas.microsoft.com/office/powerpoint/2010/main" xmlns:p15="http://schemas.microsoft.com/office/powerpoint/2012/main" xmlns:mc="http://schemas.openxmlformats.org/markup-compatibility/2006" type="blank" preserve="1">
-  <p:cSld name="Blank">
+<p:sldLayout xmlns:a="http://schemas.openxmlformats.org/drawingml/2006/main" xmlns:p="http://schemas.openxmlformats.org/presentationml/2006/main" xmlns:r="http://schemas.openxmlformats.org/officeDocument/2006/relationships" xmlns:p14="http://schemas.microsoft.com/office/powerpoint/2010/main" xmlns:p15="http://schemas.microsoft.com/office/powerpoint/2012/main" xmlns:mc="http://schemas.openxmlformats.org/markup-compatibility/2006" type="twoObj" preserve="1">
+  <p:cSld name="Two Content">
     <p:bg>
       <p:bgPr>
         <a:solidFill>
@@ -5538,7 +5351,464 @@
       </p:grpSpPr>
       <p:sp>
         <p:nvSpPr>
-          <p:cNvPr id="43" name="PlaceHolder 1"/>
+          <p:cNvPr id="40" name="PlaceHolder 1"/>
+          <p:cNvSpPr>
+            <a:spLocks noGrp="1"/>
+          </p:cNvSpPr>
+          <p:nvPr>
+            <p:ph type="title"/>
+          </p:nvPr>
+        </p:nvSpPr>
+        <p:spPr>
+          <a:xfrm>
+            <a:off x="838080" y="365040"/>
+            <a:ext cx="10514880" cy="1324800"/>
+          </a:xfrm>
+          <a:prstGeom prst="rect">
+            <a:avLst/>
+          </a:prstGeom>
+          <a:noFill/>
+          <a:ln w="0">
+            <a:noFill/>
+          </a:ln>
+        </p:spPr>
+        <p:txBody>
+          <a:bodyPr lIns="91440" rIns="91440" tIns="45720" bIns="45720" anchor="ctr">
+            <a:noAutofit/>
+          </a:bodyPr>
+          <a:p>
+            <a:pPr indent="0" defTabSz="914400">
+              <a:lnSpc>
+                <a:spcPct val="90000"/>
+              </a:lnSpc>
+              <a:buNone/>
+              <a:tabLst>
+                <a:tab algn="l" pos="0"/>
+              </a:tabLst>
+            </a:pPr>
+            <a:r>
+              <a:rPr b="0" lang="en-US" sz="4400" strike="noStrike" u="none">
+                <a:solidFill>
+                  <a:schemeClr val="dk1"/>
+                </a:solidFill>
+                <a:effectLst/>
+                <a:uFillTx/>
+                <a:latin typeface="Calibri Light"/>
+              </a:rPr>
+              <a:t>Click to edit Master title style</a:t>
+            </a:r>
+            <a:endParaRPr b="0" lang="en-US" sz="4400" strike="noStrike" u="none">
+              <a:solidFill>
+                <a:srgbClr val="000000"/>
+              </a:solidFill>
+              <a:effectLst/>
+              <a:uFillTx/>
+              <a:latin typeface="Arial"/>
+            </a:endParaRPr>
+          </a:p>
+        </p:txBody>
+      </p:sp>
+      <p:sp>
+        <p:nvSpPr>
+          <p:cNvPr id="41" name="PlaceHolder 2"/>
+          <p:cNvSpPr>
+            <a:spLocks noGrp="1"/>
+          </p:cNvSpPr>
+          <p:nvPr>
+            <p:ph type="body"/>
+          </p:nvPr>
+        </p:nvSpPr>
+        <p:spPr>
+          <a:xfrm>
+            <a:off x="838080" y="1825560"/>
+            <a:ext cx="5180760" cy="4350600"/>
+          </a:xfrm>
+          <a:prstGeom prst="rect">
+            <a:avLst/>
+          </a:prstGeom>
+          <a:noFill/>
+          <a:ln w="0">
+            <a:noFill/>
+          </a:ln>
+        </p:spPr>
+        <p:txBody>
+          <a:bodyPr lIns="91440" rIns="91440" tIns="45720" bIns="45720" anchor="t">
+            <a:noAutofit/>
+          </a:bodyPr>
+          <a:p>
+            <a:pPr marL="228600" indent="-228600" defTabSz="914400">
+              <a:lnSpc>
+                <a:spcPct val="90000"/>
+              </a:lnSpc>
+              <a:spcBef>
+                <a:spcPts val="1001"/>
+              </a:spcBef>
+              <a:buClr>
+                <a:srgbClr val="000000"/>
+              </a:buClr>
+              <a:buFont typeface="Arial"/>
+              <a:buChar char="•"/>
+            </a:pPr>
+            <a:r>
+              <a:rPr b="0" lang="en-US" sz="2800" strike="noStrike" u="none">
+                <a:solidFill>
+                  <a:schemeClr val="dk1"/>
+                </a:solidFill>
+                <a:effectLst/>
+                <a:uFillTx/>
+                <a:latin typeface="Calibri"/>
+              </a:rPr>
+              <a:t>Click to edit Master text styles</a:t>
+            </a:r>
+            <a:endParaRPr b="0" lang="en-US" sz="2800" strike="noStrike" u="none">
+              <a:solidFill>
+                <a:srgbClr val="000000"/>
+              </a:solidFill>
+              <a:effectLst/>
+              <a:uFillTx/>
+              <a:latin typeface="Arial"/>
+            </a:endParaRPr>
+          </a:p>
+          <a:p>
+            <a:pPr lvl="1" marL="685800" indent="-228600" defTabSz="914400">
+              <a:lnSpc>
+                <a:spcPct val="90000"/>
+              </a:lnSpc>
+              <a:spcBef>
+                <a:spcPts val="499"/>
+              </a:spcBef>
+              <a:buClr>
+                <a:srgbClr val="000000"/>
+              </a:buClr>
+              <a:buFont typeface="Arial"/>
+              <a:buChar char="•"/>
+            </a:pPr>
+            <a:r>
+              <a:rPr b="0" lang="en-US" sz="2400" strike="noStrike" u="none">
+                <a:solidFill>
+                  <a:schemeClr val="dk1"/>
+                </a:solidFill>
+                <a:effectLst/>
+                <a:uFillTx/>
+                <a:latin typeface="Calibri"/>
+              </a:rPr>
+              <a:t>Second level</a:t>
+            </a:r>
+            <a:endParaRPr b="0" lang="en-US" sz="2400" strike="noStrike" u="none">
+              <a:solidFill>
+                <a:srgbClr val="000000"/>
+              </a:solidFill>
+              <a:effectLst/>
+              <a:uFillTx/>
+              <a:latin typeface="Arial"/>
+            </a:endParaRPr>
+          </a:p>
+          <a:p>
+            <a:pPr lvl="2" marL="1143000" indent="-228600" defTabSz="914400">
+              <a:lnSpc>
+                <a:spcPct val="90000"/>
+              </a:lnSpc>
+              <a:spcBef>
+                <a:spcPts val="499"/>
+              </a:spcBef>
+              <a:buClr>
+                <a:srgbClr val="000000"/>
+              </a:buClr>
+              <a:buFont typeface="Arial"/>
+              <a:buChar char="•"/>
+            </a:pPr>
+            <a:r>
+              <a:rPr b="0" lang="en-US" sz="2000" strike="noStrike" u="none">
+                <a:solidFill>
+                  <a:schemeClr val="dk1"/>
+                </a:solidFill>
+                <a:effectLst/>
+                <a:uFillTx/>
+                <a:latin typeface="Calibri"/>
+              </a:rPr>
+              <a:t>Third level</a:t>
+            </a:r>
+            <a:endParaRPr b="0" lang="en-US" sz="2000" strike="noStrike" u="none">
+              <a:solidFill>
+                <a:srgbClr val="000000"/>
+              </a:solidFill>
+              <a:effectLst/>
+              <a:uFillTx/>
+              <a:latin typeface="Arial"/>
+            </a:endParaRPr>
+          </a:p>
+          <a:p>
+            <a:pPr lvl="3" marL="1600200" indent="-228600" defTabSz="914400">
+              <a:lnSpc>
+                <a:spcPct val="90000"/>
+              </a:lnSpc>
+              <a:spcBef>
+                <a:spcPts val="499"/>
+              </a:spcBef>
+              <a:buClr>
+                <a:srgbClr val="000000"/>
+              </a:buClr>
+              <a:buFont typeface="Arial"/>
+              <a:buChar char="•"/>
+            </a:pPr>
+            <a:r>
+              <a:rPr b="0" lang="en-US" sz="1800" strike="noStrike" u="none">
+                <a:solidFill>
+                  <a:schemeClr val="dk1"/>
+                </a:solidFill>
+                <a:effectLst/>
+                <a:uFillTx/>
+                <a:latin typeface="Calibri"/>
+              </a:rPr>
+              <a:t>Fourth level</a:t>
+            </a:r>
+            <a:endParaRPr b="0" lang="en-US" sz="1800" strike="noStrike" u="none">
+              <a:solidFill>
+                <a:srgbClr val="000000"/>
+              </a:solidFill>
+              <a:effectLst/>
+              <a:uFillTx/>
+              <a:latin typeface="Arial"/>
+            </a:endParaRPr>
+          </a:p>
+          <a:p>
+            <a:pPr lvl="4" marL="2057400" indent="-228600" defTabSz="914400">
+              <a:lnSpc>
+                <a:spcPct val="90000"/>
+              </a:lnSpc>
+              <a:spcBef>
+                <a:spcPts val="499"/>
+              </a:spcBef>
+              <a:buClr>
+                <a:srgbClr val="000000"/>
+              </a:buClr>
+              <a:buFont typeface="Arial"/>
+              <a:buChar char="•"/>
+            </a:pPr>
+            <a:r>
+              <a:rPr b="0" lang="en-US" sz="1800" strike="noStrike" u="none">
+                <a:solidFill>
+                  <a:schemeClr val="dk1"/>
+                </a:solidFill>
+                <a:effectLst/>
+                <a:uFillTx/>
+                <a:latin typeface="Calibri"/>
+              </a:rPr>
+              <a:t>Fifth level</a:t>
+            </a:r>
+            <a:endParaRPr b="0" lang="en-US" sz="1800" strike="noStrike" u="none">
+              <a:solidFill>
+                <a:srgbClr val="000000"/>
+              </a:solidFill>
+              <a:effectLst/>
+              <a:uFillTx/>
+              <a:latin typeface="Arial"/>
+            </a:endParaRPr>
+          </a:p>
+        </p:txBody>
+      </p:sp>
+      <p:sp>
+        <p:nvSpPr>
+          <p:cNvPr id="42" name="PlaceHolder 3"/>
+          <p:cNvSpPr>
+            <a:spLocks noGrp="1"/>
+          </p:cNvSpPr>
+          <p:nvPr>
+            <p:ph type="body"/>
+          </p:nvPr>
+        </p:nvSpPr>
+        <p:spPr>
+          <a:xfrm>
+            <a:off x="6172200" y="1825560"/>
+            <a:ext cx="5180760" cy="4350600"/>
+          </a:xfrm>
+          <a:prstGeom prst="rect">
+            <a:avLst/>
+          </a:prstGeom>
+          <a:noFill/>
+          <a:ln w="0">
+            <a:noFill/>
+          </a:ln>
+        </p:spPr>
+        <p:txBody>
+          <a:bodyPr lIns="91440" rIns="91440" tIns="45720" bIns="45720" anchor="t">
+            <a:noAutofit/>
+          </a:bodyPr>
+          <a:p>
+            <a:pPr marL="228600" indent="-228600" defTabSz="914400">
+              <a:lnSpc>
+                <a:spcPct val="90000"/>
+              </a:lnSpc>
+              <a:spcBef>
+                <a:spcPts val="1001"/>
+              </a:spcBef>
+              <a:buClr>
+                <a:srgbClr val="000000"/>
+              </a:buClr>
+              <a:buFont typeface="Arial"/>
+              <a:buChar char="•"/>
+            </a:pPr>
+            <a:r>
+              <a:rPr b="0" lang="en-US" sz="2800" strike="noStrike" u="none">
+                <a:solidFill>
+                  <a:schemeClr val="dk1"/>
+                </a:solidFill>
+                <a:effectLst/>
+                <a:uFillTx/>
+                <a:latin typeface="Calibri"/>
+              </a:rPr>
+              <a:t>Click to edit Master text styles</a:t>
+            </a:r>
+            <a:endParaRPr b="0" lang="en-US" sz="2800" strike="noStrike" u="none">
+              <a:solidFill>
+                <a:srgbClr val="000000"/>
+              </a:solidFill>
+              <a:effectLst/>
+              <a:uFillTx/>
+              <a:latin typeface="Arial"/>
+            </a:endParaRPr>
+          </a:p>
+          <a:p>
+            <a:pPr lvl="1" marL="685800" indent="-228600" defTabSz="914400">
+              <a:lnSpc>
+                <a:spcPct val="90000"/>
+              </a:lnSpc>
+              <a:spcBef>
+                <a:spcPts val="499"/>
+              </a:spcBef>
+              <a:buClr>
+                <a:srgbClr val="000000"/>
+              </a:buClr>
+              <a:buFont typeface="Arial"/>
+              <a:buChar char="•"/>
+            </a:pPr>
+            <a:r>
+              <a:rPr b="0" lang="en-US" sz="2400" strike="noStrike" u="none">
+                <a:solidFill>
+                  <a:schemeClr val="dk1"/>
+                </a:solidFill>
+                <a:effectLst/>
+                <a:uFillTx/>
+                <a:latin typeface="Calibri"/>
+              </a:rPr>
+              <a:t>Second level</a:t>
+            </a:r>
+            <a:endParaRPr b="0" lang="en-US" sz="2400" strike="noStrike" u="none">
+              <a:solidFill>
+                <a:srgbClr val="000000"/>
+              </a:solidFill>
+              <a:effectLst/>
+              <a:uFillTx/>
+              <a:latin typeface="Arial"/>
+            </a:endParaRPr>
+          </a:p>
+          <a:p>
+            <a:pPr lvl="2" marL="1143000" indent="-228600" defTabSz="914400">
+              <a:lnSpc>
+                <a:spcPct val="90000"/>
+              </a:lnSpc>
+              <a:spcBef>
+                <a:spcPts val="499"/>
+              </a:spcBef>
+              <a:buClr>
+                <a:srgbClr val="000000"/>
+              </a:buClr>
+              <a:buFont typeface="Arial"/>
+              <a:buChar char="•"/>
+            </a:pPr>
+            <a:r>
+              <a:rPr b="0" lang="en-US" sz="2000" strike="noStrike" u="none">
+                <a:solidFill>
+                  <a:schemeClr val="dk1"/>
+                </a:solidFill>
+                <a:effectLst/>
+                <a:uFillTx/>
+                <a:latin typeface="Calibri"/>
+              </a:rPr>
+              <a:t>Third level</a:t>
+            </a:r>
+            <a:endParaRPr b="0" lang="en-US" sz="2000" strike="noStrike" u="none">
+              <a:solidFill>
+                <a:srgbClr val="000000"/>
+              </a:solidFill>
+              <a:effectLst/>
+              <a:uFillTx/>
+              <a:latin typeface="Arial"/>
+            </a:endParaRPr>
+          </a:p>
+          <a:p>
+            <a:pPr lvl="3" marL="1600200" indent="-228600" defTabSz="914400">
+              <a:lnSpc>
+                <a:spcPct val="90000"/>
+              </a:lnSpc>
+              <a:spcBef>
+                <a:spcPts val="499"/>
+              </a:spcBef>
+              <a:buClr>
+                <a:srgbClr val="000000"/>
+              </a:buClr>
+              <a:buFont typeface="Arial"/>
+              <a:buChar char="•"/>
+            </a:pPr>
+            <a:r>
+              <a:rPr b="0" lang="en-US" sz="1800" strike="noStrike" u="none">
+                <a:solidFill>
+                  <a:schemeClr val="dk1"/>
+                </a:solidFill>
+                <a:effectLst/>
+                <a:uFillTx/>
+                <a:latin typeface="Calibri"/>
+              </a:rPr>
+              <a:t>Fourth level</a:t>
+            </a:r>
+            <a:endParaRPr b="0" lang="en-US" sz="1800" strike="noStrike" u="none">
+              <a:solidFill>
+                <a:srgbClr val="000000"/>
+              </a:solidFill>
+              <a:effectLst/>
+              <a:uFillTx/>
+              <a:latin typeface="Arial"/>
+            </a:endParaRPr>
+          </a:p>
+          <a:p>
+            <a:pPr lvl="4" marL="2057400" indent="-228600" defTabSz="914400">
+              <a:lnSpc>
+                <a:spcPct val="90000"/>
+              </a:lnSpc>
+              <a:spcBef>
+                <a:spcPts val="499"/>
+              </a:spcBef>
+              <a:buClr>
+                <a:srgbClr val="000000"/>
+              </a:buClr>
+              <a:buFont typeface="Arial"/>
+              <a:buChar char="•"/>
+            </a:pPr>
+            <a:r>
+              <a:rPr b="0" lang="en-US" sz="1800" strike="noStrike" u="none">
+                <a:solidFill>
+                  <a:schemeClr val="dk1"/>
+                </a:solidFill>
+                <a:effectLst/>
+                <a:uFillTx/>
+                <a:latin typeface="Calibri"/>
+              </a:rPr>
+              <a:t>Fifth level</a:t>
+            </a:r>
+            <a:endParaRPr b="0" lang="en-US" sz="1800" strike="noStrike" u="none">
+              <a:solidFill>
+                <a:srgbClr val="000000"/>
+              </a:solidFill>
+              <a:effectLst/>
+              <a:uFillTx/>
+              <a:latin typeface="Arial"/>
+            </a:endParaRPr>
+          </a:p>
+        </p:txBody>
+      </p:sp>
+      <p:sp>
+        <p:nvSpPr>
+          <p:cNvPr id="43" name="PlaceHolder 4"/>
           <p:cNvSpPr>
             <a:spLocks noGrp="1"/>
           </p:cNvSpPr>
@@ -5549,7 +5819,7 @@
         <p:spPr>
           <a:xfrm>
             <a:off x="838080" y="6356520"/>
-            <a:ext cx="2742840" cy="364680"/>
+            <a:ext cx="2742480" cy="364320"/>
           </a:xfrm>
           <a:prstGeom prst="rect">
             <a:avLst/>
@@ -5569,6 +5839,9 @@
                 <a:spcPct val="100000"/>
               </a:lnSpc>
               <a:buNone/>
+              <a:tabLst>
+                <a:tab algn="l" pos="0"/>
+              </a:tabLst>
               <a:defRPr b="0" lang="en-US" sz="1200" strike="noStrike" u="none">
                 <a:solidFill>
                   <a:schemeClr val="dk1">
@@ -5587,6 +5860,9 @@
                 <a:spcPct val="100000"/>
               </a:lnSpc>
               <a:buNone/>
+              <a:tabLst>
+                <a:tab algn="l" pos="0"/>
+              </a:tabLst>
             </a:pPr>
             <a:r>
               <a:rPr b="0" lang="en-US" sz="1200" strike="noStrike" u="none">
@@ -5614,7 +5890,7 @@
       </p:sp>
       <p:sp>
         <p:nvSpPr>
-          <p:cNvPr id="44" name="PlaceHolder 2"/>
+          <p:cNvPr id="44" name="PlaceHolder 5"/>
           <p:cNvSpPr>
             <a:spLocks noGrp="1"/>
           </p:cNvSpPr>
@@ -5625,7 +5901,7 @@
         <p:spPr>
           <a:xfrm>
             <a:off x="4038480" y="6356520"/>
-            <a:ext cx="4114440" cy="364680"/>
+            <a:ext cx="4114080" cy="364320"/>
           </a:xfrm>
           <a:prstGeom prst="rect">
             <a:avLst/>
@@ -5641,7 +5917,13 @@
           </a:bodyPr>
           <a:lstStyle>
             <a:lvl1pPr indent="0" algn="ctr">
+              <a:lnSpc>
+                <a:spcPct val="100000"/>
+              </a:lnSpc>
               <a:buNone/>
+              <a:tabLst>
+                <a:tab algn="l" pos="0"/>
+              </a:tabLst>
               <a:defRPr b="0" lang="en-US" sz="1400" strike="noStrike" u="none">
                 <a:solidFill>
                   <a:srgbClr val="000000"/>
@@ -5654,7 +5936,13 @@
           </a:lstStyle>
           <a:p>
             <a:pPr indent="0" algn="ctr">
+              <a:lnSpc>
+                <a:spcPct val="100000"/>
+              </a:lnSpc>
               <a:buNone/>
+              <a:tabLst>
+                <a:tab algn="l" pos="0"/>
+              </a:tabLst>
             </a:pPr>
             <a:r>
               <a:rPr b="0" lang="en-US" sz="1400" strike="noStrike" u="none">
@@ -5680,7 +5968,7 @@
       </p:sp>
       <p:sp>
         <p:nvSpPr>
-          <p:cNvPr id="45" name="PlaceHolder 3"/>
+          <p:cNvPr id="45" name="PlaceHolder 6"/>
           <p:cNvSpPr>
             <a:spLocks noGrp="1"/>
           </p:cNvSpPr>
@@ -5691,7 +5979,7 @@
         <p:spPr>
           <a:xfrm>
             <a:off x="8610480" y="6356520"/>
-            <a:ext cx="2742840" cy="364680"/>
+            <a:ext cx="2742480" cy="364320"/>
           </a:xfrm>
           <a:prstGeom prst="rect">
             <a:avLst/>
@@ -5711,6 +5999,9 @@
                 <a:spcPct val="100000"/>
               </a:lnSpc>
               <a:buNone/>
+              <a:tabLst>
+                <a:tab algn="l" pos="0"/>
+              </a:tabLst>
               <a:defRPr b="0" lang="en-US" sz="1200" strike="noStrike" u="none">
                 <a:solidFill>
                   <a:schemeClr val="dk1">
@@ -5729,8 +6020,11 @@
                 <a:spcPct val="100000"/>
               </a:lnSpc>
               <a:buNone/>
-            </a:pPr>
-            <a:fld id="{205BA959-ADC4-4D36-A637-88347D546193}" type="slidenum">
+              <a:tabLst>
+                <a:tab algn="l" pos="0"/>
+              </a:tabLst>
+            </a:pPr>
+            <a:fld id="{C9A1B8E8-689C-4879-A36E-80CAFF19C8E4}" type="slidenum">
               <a:rPr b="0" lang="en-US" sz="1200" strike="noStrike" u="none">
                 <a:solidFill>
                   <a:schemeClr val="dk1">
@@ -5825,7 +6119,7 @@
         <p:spPr>
           <a:xfrm>
             <a:off x="914400" y="1371600"/>
-            <a:ext cx="10058400" cy="1371600"/>
+            <a:ext cx="10058040" cy="1371240"/>
           </a:xfrm>
           <a:prstGeom prst="rect">
             <a:avLst/>
@@ -5845,6 +6139,9 @@
                 <a:spcPct val="90000"/>
               </a:lnSpc>
               <a:buNone/>
+              <a:tabLst>
+                <a:tab algn="l" pos="0"/>
+              </a:tabLst>
             </a:pPr>
             <a:r>
               <a:rPr b="0" lang="en-US" sz="6000" strike="noStrike" u="none">
@@ -5859,11 +6156,11 @@
             </a:r>
             <a:endParaRPr b="0" lang="en-US" sz="6000" strike="noStrike" u="none">
               <a:solidFill>
-                <a:schemeClr val="dk1"/>
-              </a:solidFill>
-              <a:effectLst/>
-              <a:uFillTx/>
-              <a:latin typeface="Calibri"/>
+                <a:srgbClr val="000000"/>
+              </a:solidFill>
+              <a:effectLst/>
+              <a:uFillTx/>
+              <a:latin typeface="Arial"/>
             </a:endParaRPr>
           </a:p>
         </p:txBody>
@@ -5881,7 +6178,7 @@
         <p:spPr>
           <a:xfrm>
             <a:off x="1523880" y="3145320"/>
-            <a:ext cx="9143640" cy="1655280"/>
+            <a:ext cx="9143280" cy="1654920"/>
           </a:xfrm>
           <a:prstGeom prst="rect">
             <a:avLst/>
@@ -6009,7 +6306,7 @@
         <p:spPr>
           <a:xfrm>
             <a:off x="9767880" y="822240"/>
-            <a:ext cx="1799640" cy="599760"/>
+            <a:ext cx="1799280" cy="599400"/>
           </a:xfrm>
           <a:prstGeom prst="rect">
             <a:avLst/>
@@ -6063,7 +6360,7 @@
         <p:spPr>
           <a:xfrm>
             <a:off x="838080" y="365040"/>
-            <a:ext cx="7684920" cy="1325160"/>
+            <a:ext cx="7684560" cy="1324800"/>
           </a:xfrm>
           <a:prstGeom prst="rect">
             <a:avLst/>
@@ -6083,6 +6380,9 @@
                 <a:spcPct val="90000"/>
               </a:lnSpc>
               <a:buNone/>
+              <a:tabLst>
+                <a:tab algn="l" pos="0"/>
+              </a:tabLst>
             </a:pPr>
             <a:r>
               <a:rPr b="0" lang="en-US" sz="4400" strike="noStrike" u="none">
@@ -6097,11 +6397,11 @@
             </a:r>
             <a:endParaRPr b="0" lang="en-US" sz="4400" strike="noStrike" u="none">
               <a:solidFill>
-                <a:schemeClr val="dk1"/>
-              </a:solidFill>
-              <a:effectLst/>
-              <a:uFillTx/>
-              <a:latin typeface="Calibri"/>
+                <a:srgbClr val="000000"/>
+              </a:solidFill>
+              <a:effectLst/>
+              <a:uFillTx/>
+              <a:latin typeface="Arial"/>
             </a:endParaRPr>
           </a:p>
         </p:txBody>
@@ -6119,7 +6419,7 @@
         <p:spPr>
           <a:xfrm>
             <a:off x="9553680" y="727920"/>
-            <a:ext cx="1799640" cy="599760"/>
+            <a:ext cx="1799280" cy="599400"/>
           </a:xfrm>
           <a:prstGeom prst="rect">
             <a:avLst/>
@@ -6143,7 +6443,7 @@
         <p:spPr>
           <a:xfrm>
             <a:off x="1761840" y="1714320"/>
-            <a:ext cx="8296560" cy="3543480"/>
+            <a:ext cx="8296200" cy="3543120"/>
           </a:xfrm>
           <a:prstGeom prst="rect">
             <a:avLst/>
@@ -6157,27 +6457,38 @@
       <p:sp>
         <p:nvSpPr>
           <p:cNvPr id="91" name=""/>
-          <p:cNvSpPr txBox="1"/>
+          <p:cNvSpPr/>
           <p:nvPr/>
         </p:nvSpPr>
         <p:spPr>
           <a:xfrm>
             <a:off x="1828800" y="5486400"/>
-            <a:ext cx="8229600" cy="1143000"/>
-          </a:xfrm>
-          <a:prstGeom prst="rect">
-            <a:avLst/>
-          </a:prstGeom>
-          <a:noFill/>
-          <a:ln w="0">
-            <a:noFill/>
-          </a:ln>
-        </p:spPr>
+            <a:ext cx="8229240" cy="1142640"/>
+          </a:xfrm>
+          <a:prstGeom prst="rect">
+            <a:avLst/>
+          </a:prstGeom>
+          <a:noFill/>
+          <a:ln w="0">
+            <a:noFill/>
+          </a:ln>
+        </p:spPr>
+        <p:style>
+          <a:lnRef idx="0"/>
+          <a:fillRef idx="0"/>
+          <a:effectRef idx="0"/>
+          <a:fontRef idx="minor"/>
+        </p:style>
         <p:txBody>
           <a:bodyPr lIns="90000" rIns="90000" tIns="45000" bIns="45000" anchor="t">
             <a:spAutoFit/>
           </a:bodyPr>
           <a:p>
+            <a:pPr>
+              <a:lnSpc>
+                <a:spcPct val="100000"/>
+              </a:lnSpc>
+            </a:pPr>
             <a:r>
               <a:rPr b="0" lang="en-US" sz="1800" strike="noStrike" u="none">
                 <a:solidFill>
@@ -6242,8 +6553,8 @@
         </p:nvSpPr>
         <p:spPr>
           <a:xfrm>
-            <a:off x="838080" y="365040"/>
-            <a:ext cx="7684920" cy="1325160"/>
+            <a:off x="838080" y="228600"/>
+            <a:ext cx="7684560" cy="1324800"/>
           </a:xfrm>
           <a:prstGeom prst="rect">
             <a:avLst/>
@@ -6263,6 +6574,9 @@
                 <a:spcPct val="90000"/>
               </a:lnSpc>
               <a:buNone/>
+              <a:tabLst>
+                <a:tab algn="l" pos="0"/>
+              </a:tabLst>
             </a:pPr>
             <a:r>
               <a:rPr b="0" lang="en-US" sz="4400" strike="noStrike" u="none">
@@ -6277,11 +6591,11 @@
             </a:r>
             <a:endParaRPr b="0" lang="en-US" sz="4400" strike="noStrike" u="none">
               <a:solidFill>
-                <a:schemeClr val="dk1"/>
-              </a:solidFill>
-              <a:effectLst/>
-              <a:uFillTx/>
-              <a:latin typeface="Calibri"/>
+                <a:srgbClr val="000000"/>
+              </a:solidFill>
+              <a:effectLst/>
+              <a:uFillTx/>
+              <a:latin typeface="Arial"/>
             </a:endParaRPr>
           </a:p>
         </p:txBody>
@@ -6299,7 +6613,7 @@
         <p:spPr>
           <a:xfrm>
             <a:off x="9553680" y="727920"/>
-            <a:ext cx="1799640" cy="599760"/>
+            <a:ext cx="1799280" cy="599400"/>
           </a:xfrm>
           <a:prstGeom prst="rect">
             <a:avLst/>
@@ -6313,28 +6627,37 @@
       <p:sp>
         <p:nvSpPr>
           <p:cNvPr id="94" name=""/>
-          <p:cNvSpPr txBox="1"/>
+          <p:cNvSpPr/>
           <p:nvPr/>
         </p:nvSpPr>
         <p:spPr>
           <a:xfrm>
-            <a:off x="685800" y="1600200"/>
-            <a:ext cx="5715000" cy="4848120"/>
-          </a:xfrm>
-          <a:prstGeom prst="rect">
-            <a:avLst/>
-          </a:prstGeom>
-          <a:noFill/>
-          <a:ln w="0">
-            <a:noFill/>
-          </a:ln>
-        </p:spPr>
+            <a:off x="686160" y="1371600"/>
+            <a:ext cx="5714640" cy="4847760"/>
+          </a:xfrm>
+          <a:prstGeom prst="rect">
+            <a:avLst/>
+          </a:prstGeom>
+          <a:noFill/>
+          <a:ln w="0">
+            <a:noFill/>
+          </a:ln>
+        </p:spPr>
+        <p:style>
+          <a:lnRef idx="0"/>
+          <a:fillRef idx="0"/>
+          <a:effectRef idx="0"/>
+          <a:fontRef idx="minor"/>
+        </p:style>
         <p:txBody>
           <a:bodyPr lIns="90000" rIns="90000" tIns="45000" bIns="45000" anchor="t">
             <a:spAutoFit/>
           </a:bodyPr>
           <a:p>
             <a:pPr marL="216000" indent="-216000">
+              <a:lnSpc>
+                <a:spcPct val="100000"/>
+              </a:lnSpc>
               <a:buClr>
                 <a:srgbClr val="000000"/>
               </a:buClr>
@@ -6364,6 +6687,9 @@
           </a:p>
           <a:p>
             <a:pPr marL="216000" indent="-216000">
+              <a:lnSpc>
+                <a:spcPct val="100000"/>
+              </a:lnSpc>
               <a:buClr>
                 <a:srgbClr val="000000"/>
               </a:buClr>
@@ -6415,6 +6741,9 @@
           </a:p>
           <a:p>
             <a:pPr marL="216000" indent="-216000">
+              <a:lnSpc>
+                <a:spcPct val="100000"/>
+              </a:lnSpc>
               <a:buClr>
                 <a:srgbClr val="000000"/>
               </a:buClr>
@@ -6511,8 +6840,8 @@
         </p:blipFill>
         <p:spPr>
           <a:xfrm>
-            <a:off x="6234840" y="2191680"/>
-            <a:ext cx="5423760" cy="3066120"/>
+            <a:off x="6400800" y="2057400"/>
+            <a:ext cx="5423400" cy="3065760"/>
           </a:xfrm>
           <a:prstGeom prst="rect">
             <a:avLst/>
@@ -6566,7 +6895,7 @@
         <p:spPr>
           <a:xfrm>
             <a:off x="838080" y="365040"/>
-            <a:ext cx="7684920" cy="1325160"/>
+            <a:ext cx="7684560" cy="1324800"/>
           </a:xfrm>
           <a:prstGeom prst="rect">
             <a:avLst/>
@@ -6586,6 +6915,9 @@
                 <a:spcPct val="90000"/>
               </a:lnSpc>
               <a:buNone/>
+              <a:tabLst>
+                <a:tab algn="l" pos="0"/>
+              </a:tabLst>
             </a:pPr>
             <a:r>
               <a:rPr b="0" lang="en-US" sz="4400" strike="noStrike" u="none">
@@ -6600,11 +6932,11 @@
             </a:r>
             <a:endParaRPr b="0" lang="en-US" sz="4400" strike="noStrike" u="none">
               <a:solidFill>
-                <a:schemeClr val="dk1"/>
-              </a:solidFill>
-              <a:effectLst/>
-              <a:uFillTx/>
-              <a:latin typeface="Calibri"/>
+                <a:srgbClr val="000000"/>
+              </a:solidFill>
+              <a:effectLst/>
+              <a:uFillTx/>
+              <a:latin typeface="Arial"/>
             </a:endParaRPr>
           </a:p>
         </p:txBody>
@@ -6622,7 +6954,7 @@
         <p:spPr>
           <a:xfrm>
             <a:off x="9553680" y="727920"/>
-            <a:ext cx="1799640" cy="599760"/>
+            <a:ext cx="1799280" cy="599400"/>
           </a:xfrm>
           <a:prstGeom prst="rect">
             <a:avLst/>
@@ -6636,28 +6968,37 @@
       <p:sp>
         <p:nvSpPr>
           <p:cNvPr id="98" name=""/>
-          <p:cNvSpPr txBox="1"/>
+          <p:cNvSpPr/>
           <p:nvPr/>
         </p:nvSpPr>
         <p:spPr>
           <a:xfrm>
             <a:off x="685800" y="1600200"/>
-            <a:ext cx="10515600" cy="4168440"/>
-          </a:xfrm>
-          <a:prstGeom prst="rect">
-            <a:avLst/>
-          </a:prstGeom>
-          <a:noFill/>
-          <a:ln w="0">
-            <a:noFill/>
-          </a:ln>
-        </p:spPr>
+            <a:ext cx="10515240" cy="4168080"/>
+          </a:xfrm>
+          <a:prstGeom prst="rect">
+            <a:avLst/>
+          </a:prstGeom>
+          <a:noFill/>
+          <a:ln w="0">
+            <a:noFill/>
+          </a:ln>
+        </p:spPr>
+        <p:style>
+          <a:lnRef idx="0"/>
+          <a:fillRef idx="0"/>
+          <a:effectRef idx="0"/>
+          <a:fontRef idx="minor"/>
+        </p:style>
         <p:txBody>
           <a:bodyPr lIns="90000" rIns="90000" tIns="45000" bIns="45000" anchor="t">
             <a:spAutoFit/>
           </a:bodyPr>
           <a:p>
             <a:pPr marL="216000" indent="-216000">
+              <a:lnSpc>
+                <a:spcPct val="100000"/>
+              </a:lnSpc>
               <a:buClr>
                 <a:srgbClr val="000000"/>
               </a:buClr>
@@ -6687,6 +7028,9 @@
           </a:p>
           <a:p>
             <a:pPr marL="216000" indent="-216000">
+              <a:lnSpc>
+                <a:spcPct val="100000"/>
+              </a:lnSpc>
               <a:buClr>
                 <a:srgbClr val="000000"/>
               </a:buClr>
@@ -6716,6 +7060,9 @@
           </a:p>
           <a:p>
             <a:pPr marL="216000" indent="-216000">
+              <a:lnSpc>
+                <a:spcPct val="100000"/>
+              </a:lnSpc>
               <a:buClr>
                 <a:srgbClr val="000000"/>
               </a:buClr>
@@ -6745,6 +7092,9 @@
           </a:p>
           <a:p>
             <a:pPr lvl="1" marL="432000" indent="-216000">
+              <a:lnSpc>
+                <a:spcPct val="100000"/>
+              </a:lnSpc>
               <a:buClr>
                 <a:srgbClr val="000000"/>
               </a:buClr>
@@ -6774,6 +7124,9 @@
           </a:p>
           <a:p>
             <a:pPr lvl="1" marL="432000" indent="-216000">
+              <a:lnSpc>
+                <a:spcPct val="100000"/>
+              </a:lnSpc>
               <a:buClr>
                 <a:srgbClr val="000000"/>
               </a:buClr>
@@ -6803,6 +7156,9 @@
           </a:p>
           <a:p>
             <a:pPr lvl="1" marL="432000" indent="-216000">
+              <a:lnSpc>
+                <a:spcPct val="100000"/>
+              </a:lnSpc>
               <a:buClr>
                 <a:srgbClr val="000000"/>
               </a:buClr>
@@ -6832,6 +7188,9 @@
           </a:p>
           <a:p>
             <a:pPr marL="216000" indent="-216000">
+              <a:lnSpc>
+                <a:spcPct val="100000"/>
+              </a:lnSpc>
               <a:buClr>
                 <a:srgbClr val="000000"/>
               </a:buClr>
@@ -6861,6 +7220,9 @@
           </a:p>
           <a:p>
             <a:pPr lvl="1" marL="432000" indent="-216000">
+              <a:lnSpc>
+                <a:spcPct val="100000"/>
+              </a:lnSpc>
               <a:buClr>
                 <a:srgbClr val="000000"/>
               </a:buClr>
@@ -6890,6 +7252,9 @@
           </a:p>
           <a:p>
             <a:pPr lvl="1" marL="432000" indent="-216000">
+              <a:lnSpc>
+                <a:spcPct val="100000"/>
+              </a:lnSpc>
               <a:buClr>
                 <a:srgbClr val="000000"/>
               </a:buClr>
@@ -6919,6 +7284,9 @@
           </a:p>
           <a:p>
             <a:pPr lvl="1" marL="432000" indent="-216000">
+              <a:lnSpc>
+                <a:spcPct val="100000"/>
+              </a:lnSpc>
               <a:buClr>
                 <a:srgbClr val="000000"/>
               </a:buClr>
@@ -6991,7 +7359,7 @@
         <p:spPr>
           <a:xfrm>
             <a:off x="838080" y="365040"/>
-            <a:ext cx="7684920" cy="1325160"/>
+            <a:ext cx="7684560" cy="1324800"/>
           </a:xfrm>
           <a:prstGeom prst="rect">
             <a:avLst/>
@@ -7011,6 +7379,9 @@
                 <a:spcPct val="90000"/>
               </a:lnSpc>
               <a:buNone/>
+              <a:tabLst>
+                <a:tab algn="l" pos="0"/>
+              </a:tabLst>
             </a:pPr>
             <a:r>
               <a:rPr b="0" lang="en-US" sz="4400" strike="noStrike" u="none">
@@ -7025,11 +7396,11 @@
             </a:r>
             <a:endParaRPr b="0" lang="en-US" sz="4400" strike="noStrike" u="none">
               <a:solidFill>
-                <a:schemeClr val="dk1"/>
-              </a:solidFill>
-              <a:effectLst/>
-              <a:uFillTx/>
-              <a:latin typeface="Calibri"/>
+                <a:srgbClr val="000000"/>
+              </a:solidFill>
+              <a:effectLst/>
+              <a:uFillTx/>
+              <a:latin typeface="Arial"/>
             </a:endParaRPr>
           </a:p>
         </p:txBody>
@@ -7047,7 +7418,7 @@
         <p:spPr>
           <a:xfrm>
             <a:off x="9553680" y="727920"/>
-            <a:ext cx="1799640" cy="599760"/>
+            <a:ext cx="1799280" cy="599400"/>
           </a:xfrm>
           <a:prstGeom prst="rect">
             <a:avLst/>
@@ -7071,7 +7442,7 @@
         <p:spPr>
           <a:xfrm>
             <a:off x="5715000" y="2743200"/>
-            <a:ext cx="5723280" cy="1842840"/>
+            <a:ext cx="5722920" cy="1842480"/>
           </a:xfrm>
           <a:prstGeom prst="rect">
             <a:avLst/>
@@ -7085,28 +7456,37 @@
       <p:sp>
         <p:nvSpPr>
           <p:cNvPr id="102" name=""/>
-          <p:cNvSpPr txBox="1"/>
+          <p:cNvSpPr/>
           <p:nvPr/>
         </p:nvSpPr>
         <p:spPr>
           <a:xfrm>
             <a:off x="914400" y="1600200"/>
-            <a:ext cx="4572000" cy="4736880"/>
-          </a:xfrm>
-          <a:prstGeom prst="rect">
-            <a:avLst/>
-          </a:prstGeom>
-          <a:noFill/>
-          <a:ln w="0">
-            <a:noFill/>
-          </a:ln>
-        </p:spPr>
+            <a:ext cx="4571640" cy="4736520"/>
+          </a:xfrm>
+          <a:prstGeom prst="rect">
+            <a:avLst/>
+          </a:prstGeom>
+          <a:noFill/>
+          <a:ln w="0">
+            <a:noFill/>
+          </a:ln>
+        </p:spPr>
+        <p:style>
+          <a:lnRef idx="0"/>
+          <a:fillRef idx="0"/>
+          <a:effectRef idx="0"/>
+          <a:fontRef idx="minor"/>
+        </p:style>
         <p:txBody>
           <a:bodyPr lIns="90000" rIns="90000" tIns="45000" bIns="45000" anchor="t">
             <a:spAutoFit/>
           </a:bodyPr>
           <a:p>
             <a:pPr marL="216000" indent="-216000">
+              <a:lnSpc>
+                <a:spcPct val="100000"/>
+              </a:lnSpc>
               <a:buClr>
                 <a:srgbClr val="000000"/>
               </a:buClr>
@@ -7136,6 +7516,9 @@
           </a:p>
           <a:p>
             <a:pPr marL="216000" indent="-216000">
+              <a:lnSpc>
+                <a:spcPct val="100000"/>
+              </a:lnSpc>
               <a:buClr>
                 <a:srgbClr val="000000"/>
               </a:buClr>
@@ -7165,6 +7548,9 @@
           </a:p>
           <a:p>
             <a:pPr marL="216000" indent="-216000">
+              <a:lnSpc>
+                <a:spcPct val="100000"/>
+              </a:lnSpc>
               <a:buClr>
                 <a:srgbClr val="000000"/>
               </a:buClr>
@@ -7237,7 +7623,7 @@
         <p:spPr>
           <a:xfrm>
             <a:off x="838080" y="365040"/>
-            <a:ext cx="7684920" cy="1325160"/>
+            <a:ext cx="7684560" cy="1324800"/>
           </a:xfrm>
           <a:prstGeom prst="rect">
             <a:avLst/>
@@ -7257,6 +7643,9 @@
                 <a:spcPct val="90000"/>
               </a:lnSpc>
               <a:buNone/>
+              <a:tabLst>
+                <a:tab algn="l" pos="0"/>
+              </a:tabLst>
             </a:pPr>
             <a:r>
               <a:rPr b="0" lang="en-US" sz="4400" strike="noStrike" u="none">
@@ -7271,11 +7660,11 @@
             </a:r>
             <a:endParaRPr b="0" lang="en-US" sz="4400" strike="noStrike" u="none">
               <a:solidFill>
-                <a:schemeClr val="dk1"/>
-              </a:solidFill>
-              <a:effectLst/>
-              <a:uFillTx/>
-              <a:latin typeface="Calibri"/>
+                <a:srgbClr val="000000"/>
+              </a:solidFill>
+              <a:effectLst/>
+              <a:uFillTx/>
+              <a:latin typeface="Arial"/>
             </a:endParaRPr>
           </a:p>
         </p:txBody>
@@ -7293,7 +7682,7 @@
         <p:spPr>
           <a:xfrm>
             <a:off x="9553680" y="727920"/>
-            <a:ext cx="1799640" cy="599760"/>
+            <a:ext cx="1799280" cy="599400"/>
           </a:xfrm>
           <a:prstGeom prst="rect">
             <a:avLst/>
@@ -7307,28 +7696,37 @@
       <p:sp>
         <p:nvSpPr>
           <p:cNvPr id="105" name=""/>
-          <p:cNvSpPr txBox="1"/>
+          <p:cNvSpPr/>
           <p:nvPr/>
         </p:nvSpPr>
         <p:spPr>
           <a:xfrm>
             <a:off x="685800" y="1828800"/>
-            <a:ext cx="4572000" cy="3200400"/>
-          </a:xfrm>
-          <a:prstGeom prst="rect">
-            <a:avLst/>
-          </a:prstGeom>
-          <a:noFill/>
-          <a:ln w="0">
-            <a:noFill/>
-          </a:ln>
-        </p:spPr>
+            <a:ext cx="4571640" cy="3200040"/>
+          </a:xfrm>
+          <a:prstGeom prst="rect">
+            <a:avLst/>
+          </a:prstGeom>
+          <a:noFill/>
+          <a:ln w="0">
+            <a:noFill/>
+          </a:ln>
+        </p:spPr>
+        <p:style>
+          <a:lnRef idx="0"/>
+          <a:fillRef idx="0"/>
+          <a:effectRef idx="0"/>
+          <a:fontRef idx="minor"/>
+        </p:style>
         <p:txBody>
           <a:bodyPr lIns="90000" rIns="90000" tIns="45000" bIns="45000" anchor="t">
             <a:spAutoFit/>
           </a:bodyPr>
           <a:p>
             <a:pPr marL="216000" indent="-216000">
+              <a:lnSpc>
+                <a:spcPct val="100000"/>
+              </a:lnSpc>
               <a:buClr>
                 <a:srgbClr val="000000"/>
               </a:buClr>
@@ -7358,6 +7756,9 @@
           </a:p>
           <a:p>
             <a:pPr marL="216000" indent="-216000">
+              <a:lnSpc>
+                <a:spcPct val="100000"/>
+              </a:lnSpc>
               <a:buClr>
                 <a:srgbClr val="000000"/>
               </a:buClr>
@@ -7400,7 +7801,7 @@
         <p:spPr>
           <a:xfrm>
             <a:off x="5257800" y="2286000"/>
-            <a:ext cx="6275520" cy="2228040"/>
+            <a:ext cx="6275160" cy="2227680"/>
           </a:xfrm>
           <a:prstGeom prst="rect">
             <a:avLst/>
@@ -7454,7 +7855,7 @@
         <p:spPr>
           <a:xfrm>
             <a:off x="838080" y="365040"/>
-            <a:ext cx="7684920" cy="1325160"/>
+            <a:ext cx="7684560" cy="1324800"/>
           </a:xfrm>
           <a:prstGeom prst="rect">
             <a:avLst/>
@@ -7474,6 +7875,9 @@
                 <a:spcPct val="90000"/>
               </a:lnSpc>
               <a:buNone/>
+              <a:tabLst>
+                <a:tab algn="l" pos="0"/>
+              </a:tabLst>
             </a:pPr>
             <a:r>
               <a:rPr b="0" lang="en-US" sz="4400" strike="noStrike" u="none">
@@ -7488,11 +7892,11 @@
             </a:r>
             <a:endParaRPr b="0" lang="en-US" sz="4400" strike="noStrike" u="none">
               <a:solidFill>
-                <a:schemeClr val="dk1"/>
-              </a:solidFill>
-              <a:effectLst/>
-              <a:uFillTx/>
-              <a:latin typeface="Calibri"/>
+                <a:srgbClr val="000000"/>
+              </a:solidFill>
+              <a:effectLst/>
+              <a:uFillTx/>
+              <a:latin typeface="Arial"/>
             </a:endParaRPr>
           </a:p>
         </p:txBody>
@@ -7510,7 +7914,7 @@
         <p:spPr>
           <a:xfrm>
             <a:off x="9553680" y="727920"/>
-            <a:ext cx="1799640" cy="599760"/>
+            <a:ext cx="1799280" cy="599400"/>
           </a:xfrm>
           <a:prstGeom prst="rect">
             <a:avLst/>
@@ -7524,28 +7928,37 @@
       <p:sp>
         <p:nvSpPr>
           <p:cNvPr id="109" name=""/>
-          <p:cNvSpPr txBox="1"/>
+          <p:cNvSpPr/>
           <p:nvPr/>
         </p:nvSpPr>
         <p:spPr>
           <a:xfrm>
             <a:off x="685800" y="1828800"/>
-            <a:ext cx="10744200" cy="3488760"/>
-          </a:xfrm>
-          <a:prstGeom prst="rect">
-            <a:avLst/>
-          </a:prstGeom>
-          <a:noFill/>
-          <a:ln w="0">
-            <a:noFill/>
-          </a:ln>
-        </p:spPr>
+            <a:ext cx="10743840" cy="3488400"/>
+          </a:xfrm>
+          <a:prstGeom prst="rect">
+            <a:avLst/>
+          </a:prstGeom>
+          <a:noFill/>
+          <a:ln w="0">
+            <a:noFill/>
+          </a:ln>
+        </p:spPr>
+        <p:style>
+          <a:lnRef idx="0"/>
+          <a:fillRef idx="0"/>
+          <a:effectRef idx="0"/>
+          <a:fontRef idx="minor"/>
+        </p:style>
         <p:txBody>
           <a:bodyPr lIns="90000" rIns="90000" tIns="45000" bIns="45000" anchor="t">
             <a:spAutoFit/>
           </a:bodyPr>
           <a:p>
             <a:pPr marL="216000" indent="-216000">
+              <a:lnSpc>
+                <a:spcPct val="100000"/>
+              </a:lnSpc>
               <a:buClr>
                 <a:srgbClr val="000000"/>
               </a:buClr>
@@ -7575,6 +7988,9 @@
           </a:p>
           <a:p>
             <a:pPr marL="216000" indent="-216000">
+              <a:lnSpc>
+                <a:spcPct val="100000"/>
+              </a:lnSpc>
               <a:buClr>
                 <a:srgbClr val="000000"/>
               </a:buClr>
@@ -7604,6 +8020,9 @@
           </a:p>
           <a:p>
             <a:pPr marL="216000" indent="-216000">
+              <a:lnSpc>
+                <a:spcPct val="100000"/>
+              </a:lnSpc>
               <a:buClr>
                 <a:srgbClr val="000000"/>
               </a:buClr>
@@ -7633,6 +8052,9 @@
           </a:p>
           <a:p>
             <a:pPr marL="216000" indent="-216000">
+              <a:lnSpc>
+                <a:spcPct val="100000"/>
+              </a:lnSpc>
               <a:buClr>
                 <a:srgbClr val="000000"/>
               </a:buClr>
@@ -7705,7 +8127,7 @@
         <p:spPr>
           <a:xfrm>
             <a:off x="838080" y="365040"/>
-            <a:ext cx="7684920" cy="1325160"/>
+            <a:ext cx="7684560" cy="1324800"/>
           </a:xfrm>
           <a:prstGeom prst="rect">
             <a:avLst/>
@@ -7725,6 +8147,9 @@
                 <a:spcPct val="90000"/>
               </a:lnSpc>
               <a:buNone/>
+              <a:tabLst>
+                <a:tab algn="l" pos="0"/>
+              </a:tabLst>
             </a:pPr>
             <a:r>
               <a:rPr b="0" lang="en-US" sz="4400" strike="noStrike" u="none">
@@ -7739,11 +8164,11 @@
             </a:r>
             <a:endParaRPr b="0" lang="en-US" sz="4400" strike="noStrike" u="none">
               <a:solidFill>
-                <a:schemeClr val="dk1"/>
-              </a:solidFill>
-              <a:effectLst/>
-              <a:uFillTx/>
-              <a:latin typeface="Calibri"/>
+                <a:srgbClr val="000000"/>
+              </a:solidFill>
+              <a:effectLst/>
+              <a:uFillTx/>
+              <a:latin typeface="Arial"/>
             </a:endParaRPr>
           </a:p>
         </p:txBody>
@@ -7761,7 +8186,7 @@
         <p:spPr>
           <a:xfrm>
             <a:off x="9553680" y="727920"/>
-            <a:ext cx="1799640" cy="599760"/>
+            <a:ext cx="1799280" cy="599400"/>
           </a:xfrm>
           <a:prstGeom prst="rect">
             <a:avLst/>
@@ -7775,28 +8200,37 @@
       <p:sp>
         <p:nvSpPr>
           <p:cNvPr id="112" name=""/>
-          <p:cNvSpPr txBox="1"/>
+          <p:cNvSpPr/>
           <p:nvPr/>
         </p:nvSpPr>
         <p:spPr>
           <a:xfrm>
             <a:off x="914400" y="1690200"/>
-            <a:ext cx="5486400" cy="4024800"/>
-          </a:xfrm>
-          <a:prstGeom prst="rect">
-            <a:avLst/>
-          </a:prstGeom>
-          <a:noFill/>
-          <a:ln w="0">
-            <a:noFill/>
-          </a:ln>
-        </p:spPr>
+            <a:ext cx="5486040" cy="4024440"/>
+          </a:xfrm>
+          <a:prstGeom prst="rect">
+            <a:avLst/>
+          </a:prstGeom>
+          <a:noFill/>
+          <a:ln w="0">
+            <a:noFill/>
+          </a:ln>
+        </p:spPr>
+        <p:style>
+          <a:lnRef idx="0"/>
+          <a:fillRef idx="0"/>
+          <a:effectRef idx="0"/>
+          <a:fontRef idx="minor"/>
+        </p:style>
         <p:txBody>
           <a:bodyPr lIns="90000" rIns="90000" tIns="45000" bIns="45000" anchor="t">
             <a:spAutoFit/>
           </a:bodyPr>
           <a:p>
             <a:pPr marL="216000" indent="-216000">
+              <a:lnSpc>
+                <a:spcPct val="100000"/>
+              </a:lnSpc>
               <a:buClr>
                 <a:srgbClr val="000000"/>
               </a:buClr>
@@ -7826,6 +8260,9 @@
           </a:p>
           <a:p>
             <a:pPr marL="216000" indent="-216000">
+              <a:lnSpc>
+                <a:spcPct val="100000"/>
+              </a:lnSpc>
               <a:buClr>
                 <a:srgbClr val="000000"/>
               </a:buClr>
@@ -7855,6 +8292,9 @@
           </a:p>
           <a:p>
             <a:pPr marL="216000" indent="-216000">
+              <a:lnSpc>
+                <a:spcPct val="100000"/>
+              </a:lnSpc>
               <a:buClr>
                 <a:srgbClr val="000000"/>
               </a:buClr>
@@ -7897,7 +8337,7 @@
         <p:spPr>
           <a:xfrm>
             <a:off x="6400800" y="1690200"/>
-            <a:ext cx="4952880" cy="3950640"/>
+            <a:ext cx="4952520" cy="3950280"/>
           </a:xfrm>
           <a:prstGeom prst="rect">
             <a:avLst/>
@@ -7951,7 +8391,7 @@
         <p:spPr>
           <a:xfrm>
             <a:off x="838080" y="365040"/>
-            <a:ext cx="7684920" cy="1325160"/>
+            <a:ext cx="7684560" cy="1324800"/>
           </a:xfrm>
           <a:prstGeom prst="rect">
             <a:avLst/>
@@ -7971,6 +8411,9 @@
                 <a:spcPct val="90000"/>
               </a:lnSpc>
               <a:buNone/>
+              <a:tabLst>
+                <a:tab algn="l" pos="0"/>
+              </a:tabLst>
             </a:pPr>
             <a:r>
               <a:rPr b="0" lang="en-US" sz="4400" strike="noStrike" u="none">
@@ -7985,11 +8428,11 @@
             </a:r>
             <a:endParaRPr b="0" lang="en-US" sz="4400" strike="noStrike" u="none">
               <a:solidFill>
-                <a:schemeClr val="dk1"/>
-              </a:solidFill>
-              <a:effectLst/>
-              <a:uFillTx/>
-              <a:latin typeface="Calibri"/>
+                <a:srgbClr val="000000"/>
+              </a:solidFill>
+              <a:effectLst/>
+              <a:uFillTx/>
+              <a:latin typeface="Arial"/>
             </a:endParaRPr>
           </a:p>
         </p:txBody>
@@ -8007,7 +8450,7 @@
         <p:spPr>
           <a:xfrm>
             <a:off x="9553680" y="727920"/>
-            <a:ext cx="1799640" cy="599760"/>
+            <a:ext cx="1799280" cy="599400"/>
           </a:xfrm>
           <a:prstGeom prst="rect">
             <a:avLst/>
@@ -8021,28 +8464,37 @@
       <p:sp>
         <p:nvSpPr>
           <p:cNvPr id="116" name=""/>
-          <p:cNvSpPr txBox="1"/>
+          <p:cNvSpPr/>
           <p:nvPr/>
         </p:nvSpPr>
         <p:spPr>
           <a:xfrm>
             <a:off x="914400" y="1828800"/>
-            <a:ext cx="5486400" cy="3567600"/>
-          </a:xfrm>
-          <a:prstGeom prst="rect">
-            <a:avLst/>
-          </a:prstGeom>
-          <a:noFill/>
-          <a:ln w="0">
-            <a:noFill/>
-          </a:ln>
-        </p:spPr>
+            <a:ext cx="5486040" cy="3567240"/>
+          </a:xfrm>
+          <a:prstGeom prst="rect">
+            <a:avLst/>
+          </a:prstGeom>
+          <a:noFill/>
+          <a:ln w="0">
+            <a:noFill/>
+          </a:ln>
+        </p:spPr>
+        <p:style>
+          <a:lnRef idx="0"/>
+          <a:fillRef idx="0"/>
+          <a:effectRef idx="0"/>
+          <a:fontRef idx="minor"/>
+        </p:style>
         <p:txBody>
           <a:bodyPr lIns="90000" rIns="90000" tIns="45000" bIns="45000" anchor="t">
             <a:spAutoFit/>
           </a:bodyPr>
           <a:p>
             <a:pPr marL="216000" indent="-216000">
+              <a:lnSpc>
+                <a:spcPct val="100000"/>
+              </a:lnSpc>
               <a:buClr>
                 <a:srgbClr val="000000"/>
               </a:buClr>
@@ -8072,6 +8524,9 @@
           </a:p>
           <a:p>
             <a:pPr marL="216000" indent="-216000">
+              <a:lnSpc>
+                <a:spcPct val="100000"/>
+              </a:lnSpc>
               <a:buClr>
                 <a:srgbClr val="000000"/>
               </a:buClr>
@@ -8101,6 +8556,9 @@
           </a:p>
           <a:p>
             <a:pPr marL="216000" indent="-216000">
+              <a:lnSpc>
+                <a:spcPct val="100000"/>
+              </a:lnSpc>
               <a:buClr>
                 <a:srgbClr val="000000"/>
               </a:buClr>
@@ -8143,7 +8601,7 @@
         <p:spPr>
           <a:xfrm>
             <a:off x="7086600" y="2286000"/>
-            <a:ext cx="3704400" cy="2723400"/>
+            <a:ext cx="3704040" cy="2723040"/>
           </a:xfrm>
           <a:prstGeom prst="rect">
             <a:avLst/>
@@ -8197,7 +8655,7 @@
         <p:spPr>
           <a:xfrm>
             <a:off x="838080" y="365040"/>
-            <a:ext cx="7684920" cy="1325160"/>
+            <a:ext cx="7684560" cy="1324800"/>
           </a:xfrm>
           <a:prstGeom prst="rect">
             <a:avLst/>
@@ -8217,6 +8675,9 @@
                 <a:spcPct val="90000"/>
               </a:lnSpc>
               <a:buNone/>
+              <a:tabLst>
+                <a:tab algn="l" pos="0"/>
+              </a:tabLst>
             </a:pPr>
             <a:r>
               <a:rPr b="0" lang="en-US" sz="4400" strike="noStrike" u="none">
@@ -8231,11 +8692,11 @@
             </a:r>
             <a:endParaRPr b="0" lang="en-US" sz="4400" strike="noStrike" u="none">
               <a:solidFill>
-                <a:schemeClr val="dk1"/>
-              </a:solidFill>
-              <a:effectLst/>
-              <a:uFillTx/>
-              <a:latin typeface="Calibri"/>
+                <a:srgbClr val="000000"/>
+              </a:solidFill>
+              <a:effectLst/>
+              <a:uFillTx/>
+              <a:latin typeface="Arial"/>
             </a:endParaRPr>
           </a:p>
         </p:txBody>
@@ -8253,7 +8714,7 @@
         <p:spPr>
           <a:xfrm>
             <a:off x="9553680" y="727920"/>
-            <a:ext cx="1799640" cy="599760"/>
+            <a:ext cx="1799280" cy="599400"/>
           </a:xfrm>
           <a:prstGeom prst="rect">
             <a:avLst/>
@@ -8267,28 +8728,37 @@
       <p:sp>
         <p:nvSpPr>
           <p:cNvPr id="120" name=""/>
-          <p:cNvSpPr txBox="1"/>
+          <p:cNvSpPr/>
           <p:nvPr/>
         </p:nvSpPr>
         <p:spPr>
           <a:xfrm>
             <a:off x="1143000" y="1828800"/>
-            <a:ext cx="10287000" cy="3886200"/>
-          </a:xfrm>
-          <a:prstGeom prst="rect">
-            <a:avLst/>
-          </a:prstGeom>
-          <a:noFill/>
-          <a:ln w="0">
-            <a:noFill/>
-          </a:ln>
-        </p:spPr>
+            <a:ext cx="10286640" cy="3885840"/>
+          </a:xfrm>
+          <a:prstGeom prst="rect">
+            <a:avLst/>
+          </a:prstGeom>
+          <a:noFill/>
+          <a:ln w="0">
+            <a:noFill/>
+          </a:ln>
+        </p:spPr>
+        <p:style>
+          <a:lnRef idx="0"/>
+          <a:fillRef idx="0"/>
+          <a:effectRef idx="0"/>
+          <a:fontRef idx="minor"/>
+        </p:style>
         <p:txBody>
           <a:bodyPr lIns="90000" rIns="90000" tIns="45000" bIns="45000" anchor="t">
             <a:spAutoFit/>
           </a:bodyPr>
           <a:p>
             <a:pPr marL="216000" indent="-216000">
+              <a:lnSpc>
+                <a:spcPct val="100000"/>
+              </a:lnSpc>
               <a:buClr>
                 <a:srgbClr val="000000"/>
               </a:buClr>
@@ -8318,6 +8788,9 @@
           </a:p>
           <a:p>
             <a:pPr marL="216000" indent="-216000">
+              <a:lnSpc>
+                <a:spcPct val="100000"/>
+              </a:lnSpc>
               <a:buClr>
                 <a:srgbClr val="000000"/>
               </a:buClr>
@@ -8347,6 +8820,9 @@
           </a:p>
           <a:p>
             <a:pPr marL="216000" indent="-216000">
+              <a:lnSpc>
+                <a:spcPct val="100000"/>
+              </a:lnSpc>
               <a:buClr>
                 <a:srgbClr val="000000"/>
               </a:buClr>
@@ -8376,6 +8852,9 @@
           </a:p>
           <a:p>
             <a:pPr marL="216000" indent="-216000">
+              <a:lnSpc>
+                <a:spcPct val="100000"/>
+              </a:lnSpc>
               <a:buClr>
                 <a:srgbClr val="000000"/>
               </a:buClr>
@@ -8448,7 +8927,7 @@
         <p:spPr>
           <a:xfrm>
             <a:off x="838080" y="365040"/>
-            <a:ext cx="7684920" cy="1325160"/>
+            <a:ext cx="7684560" cy="1324800"/>
           </a:xfrm>
           <a:prstGeom prst="rect">
             <a:avLst/>
@@ -8468,6 +8947,9 @@
                 <a:spcPct val="90000"/>
               </a:lnSpc>
               <a:buNone/>
+              <a:tabLst>
+                <a:tab algn="l" pos="0"/>
+              </a:tabLst>
             </a:pPr>
             <a:r>
               <a:rPr b="0" lang="en-US" sz="4400" strike="noStrike" u="none">
@@ -8482,11 +8964,11 @@
             </a:r>
             <a:endParaRPr b="0" lang="en-US" sz="4400" strike="noStrike" u="none">
               <a:solidFill>
-                <a:schemeClr val="dk1"/>
-              </a:solidFill>
-              <a:effectLst/>
-              <a:uFillTx/>
-              <a:latin typeface="Calibri"/>
+                <a:srgbClr val="000000"/>
+              </a:solidFill>
+              <a:effectLst/>
+              <a:uFillTx/>
+              <a:latin typeface="Arial"/>
             </a:endParaRPr>
           </a:p>
         </p:txBody>
@@ -8504,7 +8986,7 @@
         <p:spPr>
           <a:xfrm>
             <a:off x="9553680" y="727920"/>
-            <a:ext cx="1799640" cy="599760"/>
+            <a:ext cx="1799280" cy="599400"/>
           </a:xfrm>
           <a:prstGeom prst="rect">
             <a:avLst/>
@@ -8558,7 +9040,7 @@
         <p:spPr>
           <a:xfrm>
             <a:off x="838080" y="365040"/>
-            <a:ext cx="8715240" cy="1325160"/>
+            <a:ext cx="8714880" cy="1324800"/>
           </a:xfrm>
           <a:prstGeom prst="rect">
             <a:avLst/>
@@ -8578,6 +9060,9 @@
                 <a:spcPct val="90000"/>
               </a:lnSpc>
               <a:buNone/>
+              <a:tabLst>
+                <a:tab algn="l" pos="0"/>
+              </a:tabLst>
             </a:pPr>
             <a:r>
               <a:rPr b="0" lang="en-US" sz="4400" strike="noStrike" u="none">
@@ -8592,11 +9077,11 @@
             </a:r>
             <a:endParaRPr b="0" lang="en-US" sz="4400" strike="noStrike" u="none">
               <a:solidFill>
-                <a:schemeClr val="dk1"/>
-              </a:solidFill>
-              <a:effectLst/>
-              <a:uFillTx/>
-              <a:latin typeface="Calibri"/>
+                <a:srgbClr val="000000"/>
+              </a:solidFill>
+              <a:effectLst/>
+              <a:uFillTx/>
+              <a:latin typeface="Arial"/>
             </a:endParaRPr>
           </a:p>
         </p:txBody>
@@ -8614,7 +9099,7 @@
         <p:spPr>
           <a:xfrm>
             <a:off x="9553680" y="727920"/>
-            <a:ext cx="1799640" cy="599760"/>
+            <a:ext cx="1799280" cy="599400"/>
           </a:xfrm>
           <a:prstGeom prst="rect">
             <a:avLst/>
@@ -8628,27 +9113,38 @@
       <p:sp>
         <p:nvSpPr>
           <p:cNvPr id="63" name=""/>
-          <p:cNvSpPr txBox="1"/>
+          <p:cNvSpPr/>
           <p:nvPr/>
         </p:nvSpPr>
         <p:spPr>
           <a:xfrm>
             <a:off x="914400" y="1828800"/>
-            <a:ext cx="10058400" cy="3886200"/>
-          </a:xfrm>
-          <a:prstGeom prst="rect">
-            <a:avLst/>
-          </a:prstGeom>
-          <a:noFill/>
-          <a:ln w="0">
-            <a:noFill/>
-          </a:ln>
-        </p:spPr>
+            <a:ext cx="10058040" cy="3382200"/>
+          </a:xfrm>
+          <a:prstGeom prst="rect">
+            <a:avLst/>
+          </a:prstGeom>
+          <a:noFill/>
+          <a:ln w="0">
+            <a:noFill/>
+          </a:ln>
+        </p:spPr>
+        <p:style>
+          <a:lnRef idx="0"/>
+          <a:fillRef idx="0"/>
+          <a:effectRef idx="0"/>
+          <a:fontRef idx="minor"/>
+        </p:style>
         <p:txBody>
           <a:bodyPr lIns="90000" rIns="90000" tIns="45000" bIns="45000" anchor="t">
             <a:spAutoFit/>
           </a:bodyPr>
           <a:p>
+            <a:pPr>
+              <a:lnSpc>
+                <a:spcPct val="100000"/>
+              </a:lnSpc>
+            </a:pPr>
             <a:r>
               <a:rPr b="0" lang="en-US" sz="2400" strike="noStrike" u="none">
                 <a:solidFill>
@@ -8670,6 +9166,11 @@
             </a:endParaRPr>
           </a:p>
           <a:p>
+            <a:pPr>
+              <a:lnSpc>
+                <a:spcPct val="100000"/>
+              </a:lnSpc>
+            </a:pPr>
             <a:endParaRPr b="0" lang="en-US" sz="2400" strike="noStrike" u="none">
               <a:solidFill>
                 <a:srgbClr val="000000"/>
@@ -8680,6 +9181,11 @@
             </a:endParaRPr>
           </a:p>
           <a:p>
+            <a:pPr>
+              <a:lnSpc>
+                <a:spcPct val="100000"/>
+              </a:lnSpc>
+            </a:pPr>
             <a:r>
               <a:rPr b="0" lang="en-US" sz="2400" strike="noStrike" u="none">
                 <a:solidFill>
@@ -8701,6 +9207,11 @@
             </a:endParaRPr>
           </a:p>
           <a:p>
+            <a:pPr>
+              <a:lnSpc>
+                <a:spcPct val="100000"/>
+              </a:lnSpc>
+            </a:pPr>
             <a:endParaRPr b="0" lang="en-US" sz="2400" strike="noStrike" u="none">
               <a:solidFill>
                 <a:srgbClr val="000000"/>
@@ -8711,6 +9222,11 @@
             </a:endParaRPr>
           </a:p>
           <a:p>
+            <a:pPr>
+              <a:lnSpc>
+                <a:spcPct val="100000"/>
+              </a:lnSpc>
+            </a:pPr>
             <a:r>
               <a:rPr b="0" lang="en-US" sz="2400" strike="noStrike" u="none">
                 <a:solidFill>
@@ -8720,7 +9236,7 @@
                 <a:uFillTx/>
                 <a:latin typeface="Arial"/>
               </a:rPr>
-              <a:t>I will confirm or refute ProPublica’s findings.</a:t>
+              <a:t>My aim is to confirm or refute ProPublica’s findings.</a:t>
             </a:r>
             <a:endParaRPr b="0" lang="en-US" sz="2400" strike="noStrike" u="none">
               <a:solidFill>
@@ -8776,7 +9292,7 @@
         <p:spPr>
           <a:xfrm>
             <a:off x="838080" y="365040"/>
-            <a:ext cx="8715240" cy="1325160"/>
+            <a:ext cx="8714880" cy="1324800"/>
           </a:xfrm>
           <a:prstGeom prst="rect">
             <a:avLst/>
@@ -8796,6 +9312,9 @@
                 <a:spcPct val="90000"/>
               </a:lnSpc>
               <a:buNone/>
+              <a:tabLst>
+                <a:tab algn="l" pos="0"/>
+              </a:tabLst>
             </a:pPr>
             <a:r>
               <a:rPr b="0" lang="en-US" sz="4400" strike="noStrike" u="none">
@@ -8810,11 +9329,11 @@
             </a:r>
             <a:endParaRPr b="0" lang="en-US" sz="4400" strike="noStrike" u="none">
               <a:solidFill>
-                <a:schemeClr val="dk1"/>
-              </a:solidFill>
-              <a:effectLst/>
-              <a:uFillTx/>
-              <a:latin typeface="Calibri"/>
+                <a:srgbClr val="000000"/>
+              </a:solidFill>
+              <a:effectLst/>
+              <a:uFillTx/>
+              <a:latin typeface="Arial"/>
             </a:endParaRPr>
           </a:p>
         </p:txBody>
@@ -8832,7 +9351,7 @@
         <p:spPr>
           <a:xfrm>
             <a:off x="9553680" y="727920"/>
-            <a:ext cx="1799640" cy="599760"/>
+            <a:ext cx="1799280" cy="599400"/>
           </a:xfrm>
           <a:prstGeom prst="rect">
             <a:avLst/>
@@ -8846,27 +9365,38 @@
       <p:sp>
         <p:nvSpPr>
           <p:cNvPr id="66" name=""/>
-          <p:cNvSpPr txBox="1"/>
+          <p:cNvSpPr/>
           <p:nvPr/>
         </p:nvSpPr>
         <p:spPr>
           <a:xfrm>
             <a:off x="914400" y="2971800"/>
-            <a:ext cx="10058400" cy="1143000"/>
-          </a:xfrm>
-          <a:prstGeom prst="rect">
-            <a:avLst/>
-          </a:prstGeom>
-          <a:noFill/>
-          <a:ln w="0">
-            <a:noFill/>
-          </a:ln>
-        </p:spPr>
+            <a:ext cx="10058040" cy="1142640"/>
+          </a:xfrm>
+          <a:prstGeom prst="rect">
+            <a:avLst/>
+          </a:prstGeom>
+          <a:noFill/>
+          <a:ln w="0">
+            <a:noFill/>
+          </a:ln>
+        </p:spPr>
+        <p:style>
+          <a:lnRef idx="0"/>
+          <a:fillRef idx="0"/>
+          <a:effectRef idx="0"/>
+          <a:fontRef idx="minor"/>
+        </p:style>
         <p:txBody>
           <a:bodyPr lIns="90000" rIns="90000" tIns="45000" bIns="45000" anchor="t">
             <a:spAutoFit/>
           </a:bodyPr>
           <a:p>
+            <a:pPr>
+              <a:lnSpc>
+                <a:spcPct val="100000"/>
+              </a:lnSpc>
+            </a:pPr>
             <a:r>
               <a:rPr b="0" lang="en-US" sz="3200" strike="noStrike" u="none">
                 <a:solidFill>
@@ -8932,7 +9462,7 @@
         <p:spPr>
           <a:xfrm>
             <a:off x="838080" y="365040"/>
-            <a:ext cx="8715240" cy="1325160"/>
+            <a:ext cx="8714880" cy="1324800"/>
           </a:xfrm>
           <a:prstGeom prst="rect">
             <a:avLst/>
@@ -8952,6 +9482,9 @@
                 <a:spcPct val="90000"/>
               </a:lnSpc>
               <a:buNone/>
+              <a:tabLst>
+                <a:tab algn="l" pos="0"/>
+              </a:tabLst>
             </a:pPr>
             <a:r>
               <a:rPr b="0" lang="en-US" sz="4400" strike="noStrike" u="none">
@@ -8966,11 +9499,11 @@
             </a:r>
             <a:endParaRPr b="0" lang="en-US" sz="4400" strike="noStrike" u="none">
               <a:solidFill>
-                <a:schemeClr val="dk1"/>
-              </a:solidFill>
-              <a:effectLst/>
-              <a:uFillTx/>
-              <a:latin typeface="Calibri"/>
+                <a:srgbClr val="000000"/>
+              </a:solidFill>
+              <a:effectLst/>
+              <a:uFillTx/>
+              <a:latin typeface="Arial"/>
             </a:endParaRPr>
           </a:p>
         </p:txBody>
@@ -8988,7 +9521,7 @@
         <p:spPr>
           <a:xfrm>
             <a:off x="9553680" y="727920"/>
-            <a:ext cx="1799640" cy="599760"/>
+            <a:ext cx="1799280" cy="599400"/>
           </a:xfrm>
           <a:prstGeom prst="rect">
             <a:avLst/>
@@ -9002,27 +9535,38 @@
       <p:sp>
         <p:nvSpPr>
           <p:cNvPr id="69" name=""/>
-          <p:cNvSpPr txBox="1"/>
+          <p:cNvSpPr/>
           <p:nvPr/>
         </p:nvSpPr>
         <p:spPr>
           <a:xfrm>
             <a:off x="914400" y="2286000"/>
-            <a:ext cx="10058400" cy="2743200"/>
-          </a:xfrm>
-          <a:prstGeom prst="rect">
-            <a:avLst/>
-          </a:prstGeom>
-          <a:noFill/>
-          <a:ln w="0">
-            <a:noFill/>
-          </a:ln>
-        </p:spPr>
+            <a:ext cx="10058040" cy="2742840"/>
+          </a:xfrm>
+          <a:prstGeom prst="rect">
+            <a:avLst/>
+          </a:prstGeom>
+          <a:noFill/>
+          <a:ln w="0">
+            <a:noFill/>
+          </a:ln>
+        </p:spPr>
+        <p:style>
+          <a:lnRef idx="0"/>
+          <a:fillRef idx="0"/>
+          <a:effectRef idx="0"/>
+          <a:fontRef idx="minor"/>
+        </p:style>
         <p:txBody>
           <a:bodyPr lIns="90000" rIns="90000" tIns="45000" bIns="45000" anchor="t">
             <a:spAutoFit/>
           </a:bodyPr>
           <a:p>
+            <a:pPr>
+              <a:lnSpc>
+                <a:spcPct val="100000"/>
+              </a:lnSpc>
+            </a:pPr>
             <a:r>
               <a:rPr b="0" lang="en-US" sz="2400" strike="noStrike" u="none">
                 <a:solidFill>
@@ -9045,6 +9589,9 @@
           </a:p>
           <a:p>
             <a:pPr lvl="1" marL="432000" indent="-216000">
+              <a:lnSpc>
+                <a:spcPct val="100000"/>
+              </a:lnSpc>
               <a:buClr>
                 <a:srgbClr val="000000"/>
               </a:buClr>
@@ -9074,6 +9621,9 @@
           </a:p>
           <a:p>
             <a:pPr lvl="1" marL="432000" indent="-216000">
+              <a:lnSpc>
+                <a:spcPct val="100000"/>
+              </a:lnSpc>
               <a:buClr>
                 <a:srgbClr val="000000"/>
               </a:buClr>
@@ -9103,6 +9653,9 @@
           </a:p>
           <a:p>
             <a:pPr lvl="1" marL="432000" indent="-216000">
+              <a:lnSpc>
+                <a:spcPct val="100000"/>
+              </a:lnSpc>
               <a:buClr>
                 <a:srgbClr val="000000"/>
               </a:buClr>
@@ -9175,7 +9728,7 @@
         <p:spPr>
           <a:xfrm>
             <a:off x="838080" y="365040"/>
-            <a:ext cx="8715240" cy="962280"/>
+            <a:ext cx="8714880" cy="961920"/>
           </a:xfrm>
           <a:prstGeom prst="rect">
             <a:avLst/>
@@ -9195,6 +9748,9 @@
                 <a:spcPct val="90000"/>
               </a:lnSpc>
               <a:buNone/>
+              <a:tabLst>
+                <a:tab algn="l" pos="0"/>
+              </a:tabLst>
             </a:pPr>
             <a:r>
               <a:rPr b="0" lang="en-US" sz="4400" strike="noStrike" u="none">
@@ -9209,11 +9765,11 @@
             </a:r>
             <a:endParaRPr b="0" lang="en-US" sz="4400" strike="noStrike" u="none">
               <a:solidFill>
-                <a:schemeClr val="dk1"/>
-              </a:solidFill>
-              <a:effectLst/>
-              <a:uFillTx/>
-              <a:latin typeface="Calibri"/>
+                <a:srgbClr val="000000"/>
+              </a:solidFill>
+              <a:effectLst/>
+              <a:uFillTx/>
+              <a:latin typeface="Arial"/>
             </a:endParaRPr>
           </a:p>
         </p:txBody>
@@ -9231,7 +9787,7 @@
         <p:spPr>
           <a:xfrm>
             <a:off x="9553680" y="727920"/>
-            <a:ext cx="1799640" cy="599760"/>
+            <a:ext cx="1799280" cy="599400"/>
           </a:xfrm>
           <a:prstGeom prst="rect">
             <a:avLst/>
@@ -9245,27 +9801,38 @@
       <p:sp>
         <p:nvSpPr>
           <p:cNvPr id="72" name=""/>
-          <p:cNvSpPr txBox="1"/>
+          <p:cNvSpPr/>
           <p:nvPr/>
         </p:nvSpPr>
         <p:spPr>
           <a:xfrm>
             <a:off x="1143000" y="2057400"/>
-            <a:ext cx="10287000" cy="3429000"/>
-          </a:xfrm>
-          <a:prstGeom prst="rect">
-            <a:avLst/>
-          </a:prstGeom>
-          <a:noFill/>
-          <a:ln w="0">
-            <a:noFill/>
-          </a:ln>
-        </p:spPr>
+            <a:ext cx="10286640" cy="3428640"/>
+          </a:xfrm>
+          <a:prstGeom prst="rect">
+            <a:avLst/>
+          </a:prstGeom>
+          <a:noFill/>
+          <a:ln w="0">
+            <a:noFill/>
+          </a:ln>
+        </p:spPr>
+        <p:style>
+          <a:lnRef idx="0"/>
+          <a:fillRef idx="0"/>
+          <a:effectRef idx="0"/>
+          <a:fontRef idx="minor"/>
+        </p:style>
         <p:txBody>
           <a:bodyPr lIns="90000" rIns="90000" tIns="45000" bIns="45000" anchor="t">
             <a:spAutoFit/>
           </a:bodyPr>
           <a:p>
+            <a:pPr>
+              <a:lnSpc>
+                <a:spcPct val="100000"/>
+              </a:lnSpc>
+            </a:pPr>
             <a:r>
               <a:rPr b="0" lang="en-US" sz="2400" strike="noStrike" u="none">
                 <a:solidFill>
@@ -9288,6 +9855,9 @@
           </a:p>
           <a:p>
             <a:pPr lvl="1" marL="432000" indent="-216000">
+              <a:lnSpc>
+                <a:spcPct val="100000"/>
+              </a:lnSpc>
               <a:buClr>
                 <a:srgbClr val="000000"/>
               </a:buClr>
@@ -9317,6 +9887,9 @@
           </a:p>
           <a:p>
             <a:pPr lvl="1" marL="432000" indent="-216000">
+              <a:lnSpc>
+                <a:spcPct val="100000"/>
+              </a:lnSpc>
               <a:buClr>
                 <a:srgbClr val="000000"/>
               </a:buClr>
@@ -9345,6 +9918,11 @@
             </a:endParaRPr>
           </a:p>
           <a:p>
+            <a:pPr>
+              <a:lnSpc>
+                <a:spcPct val="100000"/>
+              </a:lnSpc>
+            </a:pPr>
             <a:endParaRPr b="0" lang="en-US" sz="2400" strike="noStrike" u="none">
               <a:solidFill>
                 <a:srgbClr val="000000"/>
@@ -9355,6 +9933,11 @@
             </a:endParaRPr>
           </a:p>
           <a:p>
+            <a:pPr>
+              <a:lnSpc>
+                <a:spcPct val="100000"/>
+              </a:lnSpc>
+            </a:pPr>
             <a:r>
               <a:rPr b="0" lang="en-US" sz="2400" strike="noStrike" u="none">
                 <a:solidFill>
@@ -9420,7 +10003,7 @@
         <p:spPr>
           <a:xfrm>
             <a:off x="838080" y="365040"/>
-            <a:ext cx="8486280" cy="1325160"/>
+            <a:ext cx="8485920" cy="1324800"/>
           </a:xfrm>
           <a:prstGeom prst="rect">
             <a:avLst/>
@@ -9440,6 +10023,9 @@
                 <a:spcPct val="90000"/>
               </a:lnSpc>
               <a:buNone/>
+              <a:tabLst>
+                <a:tab algn="l" pos="0"/>
+              </a:tabLst>
             </a:pPr>
             <a:r>
               <a:rPr b="0" lang="en-US" sz="4400" strike="noStrike" u="none">
@@ -9454,11 +10040,11 @@
             </a:r>
             <a:endParaRPr b="0" lang="en-US" sz="4400" strike="noStrike" u="none">
               <a:solidFill>
-                <a:schemeClr val="dk1"/>
-              </a:solidFill>
-              <a:effectLst/>
-              <a:uFillTx/>
-              <a:latin typeface="Calibri"/>
+                <a:srgbClr val="000000"/>
+              </a:solidFill>
+              <a:effectLst/>
+              <a:uFillTx/>
+              <a:latin typeface="Arial"/>
             </a:endParaRPr>
           </a:p>
         </p:txBody>
@@ -9476,7 +10062,7 @@
         <p:spPr>
           <a:xfrm>
             <a:off x="9553680" y="727920"/>
-            <a:ext cx="1799640" cy="599760"/>
+            <a:ext cx="1799280" cy="599400"/>
           </a:xfrm>
           <a:prstGeom prst="rect">
             <a:avLst/>
@@ -9496,7 +10082,7 @@
         <p:spPr>
           <a:xfrm>
             <a:off x="838080" y="2090160"/>
-            <a:ext cx="10515240" cy="2651400"/>
+            <a:ext cx="10514880" cy="3078360"/>
           </a:xfrm>
           <a:prstGeom prst="rect">
             <a:avLst/>
@@ -9599,6 +10185,37 @@
                 <a:latin typeface="Calibri"/>
               </a:rPr>
               <a:t>Standard practices were followed when cleaning the data and missing values were imputed or dropped, datatype mismatches were fixed, and risk scores of -1 were removed</a:t>
+            </a:r>
+            <a:endParaRPr b="0" lang="en-US" sz="2800" strike="noStrike" u="none">
+              <a:solidFill>
+                <a:srgbClr val="000000"/>
+              </a:solidFill>
+              <a:effectLst/>
+              <a:uFillTx/>
+              <a:latin typeface="Arial"/>
+            </a:endParaRPr>
+          </a:p>
+          <a:p>
+            <a:pPr marL="285840" indent="-285840" defTabSz="914400">
+              <a:lnSpc>
+                <a:spcPct val="100000"/>
+              </a:lnSpc>
+              <a:buClr>
+                <a:srgbClr val="000000"/>
+              </a:buClr>
+              <a:buFont typeface="Arial"/>
+              <a:buChar char="•"/>
+            </a:pPr>
+            <a:r>
+              <a:rPr b="0" lang="en-US" sz="2800" strike="noStrike" u="none">
+                <a:solidFill>
+                  <a:schemeClr val="dk1"/>
+                </a:solidFill>
+                <a:effectLst/>
+                <a:uFillTx/>
+                <a:latin typeface="Calibri"/>
+              </a:rPr>
+              <a:t>After cleaning, the number of features were reduced to 28</a:t>
             </a:r>
             <a:endParaRPr b="0" lang="en-US" sz="2800" strike="noStrike" u="none">
               <a:solidFill>
@@ -9654,7 +10271,7 @@
         <p:spPr>
           <a:xfrm>
             <a:off x="838080" y="365040"/>
-            <a:ext cx="8715240" cy="1325160"/>
+            <a:ext cx="8714880" cy="1324800"/>
           </a:xfrm>
           <a:prstGeom prst="rect">
             <a:avLst/>
@@ -9674,6 +10291,9 @@
                 <a:spcPct val="90000"/>
               </a:lnSpc>
               <a:buNone/>
+              <a:tabLst>
+                <a:tab algn="l" pos="0"/>
+              </a:tabLst>
             </a:pPr>
             <a:r>
               <a:rPr b="0" lang="en-US" sz="4400" strike="noStrike" u="none">
@@ -9688,11 +10308,11 @@
             </a:r>
             <a:endParaRPr b="0" lang="en-US" sz="4400" strike="noStrike" u="none">
               <a:solidFill>
-                <a:schemeClr val="dk1"/>
-              </a:solidFill>
-              <a:effectLst/>
-              <a:uFillTx/>
-              <a:latin typeface="Calibri"/>
+                <a:srgbClr val="000000"/>
+              </a:solidFill>
+              <a:effectLst/>
+              <a:uFillTx/>
+              <a:latin typeface="Arial"/>
             </a:endParaRPr>
           </a:p>
         </p:txBody>
@@ -9710,7 +10330,7 @@
         <p:spPr>
           <a:xfrm>
             <a:off x="9553680" y="727920"/>
-            <a:ext cx="1799640" cy="599760"/>
+            <a:ext cx="1799280" cy="599400"/>
           </a:xfrm>
           <a:prstGeom prst="rect">
             <a:avLst/>
@@ -9734,7 +10354,7 @@
         <p:spPr>
           <a:xfrm>
             <a:off x="6801840" y="2514600"/>
-            <a:ext cx="4628160" cy="2504160"/>
+            <a:ext cx="4627800" cy="2503800"/>
           </a:xfrm>
           <a:prstGeom prst="rect">
             <a:avLst/>
@@ -9748,28 +10368,37 @@
       <p:sp>
         <p:nvSpPr>
           <p:cNvPr id="79" name=""/>
-          <p:cNvSpPr txBox="1"/>
+          <p:cNvSpPr/>
           <p:nvPr/>
         </p:nvSpPr>
         <p:spPr>
           <a:xfrm>
             <a:off x="1143000" y="2057400"/>
-            <a:ext cx="5257800" cy="3488760"/>
-          </a:xfrm>
-          <a:prstGeom prst="rect">
-            <a:avLst/>
-          </a:prstGeom>
-          <a:noFill/>
-          <a:ln w="0">
-            <a:noFill/>
-          </a:ln>
-        </p:spPr>
+            <a:ext cx="5257440" cy="3488400"/>
+          </a:xfrm>
+          <a:prstGeom prst="rect">
+            <a:avLst/>
+          </a:prstGeom>
+          <a:noFill/>
+          <a:ln w="0">
+            <a:noFill/>
+          </a:ln>
+        </p:spPr>
+        <p:style>
+          <a:lnRef idx="0"/>
+          <a:fillRef idx="0"/>
+          <a:effectRef idx="0"/>
+          <a:fontRef idx="minor"/>
+        </p:style>
         <p:txBody>
           <a:bodyPr lIns="90000" rIns="90000" tIns="45000" bIns="45000" anchor="t">
             <a:spAutoFit/>
           </a:bodyPr>
           <a:p>
             <a:pPr marL="216000" indent="-216000">
+              <a:lnSpc>
+                <a:spcPct val="100000"/>
+              </a:lnSpc>
               <a:buClr>
                 <a:srgbClr val="000000"/>
               </a:buClr>
@@ -9799,6 +10428,9 @@
           </a:p>
           <a:p>
             <a:pPr marL="216000" indent="-216000">
+              <a:lnSpc>
+                <a:spcPct val="100000"/>
+              </a:lnSpc>
               <a:buClr>
                 <a:srgbClr val="000000"/>
               </a:buClr>
@@ -9828,6 +10460,9 @@
           </a:p>
           <a:p>
             <a:pPr lvl="1" marL="432000" indent="-216000">
+              <a:lnSpc>
+                <a:spcPct val="100000"/>
+              </a:lnSpc>
               <a:buClr>
                 <a:srgbClr val="000000"/>
               </a:buClr>
@@ -9857,6 +10492,9 @@
           </a:p>
           <a:p>
             <a:pPr lvl="1" marL="432000" indent="-216000">
+              <a:lnSpc>
+                <a:spcPct val="100000"/>
+              </a:lnSpc>
               <a:buClr>
                 <a:srgbClr val="000000"/>
               </a:buClr>
@@ -9886,6 +10524,9 @@
           </a:p>
           <a:p>
             <a:pPr marL="216000" indent="-216000">
+              <a:lnSpc>
+                <a:spcPct val="100000"/>
+              </a:lnSpc>
               <a:buClr>
                 <a:srgbClr val="000000"/>
               </a:buClr>
@@ -9980,7 +10621,7 @@
         <p:spPr>
           <a:xfrm>
             <a:off x="838080" y="365040"/>
-            <a:ext cx="7684920" cy="1325160"/>
+            <a:ext cx="7684560" cy="1324800"/>
           </a:xfrm>
           <a:prstGeom prst="rect">
             <a:avLst/>
@@ -10000,6 +10641,9 @@
                 <a:spcPct val="90000"/>
               </a:lnSpc>
               <a:buNone/>
+              <a:tabLst>
+                <a:tab algn="l" pos="0"/>
+              </a:tabLst>
             </a:pPr>
             <a:r>
               <a:rPr b="0" lang="en-US" sz="4400" strike="noStrike" u="none">
@@ -10014,11 +10658,11 @@
             </a:r>
             <a:endParaRPr b="0" lang="en-US" sz="4400" strike="noStrike" u="none">
               <a:solidFill>
-                <a:schemeClr val="dk1"/>
-              </a:solidFill>
-              <a:effectLst/>
-              <a:uFillTx/>
-              <a:latin typeface="Calibri"/>
+                <a:srgbClr val="000000"/>
+              </a:solidFill>
+              <a:effectLst/>
+              <a:uFillTx/>
+              <a:latin typeface="Arial"/>
             </a:endParaRPr>
           </a:p>
         </p:txBody>
@@ -10036,7 +10680,7 @@
         <p:spPr>
           <a:xfrm>
             <a:off x="9553680" y="727920"/>
-            <a:ext cx="1799640" cy="599760"/>
+            <a:ext cx="1799280" cy="599400"/>
           </a:xfrm>
           <a:prstGeom prst="rect">
             <a:avLst/>
@@ -10060,7 +10704,7 @@
         <p:spPr>
           <a:xfrm>
             <a:off x="5943600" y="1690200"/>
-            <a:ext cx="5421240" cy="4316760"/>
+            <a:ext cx="5420880" cy="4316400"/>
           </a:xfrm>
           <a:prstGeom prst="rect">
             <a:avLst/>
@@ -10074,27 +10718,38 @@
       <p:sp>
         <p:nvSpPr>
           <p:cNvPr id="83" name=""/>
-          <p:cNvSpPr txBox="1"/>
+          <p:cNvSpPr/>
           <p:nvPr/>
         </p:nvSpPr>
         <p:spPr>
           <a:xfrm>
             <a:off x="838080" y="1600200"/>
-            <a:ext cx="4800600" cy="4508280"/>
-          </a:xfrm>
-          <a:prstGeom prst="rect">
-            <a:avLst/>
-          </a:prstGeom>
-          <a:noFill/>
-          <a:ln w="0">
-            <a:noFill/>
-          </a:ln>
-        </p:spPr>
+            <a:ext cx="4800240" cy="4507920"/>
+          </a:xfrm>
+          <a:prstGeom prst="rect">
+            <a:avLst/>
+          </a:prstGeom>
+          <a:noFill/>
+          <a:ln w="0">
+            <a:noFill/>
+          </a:ln>
+        </p:spPr>
+        <p:style>
+          <a:lnRef idx="0"/>
+          <a:fillRef idx="0"/>
+          <a:effectRef idx="0"/>
+          <a:fontRef idx="minor"/>
+        </p:style>
         <p:txBody>
           <a:bodyPr lIns="90000" rIns="90000" tIns="45000" bIns="45000" anchor="t">
             <a:spAutoFit/>
           </a:bodyPr>
           <a:p>
+            <a:pPr>
+              <a:lnSpc>
+                <a:spcPct val="100000"/>
+              </a:lnSpc>
+            </a:pPr>
             <a:r>
               <a:rPr b="0" lang="en-US" sz="2400" strike="noStrike" u="none">
                 <a:solidFill>
@@ -10117,6 +10772,9 @@
           </a:p>
           <a:p>
             <a:pPr marL="216000" indent="-216000">
+              <a:lnSpc>
+                <a:spcPct val="100000"/>
+              </a:lnSpc>
               <a:buClr>
                 <a:srgbClr val="000000"/>
               </a:buClr>
@@ -10146,6 +10804,9 @@
           </a:p>
           <a:p>
             <a:pPr marL="216000" indent="-216000">
+              <a:lnSpc>
+                <a:spcPct val="100000"/>
+              </a:lnSpc>
               <a:buClr>
                 <a:srgbClr val="000000"/>
               </a:buClr>
@@ -10175,6 +10836,9 @@
           </a:p>
           <a:p>
             <a:pPr marL="216000" indent="-216000">
+              <a:lnSpc>
+                <a:spcPct val="100000"/>
+              </a:lnSpc>
               <a:buClr>
                 <a:srgbClr val="000000"/>
               </a:buClr>
@@ -10247,7 +10911,7 @@
         <p:spPr>
           <a:xfrm>
             <a:off x="838080" y="365040"/>
-            <a:ext cx="7684920" cy="1325160"/>
+            <a:ext cx="7684560" cy="1324800"/>
           </a:xfrm>
           <a:prstGeom prst="rect">
             <a:avLst/>
@@ -10267,6 +10931,9 @@
                 <a:spcPct val="90000"/>
               </a:lnSpc>
               <a:buNone/>
+              <a:tabLst>
+                <a:tab algn="l" pos="0"/>
+              </a:tabLst>
             </a:pPr>
             <a:r>
               <a:rPr b="0" lang="en-US" sz="4400" strike="noStrike" u="none">
@@ -10281,11 +10948,11 @@
             </a:r>
             <a:endParaRPr b="0" lang="en-US" sz="4400" strike="noStrike" u="none">
               <a:solidFill>
-                <a:schemeClr val="dk1"/>
-              </a:solidFill>
-              <a:effectLst/>
-              <a:uFillTx/>
-              <a:latin typeface="Calibri"/>
+                <a:srgbClr val="000000"/>
+              </a:solidFill>
+              <a:effectLst/>
+              <a:uFillTx/>
+              <a:latin typeface="Arial"/>
             </a:endParaRPr>
           </a:p>
         </p:txBody>
@@ -10303,7 +10970,7 @@
         <p:spPr>
           <a:xfrm>
             <a:off x="9553680" y="727920"/>
-            <a:ext cx="1799640" cy="599760"/>
+            <a:ext cx="1799280" cy="599400"/>
           </a:xfrm>
           <a:prstGeom prst="rect">
             <a:avLst/>
@@ -10317,28 +10984,37 @@
       <p:sp>
         <p:nvSpPr>
           <p:cNvPr id="86" name=""/>
-          <p:cNvSpPr txBox="1"/>
+          <p:cNvSpPr/>
           <p:nvPr/>
         </p:nvSpPr>
         <p:spPr>
           <a:xfrm>
             <a:off x="685800" y="1690200"/>
-            <a:ext cx="5715000" cy="3828600"/>
-          </a:xfrm>
-          <a:prstGeom prst="rect">
-            <a:avLst/>
-          </a:prstGeom>
-          <a:noFill/>
-          <a:ln w="0">
-            <a:noFill/>
-          </a:ln>
-        </p:spPr>
+            <a:ext cx="5714640" cy="4113000"/>
+          </a:xfrm>
+          <a:prstGeom prst="rect">
+            <a:avLst/>
+          </a:prstGeom>
+          <a:noFill/>
+          <a:ln w="0">
+            <a:noFill/>
+          </a:ln>
+        </p:spPr>
+        <p:style>
+          <a:lnRef idx="0"/>
+          <a:fillRef idx="0"/>
+          <a:effectRef idx="0"/>
+          <a:fontRef idx="minor"/>
+        </p:style>
         <p:txBody>
           <a:bodyPr lIns="90000" rIns="90000" tIns="45000" bIns="45000" anchor="t">
             <a:spAutoFit/>
           </a:bodyPr>
           <a:p>
             <a:pPr marL="216000" indent="-216000">
+              <a:lnSpc>
+                <a:spcPct val="100000"/>
+              </a:lnSpc>
               <a:buClr>
                 <a:srgbClr val="000000"/>
               </a:buClr>
@@ -10390,6 +11066,9 @@
           </a:p>
           <a:p>
             <a:pPr marL="216000" indent="-216000">
+              <a:lnSpc>
+                <a:spcPct val="100000"/>
+              </a:lnSpc>
               <a:buClr>
                 <a:srgbClr val="000000"/>
               </a:buClr>
@@ -10419,6 +11098,9 @@
           </a:p>
           <a:p>
             <a:pPr marL="216000" indent="-216000">
+              <a:lnSpc>
+                <a:spcPct val="100000"/>
+              </a:lnSpc>
               <a:buClr>
                 <a:srgbClr val="000000"/>
               </a:buClr>
@@ -10448,6 +11130,9 @@
           </a:p>
           <a:p>
             <a:pPr marL="216000" indent="-216000">
+              <a:lnSpc>
+                <a:spcPct val="100000"/>
+              </a:lnSpc>
               <a:buClr>
                 <a:srgbClr val="000000"/>
               </a:buClr>
@@ -10464,7 +11149,7 @@
                 <a:uFillTx/>
                 <a:latin typeface="Arial"/>
               </a:rPr>
-              <a:t>My analysis of these scores confirmed this</a:t>
+              <a:t>My analysis of these scores support this conclusion</a:t>
             </a:r>
             <a:endParaRPr b="0" lang="en-US" sz="2400" strike="noStrike" u="none">
               <a:solidFill>
@@ -10490,7 +11175,7 @@
         <p:spPr>
           <a:xfrm>
             <a:off x="6400800" y="2170080"/>
-            <a:ext cx="5199480" cy="2570760"/>
+            <a:ext cx="5199120" cy="2570400"/>
           </a:xfrm>
           <a:prstGeom prst="rect">
             <a:avLst/>
